--- a/Präsentation.pptx
+++ b/Präsentation.pptx
@@ -5,34 +5,40 @@
     <p:sldMasterId id="2147483660" r:id="rId1"/>
   </p:sldMasterIdLst>
   <p:notesMasterIdLst>
-    <p:notesMasterId r:id="rId27"/>
+    <p:notesMasterId r:id="rId33"/>
   </p:notesMasterIdLst>
   <p:sldIdLst>
     <p:sldId id="256" r:id="rId2"/>
     <p:sldId id="257" r:id="rId3"/>
-    <p:sldId id="262" r:id="rId4"/>
-    <p:sldId id="258" r:id="rId5"/>
-    <p:sldId id="304" r:id="rId6"/>
-    <p:sldId id="307" r:id="rId7"/>
+    <p:sldId id="258" r:id="rId4"/>
+    <p:sldId id="304" r:id="rId5"/>
+    <p:sldId id="307" r:id="rId6"/>
+    <p:sldId id="333" r:id="rId7"/>
     <p:sldId id="260" r:id="rId8"/>
-    <p:sldId id="318" r:id="rId9"/>
-    <p:sldId id="322" r:id="rId10"/>
-    <p:sldId id="312" r:id="rId11"/>
-    <p:sldId id="309" r:id="rId12"/>
-    <p:sldId id="319" r:id="rId13"/>
-    <p:sldId id="323" r:id="rId14"/>
-    <p:sldId id="313" r:id="rId15"/>
-    <p:sldId id="310" r:id="rId16"/>
-    <p:sldId id="320" r:id="rId17"/>
-    <p:sldId id="324" r:id="rId18"/>
-    <p:sldId id="314" r:id="rId19"/>
-    <p:sldId id="315" r:id="rId20"/>
-    <p:sldId id="321" r:id="rId21"/>
-    <p:sldId id="325" r:id="rId22"/>
-    <p:sldId id="316" r:id="rId23"/>
-    <p:sldId id="300" r:id="rId24"/>
-    <p:sldId id="306" r:id="rId25"/>
-    <p:sldId id="305" r:id="rId26"/>
+    <p:sldId id="326" r:id="rId9"/>
+    <p:sldId id="327" r:id="rId10"/>
+    <p:sldId id="330" r:id="rId11"/>
+    <p:sldId id="332" r:id="rId12"/>
+    <p:sldId id="331" r:id="rId13"/>
+    <p:sldId id="312" r:id="rId14"/>
+    <p:sldId id="334" r:id="rId15"/>
+    <p:sldId id="309" r:id="rId16"/>
+    <p:sldId id="319" r:id="rId17"/>
+    <p:sldId id="323" r:id="rId18"/>
+    <p:sldId id="313" r:id="rId19"/>
+    <p:sldId id="328" r:id="rId20"/>
+    <p:sldId id="310" r:id="rId21"/>
+    <p:sldId id="320" r:id="rId22"/>
+    <p:sldId id="324" r:id="rId23"/>
+    <p:sldId id="314" r:id="rId24"/>
+    <p:sldId id="329" r:id="rId25"/>
+    <p:sldId id="315" r:id="rId26"/>
+    <p:sldId id="321" r:id="rId27"/>
+    <p:sldId id="325" r:id="rId28"/>
+    <p:sldId id="316" r:id="rId29"/>
+    <p:sldId id="300" r:id="rId30"/>
+    <p:sldId id="306" r:id="rId31"/>
+    <p:sldId id="305" r:id="rId32"/>
   </p:sldIdLst>
   <p:sldSz cx="12192000" cy="6858000"/>
   <p:notesSz cx="6858000" cy="9144000"/>
@@ -235,7 +241,7 @@
           <a:p>
             <a:fld id="{F785B1FE-AA4E-4B71-B439-5205AC576DE5}" type="datetimeFigureOut">
               <a:rPr lang="de-DE" smtClean="0"/>
-              <a:t>16.04.2024</a:t>
+              <a:t>19.04.2024</a:t>
             </a:fld>
             <a:endParaRPr lang="de-DE"/>
           </a:p>
@@ -591,7 +597,7 @@
           <a:p>
             <a:fld id="{9CF00228-6035-49D6-8AF9-769342E803A1}" type="slidenum">
               <a:rPr lang="de-DE" smtClean="0"/>
-              <a:t>4</a:t>
+              <a:t>3</a:t>
             </a:fld>
             <a:endParaRPr lang="de-DE"/>
           </a:p>
@@ -675,7 +681,7 @@
           <a:p>
             <a:fld id="{9CF00228-6035-49D6-8AF9-769342E803A1}" type="slidenum">
               <a:rPr lang="de-DE" smtClean="0"/>
-              <a:t>5</a:t>
+              <a:t>4</a:t>
             </a:fld>
             <a:endParaRPr lang="de-DE"/>
           </a:p>
@@ -759,7 +765,7 @@
           <a:p>
             <a:fld id="{9CF00228-6035-49D6-8AF9-769342E803A1}" type="slidenum">
               <a:rPr lang="de-DE" smtClean="0"/>
-              <a:t>23</a:t>
+              <a:t>29</a:t>
             </a:fld>
             <a:endParaRPr lang="de-DE"/>
           </a:p>
@@ -1500,7 +1506,7 @@
           <a:p>
             <a:fld id="{F3D5F5E2-CAA7-4A86-923E-CD0D77B5BA3E}" type="datetime1">
               <a:rPr lang="de-DE" smtClean="0"/>
-              <a:t>16.04.2024</a:t>
+              <a:t>19.04.2024</a:t>
             </a:fld>
             <a:endParaRPr lang="de-DE"/>
           </a:p>
@@ -1751,7 +1757,7 @@
           <a:p>
             <a:fld id="{18FB25EA-C6EB-430A-B5D9-BE5DC8B65D4D}" type="datetime1">
               <a:rPr lang="de-DE" smtClean="0"/>
-              <a:t>16.04.2024</a:t>
+              <a:t>19.04.2024</a:t>
             </a:fld>
             <a:endParaRPr lang="de-DE"/>
           </a:p>
@@ -2065,7 +2071,7 @@
           <a:p>
             <a:fld id="{CB70986C-A2A0-4B0B-A989-D05492E3F019}" type="datetime1">
               <a:rPr lang="de-DE" smtClean="0"/>
-              <a:t>16.04.2024</a:t>
+              <a:t>19.04.2024</a:t>
             </a:fld>
             <a:endParaRPr lang="de-DE"/>
           </a:p>
@@ -2406,7 +2412,7 @@
           <a:p>
             <a:fld id="{4D4B04D7-A908-4F78-A07D-B2F344B051CE}" type="datetime1">
               <a:rPr lang="de-DE" smtClean="0"/>
-              <a:t>16.04.2024</a:t>
+              <a:t>19.04.2024</a:t>
             </a:fld>
             <a:endParaRPr lang="de-DE"/>
           </a:p>
@@ -2720,7 +2726,7 @@
           <a:p>
             <a:fld id="{C5D46E81-2EDF-431D-A82A-20A1C8876F74}" type="datetime1">
               <a:rPr lang="de-DE" smtClean="0"/>
-              <a:t>16.04.2024</a:t>
+              <a:t>19.04.2024</a:t>
             </a:fld>
             <a:endParaRPr lang="de-DE"/>
           </a:p>
@@ -3113,7 +3119,7 @@
           <a:p>
             <a:fld id="{768C5565-0D1F-494B-AE08-C0EA741D195F}" type="datetime1">
               <a:rPr lang="de-DE" smtClean="0"/>
-              <a:t>16.04.2024</a:t>
+              <a:t>19.04.2024</a:t>
             </a:fld>
             <a:endParaRPr lang="de-DE"/>
           </a:p>
@@ -3283,7 +3289,7 @@
           <a:p>
             <a:fld id="{45BC0227-B264-4A8D-A7A3-485F3FA0E050}" type="datetime1">
               <a:rPr lang="de-DE" smtClean="0"/>
-              <a:t>16.04.2024</a:t>
+              <a:t>19.04.2024</a:t>
             </a:fld>
             <a:endParaRPr lang="de-DE"/>
           </a:p>
@@ -3463,7 +3469,7 @@
           <a:p>
             <a:fld id="{3C81F6E3-D786-4208-83A2-DE1BCC9292C8}" type="datetime1">
               <a:rPr lang="de-DE" smtClean="0"/>
-              <a:t>16.04.2024</a:t>
+              <a:t>19.04.2024</a:t>
             </a:fld>
             <a:endParaRPr lang="de-DE"/>
           </a:p>
@@ -3639,7 +3645,7 @@
           <a:p>
             <a:fld id="{87765F55-933A-4F02-A06B-603B73ECF528}" type="datetime1">
               <a:rPr lang="de-DE" smtClean="0"/>
-              <a:t>16.04.2024</a:t>
+              <a:t>19.04.2024</a:t>
             </a:fld>
             <a:endParaRPr lang="de-DE"/>
           </a:p>
@@ -3886,7 +3892,7 @@
           <a:p>
             <a:fld id="{73AF31B1-0B6E-4C25-AB68-E33A9E7C7C6A}" type="datetime1">
               <a:rPr lang="de-DE" smtClean="0"/>
-              <a:t>16.04.2024</a:t>
+              <a:t>19.04.2024</a:t>
             </a:fld>
             <a:endParaRPr lang="de-DE"/>
           </a:p>
@@ -4118,7 +4124,7 @@
           <a:p>
             <a:fld id="{6AACAE4E-D1D5-4FA9-9AC9-CAC177FFEC21}" type="datetime1">
               <a:rPr lang="de-DE" smtClean="0"/>
-              <a:t>16.04.2024</a:t>
+              <a:t>19.04.2024</a:t>
             </a:fld>
             <a:endParaRPr lang="de-DE"/>
           </a:p>
@@ -4492,7 +4498,7 @@
           <a:p>
             <a:fld id="{8D8215C6-441F-437A-A02F-D67B26A3F6EA}" type="datetime1">
               <a:rPr lang="de-DE" smtClean="0"/>
-              <a:t>16.04.2024</a:t>
+              <a:t>19.04.2024</a:t>
             </a:fld>
             <a:endParaRPr lang="de-DE"/>
           </a:p>
@@ -4615,7 +4621,7 @@
           <a:p>
             <a:fld id="{F5DD57FA-E32A-4E89-B83E-510321E7A173}" type="datetime1">
               <a:rPr lang="de-DE" smtClean="0"/>
-              <a:t>16.04.2024</a:t>
+              <a:t>19.04.2024</a:t>
             </a:fld>
             <a:endParaRPr lang="de-DE"/>
           </a:p>
@@ -4710,7 +4716,7 @@
           <a:p>
             <a:fld id="{923FBCCF-369D-4EC0-8E7A-1FC2EF49DA4B}" type="datetime1">
               <a:rPr lang="de-DE" smtClean="0"/>
-              <a:t>16.04.2024</a:t>
+              <a:t>19.04.2024</a:t>
             </a:fld>
             <a:endParaRPr lang="de-DE"/>
           </a:p>
@@ -4965,7 +4971,7 @@
           <a:p>
             <a:fld id="{F74CAD67-AF59-4087-AA5B-1157A8A7B512}" type="datetime1">
               <a:rPr lang="de-DE" smtClean="0"/>
-              <a:t>16.04.2024</a:t>
+              <a:t>19.04.2024</a:t>
             </a:fld>
             <a:endParaRPr lang="de-DE"/>
           </a:p>
@@ -5228,7 +5234,7 @@
           <a:p>
             <a:fld id="{824E2DD9-5AA9-4178-8AA3-2455094E9E1B}" type="datetime1">
               <a:rPr lang="de-DE" smtClean="0"/>
-              <a:t>16.04.2024</a:t>
+              <a:t>19.04.2024</a:t>
             </a:fld>
             <a:endParaRPr lang="de-DE"/>
           </a:p>
@@ -5971,7 +5977,7 @@
           <a:p>
             <a:fld id="{683B91BB-2537-42F5-B006-02E91203E35B}" type="datetime1">
               <a:rPr lang="de-DE" smtClean="0"/>
-              <a:t>16.04.2024</a:t>
+              <a:t>19.04.2024</a:t>
             </a:fld>
             <a:endParaRPr lang="de-DE"/>
           </a:p>
@@ -6610,6 +6616,2357 @@
       </p:grpSpPr>
       <p:sp>
         <p:nvSpPr>
+          <p:cNvPr id="5" name="Titel 4">
+            <a:extLst>
+              <a:ext uri="{FF2B5EF4-FFF2-40B4-BE49-F238E27FC236}">
+                <a16:creationId xmlns:a16="http://schemas.microsoft.com/office/drawing/2014/main" id="{9AC7CF62-FB61-F470-0F12-008EF6E7A25A}"/>
+              </a:ext>
+            </a:extLst>
+          </p:cNvPr>
+          <p:cNvSpPr>
+            <a:spLocks noGrp="1"/>
+          </p:cNvSpPr>
+          <p:nvPr>
+            <p:ph type="title"/>
+          </p:nvPr>
+        </p:nvSpPr>
+        <p:spPr/>
+        <p:txBody>
+          <a:bodyPr/>
+          <a:lstStyle/>
+          <a:p>
+            <a:r>
+              <a:rPr lang="de-DE" dirty="0"/>
+              <a:t>Teilbereich Umsetzung – Dozenten View</a:t>
+            </a:r>
+          </a:p>
+        </p:txBody>
+      </p:sp>
+      <p:sp>
+        <p:nvSpPr>
+          <p:cNvPr id="4" name="Foliennummernplatzhalter 3">
+            <a:extLst>
+              <a:ext uri="{FF2B5EF4-FFF2-40B4-BE49-F238E27FC236}">
+                <a16:creationId xmlns:a16="http://schemas.microsoft.com/office/drawing/2014/main" id="{CBBE26C3-E16C-4194-A006-7B80AEB99D11}"/>
+              </a:ext>
+            </a:extLst>
+          </p:cNvPr>
+          <p:cNvSpPr>
+            <a:spLocks noGrp="1"/>
+          </p:cNvSpPr>
+          <p:nvPr>
+            <p:ph type="sldNum" sz="quarter" idx="12"/>
+          </p:nvPr>
+        </p:nvSpPr>
+        <p:spPr>
+          <a:xfrm>
+            <a:off x="8590664" y="6354748"/>
+            <a:ext cx="683339" cy="365125"/>
+          </a:xfrm>
+        </p:spPr>
+        <p:txBody>
+          <a:bodyPr/>
+          <a:lstStyle/>
+          <a:p>
+            <a:fld id="{0D177590-C0B9-4388-A01F-98FB57FCBBE4}" type="slidenum">
+              <a:rPr lang="de-DE" smtClean="0"/>
+              <a:t>10</a:t>
+            </a:fld>
+            <a:endParaRPr lang="de-DE"/>
+          </a:p>
+        </p:txBody>
+      </p:sp>
+      <p:sp>
+        <p:nvSpPr>
+          <p:cNvPr id="23" name="Textfeld 22">
+            <a:extLst>
+              <a:ext uri="{FF2B5EF4-FFF2-40B4-BE49-F238E27FC236}">
+                <a16:creationId xmlns:a16="http://schemas.microsoft.com/office/drawing/2014/main" id="{92AAB682-55F8-622B-12F1-8A89593D33EC}"/>
+              </a:ext>
+            </a:extLst>
+          </p:cNvPr>
+          <p:cNvSpPr txBox="1"/>
+          <p:nvPr/>
+        </p:nvSpPr>
+        <p:spPr>
+          <a:xfrm>
+            <a:off x="677334" y="1794456"/>
+            <a:ext cx="8840153" cy="2031325"/>
+          </a:xfrm>
+          <a:prstGeom prst="rect">
+            <a:avLst/>
+          </a:prstGeom>
+          <a:noFill/>
+        </p:spPr>
+        <p:txBody>
+          <a:bodyPr wrap="square">
+            <a:spAutoFit/>
+          </a:bodyPr>
+          <a:lstStyle/>
+          <a:p>
+            <a:r>
+              <a:rPr lang="de-DE" dirty="0"/>
+              <a:t>HSET </a:t>
+            </a:r>
+            <a:r>
+              <a:rPr lang="de-DE" dirty="0">
+                <a:solidFill>
+                  <a:schemeClr val="accent2">
+                    <a:lumMod val="50000"/>
+                  </a:schemeClr>
+                </a:solidFill>
+              </a:rPr>
+              <a:t>iba23-011023</a:t>
+            </a:r>
+          </a:p>
+          <a:p>
+            <a:r>
+              <a:rPr lang="de-DE" dirty="0" err="1"/>
+              <a:t>id</a:t>
+            </a:r>
+            <a:r>
+              <a:rPr lang="de-DE" dirty="0"/>
+              <a:t> "</a:t>
+            </a:r>
+            <a:r>
+              <a:rPr lang="de-DE" dirty="0">
+                <a:solidFill>
+                  <a:schemeClr val="accent6"/>
+                </a:solidFill>
+              </a:rPr>
+              <a:t>iba23-011023</a:t>
+            </a:r>
+            <a:r>
+              <a:rPr lang="de-DE" dirty="0"/>
+              <a:t>" </a:t>
+            </a:r>
+          </a:p>
+          <a:p>
+            <a:r>
+              <a:rPr lang="de-DE" dirty="0" err="1"/>
+              <a:t>dozentName</a:t>
+            </a:r>
+            <a:r>
+              <a:rPr lang="de-DE" dirty="0"/>
+              <a:t> "</a:t>
+            </a:r>
+            <a:r>
+              <a:rPr lang="de-DE" dirty="0">
+                <a:solidFill>
+                  <a:schemeClr val="accent6"/>
+                </a:solidFill>
+              </a:rPr>
+              <a:t>Anna Müller</a:t>
+            </a:r>
+            <a:r>
+              <a:rPr lang="de-DE" dirty="0"/>
+              <a:t> " </a:t>
+            </a:r>
+          </a:p>
+          <a:p>
+            <a:r>
+              <a:rPr lang="de-DE" dirty="0" err="1"/>
+              <a:t>veranstaltungTyp</a:t>
+            </a:r>
+            <a:r>
+              <a:rPr lang="de-DE" dirty="0"/>
+              <a:t> "</a:t>
+            </a:r>
+            <a:r>
+              <a:rPr lang="de-DE" dirty="0">
+                <a:solidFill>
+                  <a:schemeClr val="accent6"/>
+                </a:solidFill>
+              </a:rPr>
+              <a:t>Vorlesungen</a:t>
+            </a:r>
+            <a:r>
+              <a:rPr lang="de-DE" dirty="0"/>
+              <a:t>"</a:t>
+            </a:r>
+          </a:p>
+          <a:p>
+            <a:r>
+              <a:rPr lang="de-DE" dirty="0" err="1"/>
+              <a:t>semester</a:t>
+            </a:r>
+            <a:r>
+              <a:rPr lang="de-DE" dirty="0"/>
+              <a:t> "</a:t>
+            </a:r>
+            <a:r>
+              <a:rPr lang="de-DE" dirty="0">
+                <a:solidFill>
+                  <a:schemeClr val="accent6"/>
+                </a:solidFill>
+              </a:rPr>
+              <a:t>WS2023/2024</a:t>
+            </a:r>
+            <a:r>
+              <a:rPr lang="de-DE" dirty="0"/>
+              <a:t> " </a:t>
+            </a:r>
+          </a:p>
+          <a:p>
+            <a:r>
+              <a:rPr lang="de-DE" dirty="0" err="1"/>
+              <a:t>modulName</a:t>
+            </a:r>
+            <a:r>
+              <a:rPr lang="de-DE" dirty="0"/>
+              <a:t> "</a:t>
+            </a:r>
+            <a:r>
+              <a:rPr lang="de-DE" dirty="0">
+                <a:solidFill>
+                  <a:schemeClr val="accent6"/>
+                </a:solidFill>
+              </a:rPr>
+              <a:t>Internetbasierte</a:t>
+            </a:r>
+            <a:r>
+              <a:rPr lang="de-DE" dirty="0"/>
+              <a:t> </a:t>
+            </a:r>
+            <a:r>
+              <a:rPr lang="de-DE" dirty="0">
+                <a:solidFill>
+                  <a:schemeClr val="accent6"/>
+                </a:solidFill>
+              </a:rPr>
+              <a:t>Anwendungen</a:t>
+            </a:r>
+            <a:r>
+              <a:rPr lang="de-DE" dirty="0"/>
+              <a:t>"</a:t>
+            </a:r>
+          </a:p>
+          <a:p>
+            <a:r>
+              <a:rPr lang="de-DE" dirty="0" err="1"/>
+              <a:t>datum</a:t>
+            </a:r>
+            <a:r>
+              <a:rPr lang="de-DE" dirty="0"/>
+              <a:t> "</a:t>
+            </a:r>
+            <a:r>
+              <a:rPr lang="de-DE" dirty="0">
+                <a:solidFill>
+                  <a:schemeClr val="accent6"/>
+                </a:solidFill>
+              </a:rPr>
+              <a:t>01.10.2023</a:t>
+            </a:r>
+            <a:r>
+              <a:rPr lang="de-DE" dirty="0"/>
+              <a:t>" beginn "</a:t>
+            </a:r>
+            <a:r>
+              <a:rPr lang="de-DE" dirty="0">
+                <a:solidFill>
+                  <a:schemeClr val="accent6"/>
+                </a:solidFill>
+              </a:rPr>
+              <a:t>08:00</a:t>
+            </a:r>
+            <a:r>
+              <a:rPr lang="de-DE" dirty="0"/>
+              <a:t>" ende "</a:t>
+            </a:r>
+            <a:r>
+              <a:rPr lang="de-DE" dirty="0">
+                <a:solidFill>
+                  <a:schemeClr val="accent6"/>
+                </a:solidFill>
+              </a:rPr>
+              <a:t>10:00</a:t>
+            </a:r>
+            <a:r>
+              <a:rPr lang="de-DE" dirty="0"/>
+              <a:t>" </a:t>
+            </a:r>
+            <a:r>
+              <a:rPr lang="de-DE" dirty="0" err="1">
+                <a:solidFill>
+                  <a:schemeClr val="accent1"/>
+                </a:solidFill>
+              </a:rPr>
+              <a:t>teilnehmer</a:t>
+            </a:r>
+            <a:r>
+              <a:rPr lang="de-DE" dirty="0"/>
+              <a:t> "</a:t>
+            </a:r>
+            <a:r>
+              <a:rPr lang="de-DE" dirty="0">
+                <a:solidFill>
+                  <a:schemeClr val="accent6"/>
+                </a:solidFill>
+              </a:rPr>
+              <a:t>iba23T</a:t>
+            </a:r>
+            <a:r>
+              <a:rPr lang="de-DE" dirty="0"/>
+              <a:t>" </a:t>
+            </a:r>
+            <a:r>
+              <a:rPr lang="de-DE" dirty="0" err="1"/>
+              <a:t>jahrgang</a:t>
+            </a:r>
+            <a:r>
+              <a:rPr lang="de-DE" dirty="0"/>
+              <a:t> </a:t>
+            </a:r>
+            <a:r>
+              <a:rPr lang="de-DE" dirty="0">
+                <a:solidFill>
+                  <a:schemeClr val="accent6"/>
+                </a:solidFill>
+              </a:rPr>
+              <a:t>23</a:t>
+            </a:r>
+          </a:p>
+        </p:txBody>
+      </p:sp>
+      <p:sp>
+        <p:nvSpPr>
+          <p:cNvPr id="28" name="Textfeld 27">
+            <a:extLst>
+              <a:ext uri="{FF2B5EF4-FFF2-40B4-BE49-F238E27FC236}">
+                <a16:creationId xmlns:a16="http://schemas.microsoft.com/office/drawing/2014/main" id="{97C187DC-2FEF-3C17-B40B-D6B7513DEA03}"/>
+              </a:ext>
+            </a:extLst>
+          </p:cNvPr>
+          <p:cNvSpPr txBox="1"/>
+          <p:nvPr/>
+        </p:nvSpPr>
+        <p:spPr>
+          <a:xfrm>
+            <a:off x="677334" y="4691756"/>
+            <a:ext cx="8479546" cy="1200329"/>
+          </a:xfrm>
+          <a:prstGeom prst="rect">
+            <a:avLst/>
+          </a:prstGeom>
+          <a:noFill/>
+        </p:spPr>
+        <p:txBody>
+          <a:bodyPr wrap="square">
+            <a:spAutoFit/>
+          </a:bodyPr>
+          <a:lstStyle/>
+          <a:p>
+            <a:r>
+              <a:rPr lang="de-DE" dirty="0"/>
+              <a:t>HSET </a:t>
+            </a:r>
+            <a:r>
+              <a:rPr lang="de-DE" dirty="0">
+                <a:solidFill>
+                  <a:schemeClr val="accent1"/>
+                </a:solidFill>
+              </a:rPr>
+              <a:t>iba23T</a:t>
+            </a:r>
+            <a:r>
+              <a:rPr lang="de-DE" dirty="0"/>
+              <a:t> </a:t>
+            </a:r>
+          </a:p>
+          <a:p>
+            <a:r>
+              <a:rPr lang="de-DE" dirty="0" err="1"/>
+              <a:t>id</a:t>
+            </a:r>
+            <a:r>
+              <a:rPr lang="de-DE" dirty="0"/>
+              <a:t> "</a:t>
+            </a:r>
+            <a:r>
+              <a:rPr lang="de-DE" dirty="0">
+                <a:solidFill>
+                  <a:schemeClr val="accent6"/>
+                </a:solidFill>
+              </a:rPr>
+              <a:t>iba23T</a:t>
+            </a:r>
+            <a:r>
+              <a:rPr lang="de-DE" dirty="0"/>
+              <a:t>" </a:t>
+            </a:r>
+          </a:p>
+          <a:p>
+            <a:r>
+              <a:rPr lang="de-DE" dirty="0"/>
+              <a:t>"Bubi Blauschuh" "</a:t>
+            </a:r>
+            <a:r>
+              <a:rPr lang="de-DE" dirty="0">
+                <a:solidFill>
+                  <a:schemeClr val="accent6"/>
+                </a:solidFill>
+              </a:rPr>
+              <a:t>Krank</a:t>
+            </a:r>
+            <a:r>
+              <a:rPr lang="de-DE" dirty="0"/>
+              <a:t>" "Thomas </a:t>
+            </a:r>
+            <a:r>
+              <a:rPr lang="de-DE" dirty="0" err="1"/>
+              <a:t>Koenigsmann</a:t>
+            </a:r>
+            <a:r>
+              <a:rPr lang="de-DE" dirty="0"/>
+              <a:t>" "</a:t>
+            </a:r>
+            <a:r>
+              <a:rPr lang="de-DE" dirty="0">
+                <a:solidFill>
+                  <a:schemeClr val="accent6"/>
+                </a:solidFill>
+              </a:rPr>
+              <a:t>Krank</a:t>
+            </a:r>
+            <a:r>
+              <a:rPr lang="de-DE" dirty="0"/>
+              <a:t>" "Maria </a:t>
+            </a:r>
+            <a:r>
+              <a:rPr lang="de-DE" dirty="0" err="1"/>
+              <a:t>Mandarina</a:t>
+            </a:r>
+            <a:r>
+              <a:rPr lang="de-DE" dirty="0"/>
+              <a:t>" "</a:t>
+            </a:r>
+            <a:r>
+              <a:rPr lang="de-DE" dirty="0">
+                <a:solidFill>
+                  <a:schemeClr val="accent6"/>
+                </a:solidFill>
+              </a:rPr>
+              <a:t>Entschuldigt</a:t>
+            </a:r>
+            <a:r>
+              <a:rPr lang="de-DE" dirty="0"/>
+              <a:t>" "Katrin Kleeblatt" "</a:t>
+            </a:r>
+            <a:r>
+              <a:rPr lang="de-DE" dirty="0">
+                <a:solidFill>
+                  <a:schemeClr val="accent6"/>
+                </a:solidFill>
+              </a:rPr>
+              <a:t>unentschuldigt</a:t>
+            </a:r>
+            <a:r>
+              <a:rPr lang="de-DE" dirty="0"/>
+              <a:t>"</a:t>
+            </a:r>
+          </a:p>
+        </p:txBody>
+      </p:sp>
+      <p:sp>
+        <p:nvSpPr>
+          <p:cNvPr id="29" name="Rechteck 28">
+            <a:extLst>
+              <a:ext uri="{FF2B5EF4-FFF2-40B4-BE49-F238E27FC236}">
+                <a16:creationId xmlns:a16="http://schemas.microsoft.com/office/drawing/2014/main" id="{DBC63446-1772-4FE6-AB30-68BC0412FD1A}"/>
+              </a:ext>
+            </a:extLst>
+          </p:cNvPr>
+          <p:cNvSpPr/>
+          <p:nvPr/>
+        </p:nvSpPr>
+        <p:spPr>
+          <a:xfrm>
+            <a:off x="6126651" y="1794456"/>
+            <a:ext cx="3030229" cy="309093"/>
+          </a:xfrm>
+          <a:prstGeom prst="rect">
+            <a:avLst/>
+          </a:prstGeom>
+        </p:spPr>
+        <p:style>
+          <a:lnRef idx="2">
+            <a:schemeClr val="accent1"/>
+          </a:lnRef>
+          <a:fillRef idx="1">
+            <a:schemeClr val="lt1"/>
+          </a:fillRef>
+          <a:effectRef idx="0">
+            <a:schemeClr val="accent1"/>
+          </a:effectRef>
+          <a:fontRef idx="minor">
+            <a:schemeClr val="dk1"/>
+          </a:fontRef>
+        </p:style>
+        <p:txBody>
+          <a:bodyPr rtlCol="0" anchor="ctr"/>
+          <a:lstStyle/>
+          <a:p>
+            <a:pPr algn="ctr"/>
+            <a:r>
+              <a:rPr lang="de-DE" dirty="0"/>
+              <a:t>Dozenten-View</a:t>
+            </a:r>
+          </a:p>
+        </p:txBody>
+      </p:sp>
+      <p:sp>
+        <p:nvSpPr>
+          <p:cNvPr id="30" name="Rechteck 29">
+            <a:extLst>
+              <a:ext uri="{FF2B5EF4-FFF2-40B4-BE49-F238E27FC236}">
+                <a16:creationId xmlns:a16="http://schemas.microsoft.com/office/drawing/2014/main" id="{404B98C3-2F6B-46C8-9104-97661C4C38CC}"/>
+              </a:ext>
+            </a:extLst>
+          </p:cNvPr>
+          <p:cNvSpPr/>
+          <p:nvPr/>
+        </p:nvSpPr>
+        <p:spPr>
+          <a:xfrm>
+            <a:off x="6126650" y="4632516"/>
+            <a:ext cx="3030229" cy="309093"/>
+          </a:xfrm>
+          <a:prstGeom prst="rect">
+            <a:avLst/>
+          </a:prstGeom>
+        </p:spPr>
+        <p:style>
+          <a:lnRef idx="2">
+            <a:schemeClr val="accent1"/>
+          </a:lnRef>
+          <a:fillRef idx="1">
+            <a:schemeClr val="lt1"/>
+          </a:fillRef>
+          <a:effectRef idx="0">
+            <a:schemeClr val="accent1"/>
+          </a:effectRef>
+          <a:fontRef idx="minor">
+            <a:schemeClr val="dk1"/>
+          </a:fontRef>
+        </p:style>
+        <p:txBody>
+          <a:bodyPr rtlCol="0" anchor="ctr"/>
+          <a:lstStyle/>
+          <a:p>
+            <a:pPr algn="ctr"/>
+            <a:r>
+              <a:rPr lang="de-DE" dirty="0"/>
+              <a:t>Teilnehmerliste</a:t>
+            </a:r>
+          </a:p>
+        </p:txBody>
+      </p:sp>
+    </p:spTree>
+    <p:extLst>
+      <p:ext uri="{BB962C8B-B14F-4D97-AF65-F5344CB8AC3E}">
+        <p14:creationId xmlns:p14="http://schemas.microsoft.com/office/powerpoint/2010/main" val="507128738"/>
+      </p:ext>
+    </p:extLst>
+  </p:cSld>
+  <p:clrMapOvr>
+    <a:masterClrMapping/>
+  </p:clrMapOvr>
+  <p:timing>
+    <p:tnLst>
+      <p:par>
+        <p:cTn id="1" dur="indefinite" restart="never" nodeType="tmRoot">
+          <p:childTnLst>
+            <p:seq concurrent="1" nextAc="seek">
+              <p:cTn id="2" dur="indefinite" nodeType="mainSeq">
+                <p:childTnLst>
+                  <p:par>
+                    <p:cTn id="3" fill="hold">
+                      <p:stCondLst>
+                        <p:cond delay="indefinite"/>
+                      </p:stCondLst>
+                      <p:childTnLst>
+                        <p:par>
+                          <p:cTn id="4" fill="hold">
+                            <p:stCondLst>
+                              <p:cond delay="0"/>
+                            </p:stCondLst>
+                            <p:childTnLst>
+                              <p:par>
+                                <p:cTn id="5" presetID="10" presetClass="entr" presetSubtype="0" fill="hold" grpId="0" nodeType="clickEffect">
+                                  <p:stCondLst>
+                                    <p:cond delay="0"/>
+                                  </p:stCondLst>
+                                  <p:childTnLst>
+                                    <p:set>
+                                      <p:cBhvr>
+                                        <p:cTn id="6" dur="1" fill="hold">
+                                          <p:stCondLst>
+                                            <p:cond delay="0"/>
+                                          </p:stCondLst>
+                                        </p:cTn>
+                                        <p:tgtEl>
+                                          <p:spTgt spid="28"/>
+                                        </p:tgtEl>
+                                        <p:attrNameLst>
+                                          <p:attrName>style.visibility</p:attrName>
+                                        </p:attrNameLst>
+                                      </p:cBhvr>
+                                      <p:to>
+                                        <p:strVal val="visible"/>
+                                      </p:to>
+                                    </p:set>
+                                    <p:animEffect transition="in" filter="fade">
+                                      <p:cBhvr>
+                                        <p:cTn id="7" dur="500"/>
+                                        <p:tgtEl>
+                                          <p:spTgt spid="28"/>
+                                        </p:tgtEl>
+                                      </p:cBhvr>
+                                    </p:animEffect>
+                                  </p:childTnLst>
+                                </p:cTn>
+                              </p:par>
+                              <p:par>
+                                <p:cTn id="8" presetID="10" presetClass="entr" presetSubtype="0" fill="hold" grpId="0" nodeType="withEffect">
+                                  <p:stCondLst>
+                                    <p:cond delay="0"/>
+                                  </p:stCondLst>
+                                  <p:childTnLst>
+                                    <p:set>
+                                      <p:cBhvr>
+                                        <p:cTn id="9" dur="1" fill="hold">
+                                          <p:stCondLst>
+                                            <p:cond delay="0"/>
+                                          </p:stCondLst>
+                                        </p:cTn>
+                                        <p:tgtEl>
+                                          <p:spTgt spid="30"/>
+                                        </p:tgtEl>
+                                        <p:attrNameLst>
+                                          <p:attrName>style.visibility</p:attrName>
+                                        </p:attrNameLst>
+                                      </p:cBhvr>
+                                      <p:to>
+                                        <p:strVal val="visible"/>
+                                      </p:to>
+                                    </p:set>
+                                    <p:animEffect transition="in" filter="fade">
+                                      <p:cBhvr>
+                                        <p:cTn id="10" dur="500"/>
+                                        <p:tgtEl>
+                                          <p:spTgt spid="30"/>
+                                        </p:tgtEl>
+                                      </p:cBhvr>
+                                    </p:animEffect>
+                                  </p:childTnLst>
+                                </p:cTn>
+                              </p:par>
+                            </p:childTnLst>
+                          </p:cTn>
+                        </p:par>
+                      </p:childTnLst>
+                    </p:cTn>
+                  </p:par>
+                </p:childTnLst>
+              </p:cTn>
+              <p:prevCondLst>
+                <p:cond evt="onPrev" delay="0">
+                  <p:tgtEl>
+                    <p:sldTgt/>
+                  </p:tgtEl>
+                </p:cond>
+              </p:prevCondLst>
+              <p:nextCondLst>
+                <p:cond evt="onNext" delay="0">
+                  <p:tgtEl>
+                    <p:sldTgt/>
+                  </p:tgtEl>
+                </p:cond>
+              </p:nextCondLst>
+            </p:seq>
+          </p:childTnLst>
+        </p:cTn>
+      </p:par>
+    </p:tnLst>
+    <p:bldLst>
+      <p:bldP spid="28" grpId="0"/>
+      <p:bldP spid="30" grpId="0" animBg="1"/>
+    </p:bldLst>
+  </p:timing>
+</p:sld>
+</file>
+
+<file path=ppt/slides/slide11.xml><?xml version="1.0" encoding="utf-8"?>
+<p:sld xmlns:a="http://schemas.openxmlformats.org/drawingml/2006/main" xmlns:r="http://schemas.openxmlformats.org/officeDocument/2006/relationships" xmlns:p="http://schemas.openxmlformats.org/presentationml/2006/main">
+  <p:cSld>
+    <p:spTree>
+      <p:nvGrpSpPr>
+        <p:cNvPr id="1" name=""/>
+        <p:cNvGrpSpPr/>
+        <p:nvPr/>
+      </p:nvGrpSpPr>
+      <p:grpSpPr>
+        <a:xfrm>
+          <a:off x="0" y="0"/>
+          <a:ext cx="0" cy="0"/>
+          <a:chOff x="0" y="0"/>
+          <a:chExt cx="0" cy="0"/>
+        </a:xfrm>
+      </p:grpSpPr>
+      <p:sp>
+        <p:nvSpPr>
+          <p:cNvPr id="5" name="Titel 4">
+            <a:extLst>
+              <a:ext uri="{FF2B5EF4-FFF2-40B4-BE49-F238E27FC236}">
+                <a16:creationId xmlns:a16="http://schemas.microsoft.com/office/drawing/2014/main" id="{9AC7CF62-FB61-F470-0F12-008EF6E7A25A}"/>
+              </a:ext>
+            </a:extLst>
+          </p:cNvPr>
+          <p:cNvSpPr>
+            <a:spLocks noGrp="1"/>
+          </p:cNvSpPr>
+          <p:nvPr>
+            <p:ph type="title"/>
+          </p:nvPr>
+        </p:nvSpPr>
+        <p:spPr/>
+        <p:txBody>
+          <a:bodyPr/>
+          <a:lstStyle/>
+          <a:p>
+            <a:r>
+              <a:rPr lang="de-DE" dirty="0"/>
+              <a:t>Teilbereich Umsetzung – Dozenten View</a:t>
+            </a:r>
+          </a:p>
+        </p:txBody>
+      </p:sp>
+      <p:sp>
+        <p:nvSpPr>
+          <p:cNvPr id="4" name="Foliennummernplatzhalter 3">
+            <a:extLst>
+              <a:ext uri="{FF2B5EF4-FFF2-40B4-BE49-F238E27FC236}">
+                <a16:creationId xmlns:a16="http://schemas.microsoft.com/office/drawing/2014/main" id="{CBBE26C3-E16C-4194-A006-7B80AEB99D11}"/>
+              </a:ext>
+            </a:extLst>
+          </p:cNvPr>
+          <p:cNvSpPr>
+            <a:spLocks noGrp="1"/>
+          </p:cNvSpPr>
+          <p:nvPr>
+            <p:ph type="sldNum" sz="quarter" idx="12"/>
+          </p:nvPr>
+        </p:nvSpPr>
+        <p:spPr>
+          <a:xfrm>
+            <a:off x="8590664" y="6354748"/>
+            <a:ext cx="683339" cy="365125"/>
+          </a:xfrm>
+        </p:spPr>
+        <p:txBody>
+          <a:bodyPr/>
+          <a:lstStyle/>
+          <a:p>
+            <a:fld id="{0D177590-C0B9-4388-A01F-98FB57FCBBE4}" type="slidenum">
+              <a:rPr lang="de-DE" smtClean="0"/>
+              <a:t>11</a:t>
+            </a:fld>
+            <a:endParaRPr lang="de-DE"/>
+          </a:p>
+        </p:txBody>
+      </p:sp>
+      <p:sp>
+        <p:nvSpPr>
+          <p:cNvPr id="3" name="Textfeld 2">
+            <a:extLst>
+              <a:ext uri="{FF2B5EF4-FFF2-40B4-BE49-F238E27FC236}">
+                <a16:creationId xmlns:a16="http://schemas.microsoft.com/office/drawing/2014/main" id="{07AE3CB4-BB8F-55A7-CAB2-0B6FD5CD288B}"/>
+              </a:ext>
+            </a:extLst>
+          </p:cNvPr>
+          <p:cNvSpPr txBox="1"/>
+          <p:nvPr/>
+        </p:nvSpPr>
+        <p:spPr>
+          <a:xfrm>
+            <a:off x="677334" y="1958887"/>
+            <a:ext cx="7906556" cy="923330"/>
+          </a:xfrm>
+          <a:prstGeom prst="rect">
+            <a:avLst/>
+          </a:prstGeom>
+          <a:noFill/>
+        </p:spPr>
+        <p:txBody>
+          <a:bodyPr wrap="square">
+            <a:spAutoFit/>
+          </a:bodyPr>
+          <a:lstStyle/>
+          <a:p>
+            <a:r>
+              <a:rPr lang="de-DE" dirty="0"/>
+              <a:t>HSET </a:t>
+            </a:r>
+            <a:r>
+              <a:rPr lang="de-DE" dirty="0" err="1">
+                <a:solidFill>
+                  <a:schemeClr val="accent2">
+                    <a:lumMod val="50000"/>
+                  </a:schemeClr>
+                </a:solidFill>
+              </a:rPr>
+              <a:t>meta</a:t>
+            </a:r>
+            <a:r>
+              <a:rPr lang="de-DE" dirty="0"/>
+              <a:t> </a:t>
+            </a:r>
+          </a:p>
+          <a:p>
+            <a:r>
+              <a:rPr lang="de-DE" dirty="0" err="1"/>
+              <a:t>uebung</a:t>
+            </a:r>
+            <a:r>
+              <a:rPr lang="de-DE" dirty="0"/>
+              <a:t> "&lt;</a:t>
+            </a:r>
+            <a:r>
+              <a:rPr lang="de-DE" dirty="0" err="1">
+                <a:solidFill>
+                  <a:schemeClr val="accent6"/>
+                </a:solidFill>
+              </a:rPr>
+              <a:t>modulkuerzel</a:t>
+            </a:r>
+            <a:r>
+              <a:rPr lang="de-DE" dirty="0"/>
+              <a:t>&gt;</a:t>
+            </a:r>
+            <a:r>
+              <a:rPr lang="de-DE" dirty="0">
+                <a:solidFill>
+                  <a:schemeClr val="accent6"/>
+                </a:solidFill>
+              </a:rPr>
+              <a:t>U</a:t>
+            </a:r>
+            <a:r>
+              <a:rPr lang="de-DE" dirty="0"/>
+              <a:t>&lt;</a:t>
+            </a:r>
+            <a:r>
+              <a:rPr lang="de-DE" dirty="0" err="1">
+                <a:solidFill>
+                  <a:schemeClr val="accent6"/>
+                </a:solidFill>
+              </a:rPr>
+              <a:t>datum</a:t>
+            </a:r>
+            <a:r>
+              <a:rPr lang="de-DE" dirty="0"/>
+              <a:t>&gt;" </a:t>
+            </a:r>
+            <a:r>
+              <a:rPr lang="de-DE" dirty="0" err="1"/>
+              <a:t>teilnehmerliste</a:t>
+            </a:r>
+            <a:r>
+              <a:rPr lang="de-DE" dirty="0"/>
+              <a:t> "&lt;</a:t>
+            </a:r>
+            <a:r>
+              <a:rPr lang="de-DE" dirty="0" err="1">
+                <a:solidFill>
+                  <a:schemeClr val="accent6"/>
+                </a:solidFill>
+              </a:rPr>
+              <a:t>modulkuerzel</a:t>
+            </a:r>
+            <a:r>
+              <a:rPr lang="de-DE" dirty="0"/>
+              <a:t>&gt;</a:t>
+            </a:r>
+            <a:r>
+              <a:rPr lang="de-DE" dirty="0">
+                <a:solidFill>
+                  <a:schemeClr val="accent6"/>
+                </a:solidFill>
+              </a:rPr>
+              <a:t>T</a:t>
+            </a:r>
+            <a:r>
+              <a:rPr lang="de-DE" dirty="0"/>
+              <a:t>" abfrage "&lt;</a:t>
+            </a:r>
+            <a:r>
+              <a:rPr lang="de-DE" dirty="0" err="1">
+                <a:solidFill>
+                  <a:schemeClr val="accent6"/>
+                </a:solidFill>
+              </a:rPr>
+              <a:t>modulkuerzel</a:t>
+            </a:r>
+            <a:r>
+              <a:rPr lang="de-DE" dirty="0"/>
+              <a:t>&gt;</a:t>
+            </a:r>
+            <a:r>
+              <a:rPr lang="de-DE" dirty="0">
+                <a:solidFill>
+                  <a:schemeClr val="accent6"/>
+                </a:solidFill>
+              </a:rPr>
+              <a:t>Abfrage</a:t>
+            </a:r>
+            <a:r>
+              <a:rPr lang="de-DE" dirty="0"/>
+              <a:t>"</a:t>
+            </a:r>
+          </a:p>
+        </p:txBody>
+      </p:sp>
+      <p:sp>
+        <p:nvSpPr>
+          <p:cNvPr id="6" name="Rechteck 5">
+            <a:extLst>
+              <a:ext uri="{FF2B5EF4-FFF2-40B4-BE49-F238E27FC236}">
+                <a16:creationId xmlns:a16="http://schemas.microsoft.com/office/drawing/2014/main" id="{4CE734C0-29EC-9EED-0B3F-8AEEA496E6F9}"/>
+              </a:ext>
+            </a:extLst>
+          </p:cNvPr>
+          <p:cNvSpPr/>
+          <p:nvPr/>
+        </p:nvSpPr>
+        <p:spPr>
+          <a:xfrm>
+            <a:off x="6127200" y="1796400"/>
+            <a:ext cx="3030229" cy="309093"/>
+          </a:xfrm>
+          <a:prstGeom prst="rect">
+            <a:avLst/>
+          </a:prstGeom>
+        </p:spPr>
+        <p:style>
+          <a:lnRef idx="2">
+            <a:schemeClr val="accent1"/>
+          </a:lnRef>
+          <a:fillRef idx="1">
+            <a:schemeClr val="lt1"/>
+          </a:fillRef>
+          <a:effectRef idx="0">
+            <a:schemeClr val="accent1"/>
+          </a:effectRef>
+          <a:fontRef idx="minor">
+            <a:schemeClr val="dk1"/>
+          </a:fontRef>
+        </p:style>
+        <p:txBody>
+          <a:bodyPr rtlCol="0" anchor="ctr"/>
+          <a:lstStyle/>
+          <a:p>
+            <a:pPr algn="ctr"/>
+            <a:r>
+              <a:rPr lang="de-DE" dirty="0"/>
+              <a:t>Metadaten</a:t>
+            </a:r>
+          </a:p>
+        </p:txBody>
+      </p:sp>
+      <p:sp>
+        <p:nvSpPr>
+          <p:cNvPr id="7" name="Rechteck 6">
+            <a:extLst>
+              <a:ext uri="{FF2B5EF4-FFF2-40B4-BE49-F238E27FC236}">
+                <a16:creationId xmlns:a16="http://schemas.microsoft.com/office/drawing/2014/main" id="{11DD095B-7B98-0F4E-0904-B72C0CA565DE}"/>
+              </a:ext>
+            </a:extLst>
+          </p:cNvPr>
+          <p:cNvSpPr/>
+          <p:nvPr/>
+        </p:nvSpPr>
+        <p:spPr>
+          <a:xfrm>
+            <a:off x="6127200" y="4075574"/>
+            <a:ext cx="3030229" cy="309093"/>
+          </a:xfrm>
+          <a:prstGeom prst="rect">
+            <a:avLst/>
+          </a:prstGeom>
+        </p:spPr>
+        <p:style>
+          <a:lnRef idx="2">
+            <a:schemeClr val="accent1"/>
+          </a:lnRef>
+          <a:fillRef idx="1">
+            <a:schemeClr val="lt1"/>
+          </a:fillRef>
+          <a:effectRef idx="0">
+            <a:schemeClr val="accent1"/>
+          </a:effectRef>
+          <a:fontRef idx="minor">
+            <a:schemeClr val="dk1"/>
+          </a:fontRef>
+        </p:style>
+        <p:txBody>
+          <a:bodyPr rtlCol="0" anchor="ctr"/>
+          <a:lstStyle/>
+          <a:p>
+            <a:pPr algn="ctr"/>
+            <a:r>
+              <a:rPr lang="de-DE" dirty="0"/>
+              <a:t>Kürzel </a:t>
+            </a:r>
+            <a:r>
+              <a:rPr lang="de-DE" dirty="0" err="1"/>
+              <a:t>Map</a:t>
+            </a:r>
+            <a:endParaRPr lang="de-DE" dirty="0"/>
+          </a:p>
+        </p:txBody>
+      </p:sp>
+      <p:sp>
+        <p:nvSpPr>
+          <p:cNvPr id="9" name="Textfeld 8">
+            <a:extLst>
+              <a:ext uri="{FF2B5EF4-FFF2-40B4-BE49-F238E27FC236}">
+                <a16:creationId xmlns:a16="http://schemas.microsoft.com/office/drawing/2014/main" id="{78346761-8908-9AC8-F24A-86823F072D69}"/>
+              </a:ext>
+            </a:extLst>
+          </p:cNvPr>
+          <p:cNvSpPr txBox="1"/>
+          <p:nvPr/>
+        </p:nvSpPr>
+        <p:spPr>
+          <a:xfrm>
+            <a:off x="677334" y="4558269"/>
+            <a:ext cx="6098240" cy="369332"/>
+          </a:xfrm>
+          <a:prstGeom prst="rect">
+            <a:avLst/>
+          </a:prstGeom>
+          <a:noFill/>
+        </p:spPr>
+        <p:txBody>
+          <a:bodyPr wrap="square">
+            <a:spAutoFit/>
+          </a:bodyPr>
+          <a:lstStyle/>
+          <a:p>
+            <a:r>
+              <a:rPr lang="de-DE" dirty="0"/>
+              <a:t>HSET </a:t>
+            </a:r>
+            <a:r>
+              <a:rPr lang="de-DE" dirty="0" err="1">
+                <a:solidFill>
+                  <a:schemeClr val="accent2">
+                    <a:lumMod val="50000"/>
+                  </a:schemeClr>
+                </a:solidFill>
+              </a:rPr>
+              <a:t>modulkuerzel</a:t>
+            </a:r>
+            <a:r>
+              <a:rPr lang="de-DE" dirty="0"/>
+              <a:t> "Internetbasierte Anwendungen" "</a:t>
+            </a:r>
+            <a:r>
+              <a:rPr lang="de-DE" dirty="0" err="1">
+                <a:solidFill>
+                  <a:schemeClr val="accent6"/>
+                </a:solidFill>
+              </a:rPr>
+              <a:t>iba</a:t>
+            </a:r>
+            <a:r>
+              <a:rPr lang="de-DE" dirty="0"/>
+              <a:t>"</a:t>
+            </a:r>
+          </a:p>
+        </p:txBody>
+      </p:sp>
+    </p:spTree>
+    <p:extLst>
+      <p:ext uri="{BB962C8B-B14F-4D97-AF65-F5344CB8AC3E}">
+        <p14:creationId xmlns:p14="http://schemas.microsoft.com/office/powerpoint/2010/main" val="157552271"/>
+      </p:ext>
+    </p:extLst>
+  </p:cSld>
+  <p:clrMapOvr>
+    <a:masterClrMapping/>
+  </p:clrMapOvr>
+  <p:timing>
+    <p:tnLst>
+      <p:par>
+        <p:cTn id="1" dur="indefinite" restart="never" nodeType="tmRoot">
+          <p:childTnLst>
+            <p:seq concurrent="1" nextAc="seek">
+              <p:cTn id="2" dur="indefinite" nodeType="mainSeq">
+                <p:childTnLst>
+                  <p:par>
+                    <p:cTn id="3" fill="hold">
+                      <p:stCondLst>
+                        <p:cond delay="indefinite"/>
+                      </p:stCondLst>
+                      <p:childTnLst>
+                        <p:par>
+                          <p:cTn id="4" fill="hold">
+                            <p:stCondLst>
+                              <p:cond delay="0"/>
+                            </p:stCondLst>
+                            <p:childTnLst>
+                              <p:par>
+                                <p:cTn id="5" presetID="10" presetClass="entr" presetSubtype="0" fill="hold" grpId="0" nodeType="clickEffect">
+                                  <p:stCondLst>
+                                    <p:cond delay="0"/>
+                                  </p:stCondLst>
+                                  <p:childTnLst>
+                                    <p:set>
+                                      <p:cBhvr>
+                                        <p:cTn id="6" dur="1" fill="hold">
+                                          <p:stCondLst>
+                                            <p:cond delay="0"/>
+                                          </p:stCondLst>
+                                        </p:cTn>
+                                        <p:tgtEl>
+                                          <p:spTgt spid="3"/>
+                                        </p:tgtEl>
+                                        <p:attrNameLst>
+                                          <p:attrName>style.visibility</p:attrName>
+                                        </p:attrNameLst>
+                                      </p:cBhvr>
+                                      <p:to>
+                                        <p:strVal val="visible"/>
+                                      </p:to>
+                                    </p:set>
+                                    <p:animEffect transition="in" filter="fade">
+                                      <p:cBhvr>
+                                        <p:cTn id="7" dur="500"/>
+                                        <p:tgtEl>
+                                          <p:spTgt spid="3"/>
+                                        </p:tgtEl>
+                                      </p:cBhvr>
+                                    </p:animEffect>
+                                  </p:childTnLst>
+                                </p:cTn>
+                              </p:par>
+                              <p:par>
+                                <p:cTn id="8" presetID="10" presetClass="entr" presetSubtype="0" fill="hold" grpId="0" nodeType="withEffect">
+                                  <p:stCondLst>
+                                    <p:cond delay="0"/>
+                                  </p:stCondLst>
+                                  <p:childTnLst>
+                                    <p:set>
+                                      <p:cBhvr>
+                                        <p:cTn id="9" dur="1" fill="hold">
+                                          <p:stCondLst>
+                                            <p:cond delay="0"/>
+                                          </p:stCondLst>
+                                        </p:cTn>
+                                        <p:tgtEl>
+                                          <p:spTgt spid="6"/>
+                                        </p:tgtEl>
+                                        <p:attrNameLst>
+                                          <p:attrName>style.visibility</p:attrName>
+                                        </p:attrNameLst>
+                                      </p:cBhvr>
+                                      <p:to>
+                                        <p:strVal val="visible"/>
+                                      </p:to>
+                                    </p:set>
+                                    <p:animEffect transition="in" filter="fade">
+                                      <p:cBhvr>
+                                        <p:cTn id="10" dur="500"/>
+                                        <p:tgtEl>
+                                          <p:spTgt spid="6"/>
+                                        </p:tgtEl>
+                                      </p:cBhvr>
+                                    </p:animEffect>
+                                  </p:childTnLst>
+                                </p:cTn>
+                              </p:par>
+                              <p:par>
+                                <p:cTn id="11" presetID="10" presetClass="entr" presetSubtype="0" fill="hold" grpId="0" nodeType="withEffect">
+                                  <p:stCondLst>
+                                    <p:cond delay="0"/>
+                                  </p:stCondLst>
+                                  <p:childTnLst>
+                                    <p:set>
+                                      <p:cBhvr>
+                                        <p:cTn id="12" dur="1" fill="hold">
+                                          <p:stCondLst>
+                                            <p:cond delay="0"/>
+                                          </p:stCondLst>
+                                        </p:cTn>
+                                        <p:tgtEl>
+                                          <p:spTgt spid="7"/>
+                                        </p:tgtEl>
+                                        <p:attrNameLst>
+                                          <p:attrName>style.visibility</p:attrName>
+                                        </p:attrNameLst>
+                                      </p:cBhvr>
+                                      <p:to>
+                                        <p:strVal val="visible"/>
+                                      </p:to>
+                                    </p:set>
+                                    <p:animEffect transition="in" filter="fade">
+                                      <p:cBhvr>
+                                        <p:cTn id="13" dur="500"/>
+                                        <p:tgtEl>
+                                          <p:spTgt spid="7"/>
+                                        </p:tgtEl>
+                                      </p:cBhvr>
+                                    </p:animEffect>
+                                  </p:childTnLst>
+                                </p:cTn>
+                              </p:par>
+                              <p:par>
+                                <p:cTn id="14" presetID="10" presetClass="entr" presetSubtype="0" fill="hold" grpId="0" nodeType="withEffect">
+                                  <p:stCondLst>
+                                    <p:cond delay="0"/>
+                                  </p:stCondLst>
+                                  <p:childTnLst>
+                                    <p:set>
+                                      <p:cBhvr>
+                                        <p:cTn id="15" dur="1" fill="hold">
+                                          <p:stCondLst>
+                                            <p:cond delay="0"/>
+                                          </p:stCondLst>
+                                        </p:cTn>
+                                        <p:tgtEl>
+                                          <p:spTgt spid="9"/>
+                                        </p:tgtEl>
+                                        <p:attrNameLst>
+                                          <p:attrName>style.visibility</p:attrName>
+                                        </p:attrNameLst>
+                                      </p:cBhvr>
+                                      <p:to>
+                                        <p:strVal val="visible"/>
+                                      </p:to>
+                                    </p:set>
+                                    <p:animEffect transition="in" filter="fade">
+                                      <p:cBhvr>
+                                        <p:cTn id="16" dur="500"/>
+                                        <p:tgtEl>
+                                          <p:spTgt spid="9"/>
+                                        </p:tgtEl>
+                                      </p:cBhvr>
+                                    </p:animEffect>
+                                  </p:childTnLst>
+                                </p:cTn>
+                              </p:par>
+                            </p:childTnLst>
+                          </p:cTn>
+                        </p:par>
+                      </p:childTnLst>
+                    </p:cTn>
+                  </p:par>
+                </p:childTnLst>
+              </p:cTn>
+              <p:prevCondLst>
+                <p:cond evt="onPrev" delay="0">
+                  <p:tgtEl>
+                    <p:sldTgt/>
+                  </p:tgtEl>
+                </p:cond>
+              </p:prevCondLst>
+              <p:nextCondLst>
+                <p:cond evt="onNext" delay="0">
+                  <p:tgtEl>
+                    <p:sldTgt/>
+                  </p:tgtEl>
+                </p:cond>
+              </p:nextCondLst>
+            </p:seq>
+          </p:childTnLst>
+        </p:cTn>
+      </p:par>
+    </p:tnLst>
+    <p:bldLst>
+      <p:bldP spid="3" grpId="0"/>
+      <p:bldP spid="6" grpId="0" animBg="1"/>
+      <p:bldP spid="7" grpId="0" animBg="1"/>
+      <p:bldP spid="9" grpId="0"/>
+    </p:bldLst>
+  </p:timing>
+</p:sld>
+</file>
+
+<file path=ppt/slides/slide12.xml><?xml version="1.0" encoding="utf-8"?>
+<p:sld xmlns:a="http://schemas.openxmlformats.org/drawingml/2006/main" xmlns:r="http://schemas.openxmlformats.org/officeDocument/2006/relationships" xmlns:p="http://schemas.openxmlformats.org/presentationml/2006/main">
+  <p:cSld>
+    <p:spTree>
+      <p:nvGrpSpPr>
+        <p:cNvPr id="1" name=""/>
+        <p:cNvGrpSpPr/>
+        <p:nvPr/>
+      </p:nvGrpSpPr>
+      <p:grpSpPr>
+        <a:xfrm>
+          <a:off x="0" y="0"/>
+          <a:ext cx="0" cy="0"/>
+          <a:chOff x="0" y="0"/>
+          <a:chExt cx="0" cy="0"/>
+        </a:xfrm>
+      </p:grpSpPr>
+      <p:sp>
+        <p:nvSpPr>
+          <p:cNvPr id="5" name="Titel 4">
+            <a:extLst>
+              <a:ext uri="{FF2B5EF4-FFF2-40B4-BE49-F238E27FC236}">
+                <a16:creationId xmlns:a16="http://schemas.microsoft.com/office/drawing/2014/main" id="{9AC7CF62-FB61-F470-0F12-008EF6E7A25A}"/>
+              </a:ext>
+            </a:extLst>
+          </p:cNvPr>
+          <p:cNvSpPr>
+            <a:spLocks noGrp="1"/>
+          </p:cNvSpPr>
+          <p:nvPr>
+            <p:ph type="title"/>
+          </p:nvPr>
+        </p:nvSpPr>
+        <p:spPr>
+          <a:xfrm>
+            <a:off x="677333" y="609600"/>
+            <a:ext cx="8947477" cy="1320800"/>
+          </a:xfrm>
+        </p:spPr>
+        <p:txBody>
+          <a:bodyPr/>
+          <a:lstStyle/>
+          <a:p>
+            <a:r>
+              <a:rPr lang="de-DE" dirty="0"/>
+              <a:t>Erweiterungen – Übungsveranstaltung</a:t>
+            </a:r>
+          </a:p>
+        </p:txBody>
+      </p:sp>
+      <p:sp>
+        <p:nvSpPr>
+          <p:cNvPr id="4" name="Foliennummernplatzhalter 3">
+            <a:extLst>
+              <a:ext uri="{FF2B5EF4-FFF2-40B4-BE49-F238E27FC236}">
+                <a16:creationId xmlns:a16="http://schemas.microsoft.com/office/drawing/2014/main" id="{CBBE26C3-E16C-4194-A006-7B80AEB99D11}"/>
+              </a:ext>
+            </a:extLst>
+          </p:cNvPr>
+          <p:cNvSpPr>
+            <a:spLocks noGrp="1"/>
+          </p:cNvSpPr>
+          <p:nvPr>
+            <p:ph type="sldNum" sz="quarter" idx="12"/>
+          </p:nvPr>
+        </p:nvSpPr>
+        <p:spPr>
+          <a:xfrm>
+            <a:off x="8590664" y="6354748"/>
+            <a:ext cx="683339" cy="365125"/>
+          </a:xfrm>
+        </p:spPr>
+        <p:txBody>
+          <a:bodyPr/>
+          <a:lstStyle/>
+          <a:p>
+            <a:fld id="{0D177590-C0B9-4388-A01F-98FB57FCBBE4}" type="slidenum">
+              <a:rPr lang="de-DE" smtClean="0"/>
+              <a:t>12</a:t>
+            </a:fld>
+            <a:endParaRPr lang="de-DE"/>
+          </a:p>
+        </p:txBody>
+      </p:sp>
+      <p:sp>
+        <p:nvSpPr>
+          <p:cNvPr id="3" name="Textfeld 2">
+            <a:extLst>
+              <a:ext uri="{FF2B5EF4-FFF2-40B4-BE49-F238E27FC236}">
+                <a16:creationId xmlns:a16="http://schemas.microsoft.com/office/drawing/2014/main" id="{B9D4F09D-5EF9-69BC-23E3-36D91ECC374A}"/>
+              </a:ext>
+            </a:extLst>
+          </p:cNvPr>
+          <p:cNvSpPr txBox="1"/>
+          <p:nvPr/>
+        </p:nvSpPr>
+        <p:spPr>
+          <a:xfrm>
+            <a:off x="593500" y="1596807"/>
+            <a:ext cx="9031309" cy="1200329"/>
+          </a:xfrm>
+          <a:prstGeom prst="rect">
+            <a:avLst/>
+          </a:prstGeom>
+          <a:noFill/>
+        </p:spPr>
+        <p:txBody>
+          <a:bodyPr wrap="square">
+            <a:spAutoFit/>
+          </a:bodyPr>
+          <a:lstStyle/>
+          <a:p>
+            <a:r>
+              <a:rPr lang="de-DE" dirty="0"/>
+              <a:t>HSET </a:t>
+            </a:r>
+            <a:r>
+              <a:rPr lang="de-DE" dirty="0">
+                <a:solidFill>
+                  <a:schemeClr val="accent2">
+                    <a:lumMod val="50000"/>
+                  </a:schemeClr>
+                </a:solidFill>
+              </a:rPr>
+              <a:t>iba23U-011023</a:t>
+            </a:r>
+            <a:r>
+              <a:rPr lang="de-DE" dirty="0"/>
+              <a:t> </a:t>
+            </a:r>
+          </a:p>
+          <a:p>
+            <a:r>
+              <a:rPr lang="de-DE" dirty="0" err="1"/>
+              <a:t>id</a:t>
+            </a:r>
+            <a:r>
+              <a:rPr lang="de-DE" dirty="0"/>
+              <a:t> "</a:t>
+            </a:r>
+            <a:r>
+              <a:rPr lang="de-DE" dirty="0">
+                <a:solidFill>
+                  <a:schemeClr val="accent6"/>
+                </a:solidFill>
+              </a:rPr>
+              <a:t>iba23</a:t>
+            </a:r>
+            <a:r>
+              <a:rPr lang="de-DE" dirty="0"/>
+              <a:t>" </a:t>
+            </a:r>
+          </a:p>
+          <a:p>
+            <a:r>
+              <a:rPr lang="de-DE" dirty="0"/>
+              <a:t>"Bubi Blauschuh" "</a:t>
+            </a:r>
+            <a:r>
+              <a:rPr lang="de-DE" dirty="0">
+                <a:solidFill>
+                  <a:schemeClr val="accent6"/>
+                </a:solidFill>
+              </a:rPr>
+              <a:t>Nicht</a:t>
+            </a:r>
+            <a:r>
+              <a:rPr lang="de-DE" dirty="0"/>
+              <a:t> </a:t>
+            </a:r>
+            <a:r>
+              <a:rPr lang="de-DE" dirty="0">
+                <a:solidFill>
+                  <a:schemeClr val="accent6"/>
+                </a:solidFill>
+              </a:rPr>
+              <a:t>abgegeben</a:t>
+            </a:r>
+            <a:r>
+              <a:rPr lang="de-DE" dirty="0"/>
+              <a:t>" "Thomas </a:t>
+            </a:r>
+            <a:r>
+              <a:rPr lang="de-DE" dirty="0" err="1"/>
+              <a:t>Koenigsmann</a:t>
+            </a:r>
+            <a:r>
+              <a:rPr lang="de-DE" dirty="0"/>
+              <a:t>" </a:t>
+            </a:r>
+            <a:r>
+              <a:rPr lang="de-DE" dirty="0">
+                <a:solidFill>
+                  <a:schemeClr val="accent6"/>
+                </a:solidFill>
+              </a:rPr>
+              <a:t>10</a:t>
+            </a:r>
+            <a:r>
+              <a:rPr lang="de-DE" dirty="0"/>
+              <a:t> "Maria </a:t>
+            </a:r>
+            <a:r>
+              <a:rPr lang="de-DE" dirty="0" err="1"/>
+              <a:t>Mandarina</a:t>
+            </a:r>
+            <a:r>
+              <a:rPr lang="de-DE" dirty="0"/>
+              <a:t>" "</a:t>
+            </a:r>
+            <a:r>
+              <a:rPr lang="de-DE" dirty="0">
+                <a:solidFill>
+                  <a:schemeClr val="accent6"/>
+                </a:solidFill>
+              </a:rPr>
+              <a:t>Nicht</a:t>
+            </a:r>
+            <a:r>
+              <a:rPr lang="de-DE" dirty="0"/>
+              <a:t> </a:t>
+            </a:r>
+            <a:r>
+              <a:rPr lang="de-DE" dirty="0">
+                <a:solidFill>
+                  <a:schemeClr val="accent6"/>
+                </a:solidFill>
+              </a:rPr>
+              <a:t>abgegeben</a:t>
+            </a:r>
+            <a:r>
+              <a:rPr lang="de-DE" dirty="0"/>
+              <a:t>" "Katrin Kleeblatt" </a:t>
+            </a:r>
+            <a:r>
+              <a:rPr lang="de-DE" dirty="0">
+                <a:solidFill>
+                  <a:schemeClr val="accent6"/>
+                </a:solidFill>
+              </a:rPr>
+              <a:t>5</a:t>
+            </a:r>
+          </a:p>
+        </p:txBody>
+      </p:sp>
+      <p:sp>
+        <p:nvSpPr>
+          <p:cNvPr id="6" name="Rechteck 5">
+            <a:extLst>
+              <a:ext uri="{FF2B5EF4-FFF2-40B4-BE49-F238E27FC236}">
+                <a16:creationId xmlns:a16="http://schemas.microsoft.com/office/drawing/2014/main" id="{EE26B190-B056-E5A9-40E5-5E651FBF1485}"/>
+              </a:ext>
+            </a:extLst>
+          </p:cNvPr>
+          <p:cNvSpPr/>
+          <p:nvPr/>
+        </p:nvSpPr>
+        <p:spPr>
+          <a:xfrm>
+            <a:off x="5902104" y="1621307"/>
+            <a:ext cx="3030229" cy="309093"/>
+          </a:xfrm>
+          <a:prstGeom prst="rect">
+            <a:avLst/>
+          </a:prstGeom>
+        </p:spPr>
+        <p:style>
+          <a:lnRef idx="2">
+            <a:schemeClr val="accent1"/>
+          </a:lnRef>
+          <a:fillRef idx="1">
+            <a:schemeClr val="lt1"/>
+          </a:fillRef>
+          <a:effectRef idx="0">
+            <a:schemeClr val="accent1"/>
+          </a:effectRef>
+          <a:fontRef idx="minor">
+            <a:schemeClr val="dk1"/>
+          </a:fontRef>
+        </p:style>
+        <p:txBody>
+          <a:bodyPr rtlCol="0" anchor="ctr"/>
+          <a:lstStyle/>
+          <a:p>
+            <a:pPr algn="ctr"/>
+            <a:r>
+              <a:rPr lang="de-DE" dirty="0"/>
+              <a:t>Abgabeliste (Übungen)</a:t>
+            </a:r>
+          </a:p>
+        </p:txBody>
+      </p:sp>
+      <p:sp>
+        <p:nvSpPr>
+          <p:cNvPr id="8" name="Textfeld 7">
+            <a:extLst>
+              <a:ext uri="{FF2B5EF4-FFF2-40B4-BE49-F238E27FC236}">
+                <a16:creationId xmlns:a16="http://schemas.microsoft.com/office/drawing/2014/main" id="{153D6CD8-4D90-F673-0F0D-95110F2B2F1A}"/>
+              </a:ext>
+            </a:extLst>
+          </p:cNvPr>
+          <p:cNvSpPr txBox="1"/>
+          <p:nvPr/>
+        </p:nvSpPr>
+        <p:spPr>
+          <a:xfrm>
+            <a:off x="593500" y="3606445"/>
+            <a:ext cx="8503277" cy="646331"/>
+          </a:xfrm>
+          <a:prstGeom prst="rect">
+            <a:avLst/>
+          </a:prstGeom>
+          <a:noFill/>
+        </p:spPr>
+        <p:txBody>
+          <a:bodyPr wrap="square">
+            <a:spAutoFit/>
+          </a:bodyPr>
+          <a:lstStyle/>
+          <a:p>
+            <a:r>
+              <a:rPr lang="de-DE" dirty="0" err="1"/>
+              <a:t>LPush</a:t>
+            </a:r>
+            <a:r>
+              <a:rPr lang="de-DE" dirty="0"/>
+              <a:t> </a:t>
+            </a:r>
+            <a:r>
+              <a:rPr lang="de-DE" dirty="0">
+                <a:solidFill>
+                  <a:schemeClr val="accent2">
+                    <a:lumMod val="50000"/>
+                  </a:schemeClr>
+                </a:solidFill>
+              </a:rPr>
+              <a:t>iba23Abfrage</a:t>
+            </a:r>
+            <a:r>
+              <a:rPr lang="de-DE" dirty="0"/>
+              <a:t> </a:t>
+            </a:r>
+          </a:p>
+          <a:p>
+            <a:r>
+              <a:rPr lang="de-DE" dirty="0"/>
+              <a:t>"Bubi Blauschuh" "Thomas </a:t>
+            </a:r>
+            <a:r>
+              <a:rPr lang="de-DE" dirty="0" err="1"/>
+              <a:t>Koenigsmann</a:t>
+            </a:r>
+            <a:r>
+              <a:rPr lang="de-DE" dirty="0"/>
+              <a:t>" "Maria </a:t>
+            </a:r>
+            <a:r>
+              <a:rPr lang="de-DE" dirty="0" err="1"/>
+              <a:t>Mandarina</a:t>
+            </a:r>
+            <a:r>
+              <a:rPr lang="de-DE" dirty="0"/>
+              <a:t>" "Katrin Kleeblatt"</a:t>
+            </a:r>
+          </a:p>
+        </p:txBody>
+      </p:sp>
+      <p:sp>
+        <p:nvSpPr>
+          <p:cNvPr id="9" name="Rechteck 8">
+            <a:extLst>
+              <a:ext uri="{FF2B5EF4-FFF2-40B4-BE49-F238E27FC236}">
+                <a16:creationId xmlns:a16="http://schemas.microsoft.com/office/drawing/2014/main" id="{83D21AAA-5B30-EE60-E534-3A865CCD4966}"/>
+              </a:ext>
+            </a:extLst>
+          </p:cNvPr>
+          <p:cNvSpPr/>
+          <p:nvPr/>
+        </p:nvSpPr>
+        <p:spPr>
+          <a:xfrm>
+            <a:off x="5902104" y="3451898"/>
+            <a:ext cx="3030229" cy="309093"/>
+          </a:xfrm>
+          <a:prstGeom prst="rect">
+            <a:avLst/>
+          </a:prstGeom>
+        </p:spPr>
+        <p:style>
+          <a:lnRef idx="2">
+            <a:schemeClr val="accent1"/>
+          </a:lnRef>
+          <a:fillRef idx="1">
+            <a:schemeClr val="lt1"/>
+          </a:fillRef>
+          <a:effectRef idx="0">
+            <a:schemeClr val="accent1"/>
+          </a:effectRef>
+          <a:fontRef idx="minor">
+            <a:schemeClr val="dk1"/>
+          </a:fontRef>
+        </p:style>
+        <p:txBody>
+          <a:bodyPr rtlCol="0" anchor="ctr"/>
+          <a:lstStyle/>
+          <a:p>
+            <a:pPr algn="ctr"/>
+            <a:r>
+              <a:rPr lang="de-DE" dirty="0"/>
+              <a:t>Aufrufliste</a:t>
+            </a:r>
+          </a:p>
+        </p:txBody>
+      </p:sp>
+      <p:sp>
+        <p:nvSpPr>
+          <p:cNvPr id="11" name="Textfeld 10">
+            <a:extLst>
+              <a:ext uri="{FF2B5EF4-FFF2-40B4-BE49-F238E27FC236}">
+                <a16:creationId xmlns:a16="http://schemas.microsoft.com/office/drawing/2014/main" id="{B8E6772E-AAD1-33DA-9290-A4D6B848FB97}"/>
+              </a:ext>
+            </a:extLst>
+          </p:cNvPr>
+          <p:cNvSpPr txBox="1"/>
+          <p:nvPr/>
+        </p:nvSpPr>
+        <p:spPr>
+          <a:xfrm>
+            <a:off x="593500" y="4797311"/>
+            <a:ext cx="2368641" cy="369332"/>
+          </a:xfrm>
+          <a:prstGeom prst="rect">
+            <a:avLst/>
+          </a:prstGeom>
+          <a:noFill/>
+        </p:spPr>
+        <p:txBody>
+          <a:bodyPr wrap="square">
+            <a:spAutoFit/>
+          </a:bodyPr>
+          <a:lstStyle/>
+          <a:p>
+            <a:r>
+              <a:rPr lang="de-DE" dirty="0">
+                <a:solidFill>
+                  <a:schemeClr val="accent6">
+                    <a:lumMod val="75000"/>
+                  </a:schemeClr>
+                </a:solidFill>
+              </a:rPr>
+              <a:t>RPOP</a:t>
+            </a:r>
+            <a:r>
+              <a:rPr lang="de-DE" dirty="0"/>
+              <a:t> </a:t>
+            </a:r>
+            <a:r>
+              <a:rPr lang="de-DE" dirty="0">
+                <a:solidFill>
+                  <a:schemeClr val="accent2">
+                    <a:lumMod val="50000"/>
+                  </a:schemeClr>
+                </a:solidFill>
+              </a:rPr>
+              <a:t>iba23Abfrage</a:t>
+            </a:r>
+          </a:p>
+        </p:txBody>
+      </p:sp>
+      <p:sp>
+        <p:nvSpPr>
+          <p:cNvPr id="12" name="Pfeil: nach unten 11">
+            <a:extLst>
+              <a:ext uri="{FF2B5EF4-FFF2-40B4-BE49-F238E27FC236}">
+                <a16:creationId xmlns:a16="http://schemas.microsoft.com/office/drawing/2014/main" id="{D99BC00F-0F63-2694-5628-161A900D5163}"/>
+              </a:ext>
+            </a:extLst>
+          </p:cNvPr>
+          <p:cNvSpPr/>
+          <p:nvPr/>
+        </p:nvSpPr>
+        <p:spPr>
+          <a:xfrm rot="16200000">
+            <a:off x="3519017" y="4707227"/>
+            <a:ext cx="206062" cy="549499"/>
+          </a:xfrm>
+          <a:prstGeom prst="downArrow">
+            <a:avLst/>
+          </a:prstGeom>
+        </p:spPr>
+        <p:style>
+          <a:lnRef idx="2">
+            <a:schemeClr val="accent1">
+              <a:shade val="15000"/>
+            </a:schemeClr>
+          </a:lnRef>
+          <a:fillRef idx="1">
+            <a:schemeClr val="accent1"/>
+          </a:fillRef>
+          <a:effectRef idx="0">
+            <a:schemeClr val="accent1"/>
+          </a:effectRef>
+          <a:fontRef idx="minor">
+            <a:schemeClr val="lt1"/>
+          </a:fontRef>
+        </p:style>
+        <p:txBody>
+          <a:bodyPr rtlCol="0" anchor="ctr"/>
+          <a:lstStyle/>
+          <a:p>
+            <a:pPr algn="ctr"/>
+            <a:endParaRPr lang="de-DE"/>
+          </a:p>
+        </p:txBody>
+      </p:sp>
+      <p:sp>
+        <p:nvSpPr>
+          <p:cNvPr id="13" name="Textfeld 12">
+            <a:extLst>
+              <a:ext uri="{FF2B5EF4-FFF2-40B4-BE49-F238E27FC236}">
+                <a16:creationId xmlns:a16="http://schemas.microsoft.com/office/drawing/2014/main" id="{63E5B907-A6CD-4A50-F3B5-1D0D54A77BEE}"/>
+              </a:ext>
+            </a:extLst>
+          </p:cNvPr>
+          <p:cNvSpPr txBox="1"/>
+          <p:nvPr/>
+        </p:nvSpPr>
+        <p:spPr>
+          <a:xfrm>
+            <a:off x="4635320" y="4797312"/>
+            <a:ext cx="1782651" cy="369332"/>
+          </a:xfrm>
+          <a:prstGeom prst="rect">
+            <a:avLst/>
+          </a:prstGeom>
+          <a:noFill/>
+        </p:spPr>
+        <p:txBody>
+          <a:bodyPr wrap="square">
+            <a:spAutoFit/>
+          </a:bodyPr>
+          <a:lstStyle/>
+          <a:p>
+            <a:r>
+              <a:rPr lang="de-DE" dirty="0">
+                <a:solidFill>
+                  <a:schemeClr val="accent1"/>
+                </a:solidFill>
+              </a:rPr>
+              <a:t>Bubi</a:t>
+            </a:r>
+            <a:r>
+              <a:rPr lang="de-DE" dirty="0"/>
+              <a:t> </a:t>
+            </a:r>
+            <a:r>
+              <a:rPr lang="de-DE" dirty="0">
+                <a:solidFill>
+                  <a:schemeClr val="accent1"/>
+                </a:solidFill>
+              </a:rPr>
+              <a:t>Blauschuh</a:t>
+            </a:r>
+          </a:p>
+        </p:txBody>
+      </p:sp>
+      <p:sp>
+        <p:nvSpPr>
+          <p:cNvPr id="15" name="Textfeld 14">
+            <a:extLst>
+              <a:ext uri="{FF2B5EF4-FFF2-40B4-BE49-F238E27FC236}">
+                <a16:creationId xmlns:a16="http://schemas.microsoft.com/office/drawing/2014/main" id="{079841AD-5CAD-DF98-8D4F-96257CC06320}"/>
+              </a:ext>
+            </a:extLst>
+          </p:cNvPr>
+          <p:cNvSpPr txBox="1"/>
+          <p:nvPr/>
+        </p:nvSpPr>
+        <p:spPr>
+          <a:xfrm>
+            <a:off x="593500" y="5423480"/>
+            <a:ext cx="6098146" cy="369332"/>
+          </a:xfrm>
+          <a:prstGeom prst="rect">
+            <a:avLst/>
+          </a:prstGeom>
+          <a:noFill/>
+        </p:spPr>
+        <p:txBody>
+          <a:bodyPr wrap="square">
+            <a:spAutoFit/>
+          </a:bodyPr>
+          <a:lstStyle/>
+          <a:p>
+            <a:r>
+              <a:rPr lang="de-DE" dirty="0">
+                <a:solidFill>
+                  <a:schemeClr val="accent6">
+                    <a:lumMod val="75000"/>
+                  </a:schemeClr>
+                </a:solidFill>
+              </a:rPr>
+              <a:t>LPUSH</a:t>
+            </a:r>
+            <a:r>
+              <a:rPr lang="de-DE" dirty="0"/>
+              <a:t> </a:t>
+            </a:r>
+            <a:r>
+              <a:rPr lang="de-DE" dirty="0">
+                <a:solidFill>
+                  <a:schemeClr val="accent2">
+                    <a:lumMod val="50000"/>
+                  </a:schemeClr>
+                </a:solidFill>
+              </a:rPr>
+              <a:t>iba23Abfrage</a:t>
+            </a:r>
+            <a:r>
+              <a:rPr lang="de-DE" dirty="0"/>
+              <a:t> "</a:t>
+            </a:r>
+            <a:r>
+              <a:rPr lang="de-DE" dirty="0">
+                <a:solidFill>
+                  <a:schemeClr val="accent1"/>
+                </a:solidFill>
+              </a:rPr>
+              <a:t>Bubi</a:t>
+            </a:r>
+            <a:r>
+              <a:rPr lang="de-DE" dirty="0"/>
+              <a:t> </a:t>
+            </a:r>
+            <a:r>
+              <a:rPr lang="de-DE" dirty="0">
+                <a:solidFill>
+                  <a:schemeClr val="accent1"/>
+                </a:solidFill>
+              </a:rPr>
+              <a:t>Blauschuh</a:t>
+            </a:r>
+            <a:r>
+              <a:rPr lang="de-DE" dirty="0"/>
+              <a:t>"</a:t>
+            </a:r>
+          </a:p>
+        </p:txBody>
+      </p:sp>
+    </p:spTree>
+    <p:extLst>
+      <p:ext uri="{BB962C8B-B14F-4D97-AF65-F5344CB8AC3E}">
+        <p14:creationId xmlns:p14="http://schemas.microsoft.com/office/powerpoint/2010/main" val="3270680147"/>
+      </p:ext>
+    </p:extLst>
+  </p:cSld>
+  <p:clrMapOvr>
+    <a:masterClrMapping/>
+  </p:clrMapOvr>
+  <p:timing>
+    <p:tnLst>
+      <p:par>
+        <p:cTn id="1" dur="indefinite" restart="never" nodeType="tmRoot">
+          <p:childTnLst>
+            <p:seq concurrent="1" nextAc="seek">
+              <p:cTn id="2" dur="indefinite" nodeType="mainSeq">
+                <p:childTnLst>
+                  <p:par>
+                    <p:cTn id="3" fill="hold">
+                      <p:stCondLst>
+                        <p:cond delay="indefinite"/>
+                      </p:stCondLst>
+                      <p:childTnLst>
+                        <p:par>
+                          <p:cTn id="4" fill="hold">
+                            <p:stCondLst>
+                              <p:cond delay="0"/>
+                            </p:stCondLst>
+                            <p:childTnLst>
+                              <p:par>
+                                <p:cTn id="5" presetID="10" presetClass="entr" presetSubtype="0" fill="hold" grpId="0" nodeType="clickEffect">
+                                  <p:stCondLst>
+                                    <p:cond delay="0"/>
+                                  </p:stCondLst>
+                                  <p:childTnLst>
+                                    <p:set>
+                                      <p:cBhvr>
+                                        <p:cTn id="6" dur="1" fill="hold">
+                                          <p:stCondLst>
+                                            <p:cond delay="0"/>
+                                          </p:stCondLst>
+                                        </p:cTn>
+                                        <p:tgtEl>
+                                          <p:spTgt spid="3"/>
+                                        </p:tgtEl>
+                                        <p:attrNameLst>
+                                          <p:attrName>style.visibility</p:attrName>
+                                        </p:attrNameLst>
+                                      </p:cBhvr>
+                                      <p:to>
+                                        <p:strVal val="visible"/>
+                                      </p:to>
+                                    </p:set>
+                                    <p:animEffect transition="in" filter="fade">
+                                      <p:cBhvr>
+                                        <p:cTn id="7" dur="500"/>
+                                        <p:tgtEl>
+                                          <p:spTgt spid="3"/>
+                                        </p:tgtEl>
+                                      </p:cBhvr>
+                                    </p:animEffect>
+                                  </p:childTnLst>
+                                </p:cTn>
+                              </p:par>
+                              <p:par>
+                                <p:cTn id="8" presetID="10" presetClass="entr" presetSubtype="0" fill="hold" grpId="0" nodeType="withEffect">
+                                  <p:stCondLst>
+                                    <p:cond delay="0"/>
+                                  </p:stCondLst>
+                                  <p:childTnLst>
+                                    <p:set>
+                                      <p:cBhvr>
+                                        <p:cTn id="9" dur="1" fill="hold">
+                                          <p:stCondLst>
+                                            <p:cond delay="0"/>
+                                          </p:stCondLst>
+                                        </p:cTn>
+                                        <p:tgtEl>
+                                          <p:spTgt spid="6"/>
+                                        </p:tgtEl>
+                                        <p:attrNameLst>
+                                          <p:attrName>style.visibility</p:attrName>
+                                        </p:attrNameLst>
+                                      </p:cBhvr>
+                                      <p:to>
+                                        <p:strVal val="visible"/>
+                                      </p:to>
+                                    </p:set>
+                                    <p:animEffect transition="in" filter="fade">
+                                      <p:cBhvr>
+                                        <p:cTn id="10" dur="500"/>
+                                        <p:tgtEl>
+                                          <p:spTgt spid="6"/>
+                                        </p:tgtEl>
+                                      </p:cBhvr>
+                                    </p:animEffect>
+                                  </p:childTnLst>
+                                </p:cTn>
+                              </p:par>
+                            </p:childTnLst>
+                          </p:cTn>
+                        </p:par>
+                      </p:childTnLst>
+                    </p:cTn>
+                  </p:par>
+                  <p:par>
+                    <p:cTn id="11" fill="hold">
+                      <p:stCondLst>
+                        <p:cond delay="indefinite"/>
+                      </p:stCondLst>
+                      <p:childTnLst>
+                        <p:par>
+                          <p:cTn id="12" fill="hold">
+                            <p:stCondLst>
+                              <p:cond delay="0"/>
+                            </p:stCondLst>
+                            <p:childTnLst>
+                              <p:par>
+                                <p:cTn id="13" presetID="10" presetClass="entr" presetSubtype="0" fill="hold" grpId="0" nodeType="clickEffect">
+                                  <p:stCondLst>
+                                    <p:cond delay="0"/>
+                                  </p:stCondLst>
+                                  <p:childTnLst>
+                                    <p:set>
+                                      <p:cBhvr>
+                                        <p:cTn id="14" dur="1" fill="hold">
+                                          <p:stCondLst>
+                                            <p:cond delay="0"/>
+                                          </p:stCondLst>
+                                        </p:cTn>
+                                        <p:tgtEl>
+                                          <p:spTgt spid="8"/>
+                                        </p:tgtEl>
+                                        <p:attrNameLst>
+                                          <p:attrName>style.visibility</p:attrName>
+                                        </p:attrNameLst>
+                                      </p:cBhvr>
+                                      <p:to>
+                                        <p:strVal val="visible"/>
+                                      </p:to>
+                                    </p:set>
+                                    <p:animEffect transition="in" filter="fade">
+                                      <p:cBhvr>
+                                        <p:cTn id="15" dur="500"/>
+                                        <p:tgtEl>
+                                          <p:spTgt spid="8"/>
+                                        </p:tgtEl>
+                                      </p:cBhvr>
+                                    </p:animEffect>
+                                  </p:childTnLst>
+                                </p:cTn>
+                              </p:par>
+                              <p:par>
+                                <p:cTn id="16" presetID="10" presetClass="entr" presetSubtype="0" fill="hold" grpId="0" nodeType="withEffect">
+                                  <p:stCondLst>
+                                    <p:cond delay="0"/>
+                                  </p:stCondLst>
+                                  <p:childTnLst>
+                                    <p:set>
+                                      <p:cBhvr>
+                                        <p:cTn id="17" dur="1" fill="hold">
+                                          <p:stCondLst>
+                                            <p:cond delay="0"/>
+                                          </p:stCondLst>
+                                        </p:cTn>
+                                        <p:tgtEl>
+                                          <p:spTgt spid="9"/>
+                                        </p:tgtEl>
+                                        <p:attrNameLst>
+                                          <p:attrName>style.visibility</p:attrName>
+                                        </p:attrNameLst>
+                                      </p:cBhvr>
+                                      <p:to>
+                                        <p:strVal val="visible"/>
+                                      </p:to>
+                                    </p:set>
+                                    <p:animEffect transition="in" filter="fade">
+                                      <p:cBhvr>
+                                        <p:cTn id="18" dur="500"/>
+                                        <p:tgtEl>
+                                          <p:spTgt spid="9"/>
+                                        </p:tgtEl>
+                                      </p:cBhvr>
+                                    </p:animEffect>
+                                  </p:childTnLst>
+                                </p:cTn>
+                              </p:par>
+                            </p:childTnLst>
+                          </p:cTn>
+                        </p:par>
+                      </p:childTnLst>
+                    </p:cTn>
+                  </p:par>
+                  <p:par>
+                    <p:cTn id="19" fill="hold">
+                      <p:stCondLst>
+                        <p:cond delay="indefinite"/>
+                      </p:stCondLst>
+                      <p:childTnLst>
+                        <p:par>
+                          <p:cTn id="20" fill="hold">
+                            <p:stCondLst>
+                              <p:cond delay="0"/>
+                            </p:stCondLst>
+                            <p:childTnLst>
+                              <p:par>
+                                <p:cTn id="21" presetID="10" presetClass="entr" presetSubtype="0" fill="hold" grpId="0" nodeType="clickEffect">
+                                  <p:stCondLst>
+                                    <p:cond delay="0"/>
+                                  </p:stCondLst>
+                                  <p:childTnLst>
+                                    <p:set>
+                                      <p:cBhvr>
+                                        <p:cTn id="22" dur="1" fill="hold">
+                                          <p:stCondLst>
+                                            <p:cond delay="0"/>
+                                          </p:stCondLst>
+                                        </p:cTn>
+                                        <p:tgtEl>
+                                          <p:spTgt spid="11"/>
+                                        </p:tgtEl>
+                                        <p:attrNameLst>
+                                          <p:attrName>style.visibility</p:attrName>
+                                        </p:attrNameLst>
+                                      </p:cBhvr>
+                                      <p:to>
+                                        <p:strVal val="visible"/>
+                                      </p:to>
+                                    </p:set>
+                                    <p:animEffect transition="in" filter="fade">
+                                      <p:cBhvr>
+                                        <p:cTn id="23" dur="500"/>
+                                        <p:tgtEl>
+                                          <p:spTgt spid="11"/>
+                                        </p:tgtEl>
+                                      </p:cBhvr>
+                                    </p:animEffect>
+                                  </p:childTnLst>
+                                </p:cTn>
+                              </p:par>
+                              <p:par>
+                                <p:cTn id="24" presetID="10" presetClass="entr" presetSubtype="0" fill="hold" grpId="0" nodeType="withEffect">
+                                  <p:stCondLst>
+                                    <p:cond delay="0"/>
+                                  </p:stCondLst>
+                                  <p:childTnLst>
+                                    <p:set>
+                                      <p:cBhvr>
+                                        <p:cTn id="25" dur="1" fill="hold">
+                                          <p:stCondLst>
+                                            <p:cond delay="0"/>
+                                          </p:stCondLst>
+                                        </p:cTn>
+                                        <p:tgtEl>
+                                          <p:spTgt spid="12"/>
+                                        </p:tgtEl>
+                                        <p:attrNameLst>
+                                          <p:attrName>style.visibility</p:attrName>
+                                        </p:attrNameLst>
+                                      </p:cBhvr>
+                                      <p:to>
+                                        <p:strVal val="visible"/>
+                                      </p:to>
+                                    </p:set>
+                                    <p:animEffect transition="in" filter="fade">
+                                      <p:cBhvr>
+                                        <p:cTn id="26" dur="500"/>
+                                        <p:tgtEl>
+                                          <p:spTgt spid="12"/>
+                                        </p:tgtEl>
+                                      </p:cBhvr>
+                                    </p:animEffect>
+                                  </p:childTnLst>
+                                </p:cTn>
+                              </p:par>
+                              <p:par>
+                                <p:cTn id="27" presetID="10" presetClass="entr" presetSubtype="0" fill="hold" grpId="0" nodeType="withEffect">
+                                  <p:stCondLst>
+                                    <p:cond delay="0"/>
+                                  </p:stCondLst>
+                                  <p:childTnLst>
+                                    <p:set>
+                                      <p:cBhvr>
+                                        <p:cTn id="28" dur="1" fill="hold">
+                                          <p:stCondLst>
+                                            <p:cond delay="0"/>
+                                          </p:stCondLst>
+                                        </p:cTn>
+                                        <p:tgtEl>
+                                          <p:spTgt spid="13"/>
+                                        </p:tgtEl>
+                                        <p:attrNameLst>
+                                          <p:attrName>style.visibility</p:attrName>
+                                        </p:attrNameLst>
+                                      </p:cBhvr>
+                                      <p:to>
+                                        <p:strVal val="visible"/>
+                                      </p:to>
+                                    </p:set>
+                                    <p:animEffect transition="in" filter="fade">
+                                      <p:cBhvr>
+                                        <p:cTn id="29" dur="500"/>
+                                        <p:tgtEl>
+                                          <p:spTgt spid="13"/>
+                                        </p:tgtEl>
+                                      </p:cBhvr>
+                                    </p:animEffect>
+                                  </p:childTnLst>
+                                </p:cTn>
+                              </p:par>
+                            </p:childTnLst>
+                          </p:cTn>
+                        </p:par>
+                      </p:childTnLst>
+                    </p:cTn>
+                  </p:par>
+                  <p:par>
+                    <p:cTn id="30" fill="hold">
+                      <p:stCondLst>
+                        <p:cond delay="indefinite"/>
+                      </p:stCondLst>
+                      <p:childTnLst>
+                        <p:par>
+                          <p:cTn id="31" fill="hold">
+                            <p:stCondLst>
+                              <p:cond delay="0"/>
+                            </p:stCondLst>
+                            <p:childTnLst>
+                              <p:par>
+                                <p:cTn id="32" presetID="10" presetClass="entr" presetSubtype="0" fill="hold" grpId="0" nodeType="clickEffect">
+                                  <p:stCondLst>
+                                    <p:cond delay="0"/>
+                                  </p:stCondLst>
+                                  <p:childTnLst>
+                                    <p:set>
+                                      <p:cBhvr>
+                                        <p:cTn id="33" dur="1" fill="hold">
+                                          <p:stCondLst>
+                                            <p:cond delay="0"/>
+                                          </p:stCondLst>
+                                        </p:cTn>
+                                        <p:tgtEl>
+                                          <p:spTgt spid="15"/>
+                                        </p:tgtEl>
+                                        <p:attrNameLst>
+                                          <p:attrName>style.visibility</p:attrName>
+                                        </p:attrNameLst>
+                                      </p:cBhvr>
+                                      <p:to>
+                                        <p:strVal val="visible"/>
+                                      </p:to>
+                                    </p:set>
+                                    <p:animEffect transition="in" filter="fade">
+                                      <p:cBhvr>
+                                        <p:cTn id="34" dur="500"/>
+                                        <p:tgtEl>
+                                          <p:spTgt spid="15"/>
+                                        </p:tgtEl>
+                                      </p:cBhvr>
+                                    </p:animEffect>
+                                  </p:childTnLst>
+                                </p:cTn>
+                              </p:par>
+                            </p:childTnLst>
+                          </p:cTn>
+                        </p:par>
+                      </p:childTnLst>
+                    </p:cTn>
+                  </p:par>
+                </p:childTnLst>
+              </p:cTn>
+              <p:prevCondLst>
+                <p:cond evt="onPrev" delay="0">
+                  <p:tgtEl>
+                    <p:sldTgt/>
+                  </p:tgtEl>
+                </p:cond>
+              </p:prevCondLst>
+              <p:nextCondLst>
+                <p:cond evt="onNext" delay="0">
+                  <p:tgtEl>
+                    <p:sldTgt/>
+                  </p:tgtEl>
+                </p:cond>
+              </p:nextCondLst>
+            </p:seq>
+          </p:childTnLst>
+        </p:cTn>
+      </p:par>
+    </p:tnLst>
+    <p:bldLst>
+      <p:bldP spid="3" grpId="0"/>
+      <p:bldP spid="6" grpId="0" animBg="1"/>
+      <p:bldP spid="8" grpId="0"/>
+      <p:bldP spid="9" grpId="0" animBg="1"/>
+      <p:bldP spid="11" grpId="0"/>
+      <p:bldP spid="12" grpId="0" animBg="1"/>
+      <p:bldP spid="13" grpId="0"/>
+      <p:bldP spid="15" grpId="0"/>
+    </p:bldLst>
+  </p:timing>
+</p:sld>
+</file>
+
+<file path=ppt/slides/slide13.xml><?xml version="1.0" encoding="utf-8"?>
+<p:sld xmlns:a="http://schemas.openxmlformats.org/drawingml/2006/main" xmlns:r="http://schemas.openxmlformats.org/officeDocument/2006/relationships" xmlns:p="http://schemas.openxmlformats.org/presentationml/2006/main">
+  <p:cSld>
+    <p:spTree>
+      <p:nvGrpSpPr>
+        <p:cNvPr id="1" name=""/>
+        <p:cNvGrpSpPr/>
+        <p:nvPr/>
+      </p:nvGrpSpPr>
+      <p:grpSpPr>
+        <a:xfrm>
+          <a:off x="0" y="0"/>
+          <a:ext cx="0" cy="0"/>
+          <a:chOff x="0" y="0"/>
+          <a:chExt cx="0" cy="0"/>
+        </a:xfrm>
+      </p:grpSpPr>
+      <p:sp>
+        <p:nvSpPr>
           <p:cNvPr id="2" name="Titel 1">
             <a:extLst>
               <a:ext uri="{FF2B5EF4-FFF2-40B4-BE49-F238E27FC236}">
@@ -7002,7 +9359,7 @@
           <a:p>
             <a:fld id="{0D177590-C0B9-4388-A01F-98FB57FCBBE4}" type="slidenum">
               <a:rPr lang="de-DE" smtClean="0"/>
-              <a:t>10</a:t>
+              <a:t>13</a:t>
             </a:fld>
             <a:endParaRPr lang="de-DE"/>
           </a:p>
@@ -7021,7 +9378,192 @@
 </p:sld>
 </file>
 
-<file path=ppt/slides/slide11.xml><?xml version="1.0" encoding="utf-8"?>
+<file path=ppt/slides/slide14.xml><?xml version="1.0" encoding="utf-8"?>
+<p:sld xmlns:a="http://schemas.openxmlformats.org/drawingml/2006/main" xmlns:r="http://schemas.openxmlformats.org/officeDocument/2006/relationships" xmlns:p="http://schemas.openxmlformats.org/presentationml/2006/main">
+  <p:cSld>
+    <p:spTree>
+      <p:nvGrpSpPr>
+        <p:cNvPr id="1" name=""/>
+        <p:cNvGrpSpPr/>
+        <p:nvPr/>
+      </p:nvGrpSpPr>
+      <p:grpSpPr>
+        <a:xfrm>
+          <a:off x="0" y="0"/>
+          <a:ext cx="0" cy="0"/>
+          <a:chOff x="0" y="0"/>
+          <a:chExt cx="0" cy="0"/>
+        </a:xfrm>
+      </p:grpSpPr>
+      <p:sp>
+        <p:nvSpPr>
+          <p:cNvPr id="2" name="Titel 1">
+            <a:extLst>
+              <a:ext uri="{FF2B5EF4-FFF2-40B4-BE49-F238E27FC236}">
+                <a16:creationId xmlns:a16="http://schemas.microsoft.com/office/drawing/2014/main" id="{06F32C73-8317-F832-7B01-232934B33F3D}"/>
+              </a:ext>
+            </a:extLst>
+          </p:cNvPr>
+          <p:cNvSpPr>
+            <a:spLocks noGrp="1"/>
+          </p:cNvSpPr>
+          <p:nvPr>
+            <p:ph type="title"/>
+          </p:nvPr>
+        </p:nvSpPr>
+        <p:spPr/>
+        <p:txBody>
+          <a:bodyPr/>
+          <a:lstStyle/>
+          <a:p>
+            <a:r>
+              <a:rPr lang="de-DE"/>
+              <a:t>Inhaltsverzeichnis</a:t>
+            </a:r>
+          </a:p>
+        </p:txBody>
+      </p:sp>
+      <p:sp>
+        <p:nvSpPr>
+          <p:cNvPr id="3" name="Inhaltsplatzhalter 2">
+            <a:extLst>
+              <a:ext uri="{FF2B5EF4-FFF2-40B4-BE49-F238E27FC236}">
+                <a16:creationId xmlns:a16="http://schemas.microsoft.com/office/drawing/2014/main" id="{9374FDF5-4AD6-B363-DC79-E940D7A13D2B}"/>
+              </a:ext>
+            </a:extLst>
+          </p:cNvPr>
+          <p:cNvSpPr>
+            <a:spLocks noGrp="1"/>
+          </p:cNvSpPr>
+          <p:nvPr>
+            <p:ph idx="1"/>
+          </p:nvPr>
+        </p:nvSpPr>
+        <p:spPr/>
+        <p:txBody>
+          <a:bodyPr/>
+          <a:lstStyle/>
+          <a:p>
+            <a:pPr>
+              <a:buFont typeface="+mj-lt"/>
+              <a:buAutoNum type="arabicPeriod"/>
+            </a:pPr>
+            <a:r>
+              <a:rPr lang="de-DE" dirty="0">
+                <a:solidFill>
+                  <a:schemeClr val="bg2"/>
+                </a:solidFill>
+              </a:rPr>
+              <a:t>Rückblick</a:t>
+            </a:r>
+          </a:p>
+          <a:p>
+            <a:pPr>
+              <a:buFont typeface="+mj-lt"/>
+              <a:buAutoNum type="arabicPeriod"/>
+            </a:pPr>
+            <a:r>
+              <a:rPr lang="de-DE" dirty="0" err="1">
+                <a:solidFill>
+                  <a:schemeClr val="bg2"/>
+                </a:solidFill>
+              </a:rPr>
+              <a:t>Redis</a:t>
+            </a:r>
+            <a:endParaRPr lang="de-DE" dirty="0">
+              <a:solidFill>
+                <a:schemeClr val="bg2"/>
+              </a:solidFill>
+            </a:endParaRPr>
+          </a:p>
+          <a:p>
+            <a:pPr>
+              <a:buFont typeface="+mj-lt"/>
+              <a:buAutoNum type="arabicPeriod"/>
+            </a:pPr>
+            <a:r>
+              <a:rPr lang="de-DE" dirty="0"/>
+              <a:t>Cassandra</a:t>
+            </a:r>
+          </a:p>
+          <a:p>
+            <a:pPr>
+              <a:buFont typeface="+mj-lt"/>
+              <a:buAutoNum type="arabicPeriod"/>
+            </a:pPr>
+            <a:r>
+              <a:rPr lang="de-DE" dirty="0" err="1">
+                <a:solidFill>
+                  <a:schemeClr val="bg2"/>
+                </a:solidFill>
+              </a:rPr>
+              <a:t>CouchDB</a:t>
+            </a:r>
+            <a:endParaRPr lang="de-DE" dirty="0">
+              <a:solidFill>
+                <a:schemeClr val="bg2"/>
+              </a:solidFill>
+            </a:endParaRPr>
+          </a:p>
+          <a:p>
+            <a:pPr>
+              <a:buFont typeface="+mj-lt"/>
+              <a:buAutoNum type="arabicPeriod"/>
+            </a:pPr>
+            <a:r>
+              <a:rPr lang="de-DE" dirty="0">
+                <a:solidFill>
+                  <a:schemeClr val="bg2"/>
+                </a:solidFill>
+              </a:rPr>
+              <a:t>Neo4J</a:t>
+            </a:r>
+          </a:p>
+        </p:txBody>
+      </p:sp>
+      <p:sp>
+        <p:nvSpPr>
+          <p:cNvPr id="4" name="Foliennummernplatzhalter 3">
+            <a:extLst>
+              <a:ext uri="{FF2B5EF4-FFF2-40B4-BE49-F238E27FC236}">
+                <a16:creationId xmlns:a16="http://schemas.microsoft.com/office/drawing/2014/main" id="{B6E65320-50D7-60F3-0007-3E98F559252F}"/>
+              </a:ext>
+            </a:extLst>
+          </p:cNvPr>
+          <p:cNvSpPr>
+            <a:spLocks noGrp="1"/>
+          </p:cNvSpPr>
+          <p:nvPr>
+            <p:ph type="sldNum" sz="quarter" idx="12"/>
+          </p:nvPr>
+        </p:nvSpPr>
+        <p:spPr/>
+        <p:txBody>
+          <a:bodyPr/>
+          <a:lstStyle/>
+          <a:p>
+            <a:fld id="{0D177590-C0B9-4388-A01F-98FB57FCBBE4}" type="slidenum">
+              <a:rPr lang="de-DE" smtClean="0"/>
+              <a:t>14</a:t>
+            </a:fld>
+            <a:endParaRPr lang="de-DE"/>
+          </a:p>
+        </p:txBody>
+      </p:sp>
+    </p:spTree>
+    <p:extLst>
+      <p:ext uri="{BB962C8B-B14F-4D97-AF65-F5344CB8AC3E}">
+        <p14:creationId xmlns:p14="http://schemas.microsoft.com/office/powerpoint/2010/main" val="4064694114"/>
+      </p:ext>
+    </p:extLst>
+  </p:cSld>
+  <p:clrMapOvr>
+    <a:masterClrMapping/>
+  </p:clrMapOvr>
+</p:sld>
+</file>
+
+<file path=ppt/slides/slide15.xml><?xml version="1.0" encoding="utf-8"?>
 <p:sld xmlns:a="http://schemas.openxmlformats.org/drawingml/2006/main" xmlns:r="http://schemas.openxmlformats.org/officeDocument/2006/relationships" xmlns:p="http://schemas.openxmlformats.org/presentationml/2006/main">
   <p:cSld>
     <p:bg>
@@ -7990,7 +10532,7 @@
                   <a:spcPts val="600"/>
                 </a:spcAft>
               </a:pPr>
-              <a:t>11</a:t>
+              <a:t>15</a:t>
             </a:fld>
             <a:endParaRPr lang="en-US"/>
           </a:p>
@@ -8009,7 +10551,7 @@
 </p:sld>
 </file>
 
-<file path=ppt/slides/slide12.xml><?xml version="1.0" encoding="utf-8"?>
+<file path=ppt/slides/slide16.xml><?xml version="1.0" encoding="utf-8"?>
 <p:sld xmlns:a="http://schemas.openxmlformats.org/drawingml/2006/main" xmlns:r="http://schemas.openxmlformats.org/officeDocument/2006/relationships" xmlns:p="http://schemas.openxmlformats.org/presentationml/2006/main">
   <p:cSld>
     <p:spTree>
@@ -8077,7 +10619,7 @@
           <a:p>
             <a:fld id="{0D177590-C0B9-4388-A01F-98FB57FCBBE4}" type="slidenum">
               <a:rPr lang="de-DE" smtClean="0"/>
-              <a:t>12</a:t>
+              <a:t>16</a:t>
             </a:fld>
             <a:endParaRPr lang="de-DE"/>
           </a:p>
@@ -8096,7 +10638,7 @@
 </p:sld>
 </file>
 
-<file path=ppt/slides/slide13.xml><?xml version="1.0" encoding="utf-8"?>
+<file path=ppt/slides/slide17.xml><?xml version="1.0" encoding="utf-8"?>
 <p:sld xmlns:a="http://schemas.openxmlformats.org/drawingml/2006/main" xmlns:r="http://schemas.openxmlformats.org/officeDocument/2006/relationships" xmlns:p="http://schemas.openxmlformats.org/presentationml/2006/main">
   <p:cSld>
     <p:spTree>
@@ -8164,7 +10706,7 @@
           <a:p>
             <a:fld id="{0D177590-C0B9-4388-A01F-98FB57FCBBE4}" type="slidenum">
               <a:rPr lang="de-DE" smtClean="0"/>
-              <a:t>13</a:t>
+              <a:t>17</a:t>
             </a:fld>
             <a:endParaRPr lang="de-DE"/>
           </a:p>
@@ -8183,7 +10725,7 @@
 </p:sld>
 </file>
 
-<file path=ppt/slides/slide14.xml><?xml version="1.0" encoding="utf-8"?>
+<file path=ppt/slides/slide18.xml><?xml version="1.0" encoding="utf-8"?>
 <p:sld xmlns:a="http://schemas.openxmlformats.org/drawingml/2006/main" xmlns:r="http://schemas.openxmlformats.org/officeDocument/2006/relationships" xmlns:p="http://schemas.openxmlformats.org/presentationml/2006/main">
   <p:cSld>
     <p:spTree>
@@ -8594,7 +11136,7 @@
           <a:p>
             <a:fld id="{0D177590-C0B9-4388-A01F-98FB57FCBBE4}" type="slidenum">
               <a:rPr lang="de-DE" smtClean="0"/>
-              <a:t>14</a:t>
+              <a:t>18</a:t>
             </a:fld>
             <a:endParaRPr lang="de-DE"/>
           </a:p>
@@ -8613,7 +11155,349 @@
 </p:sld>
 </file>
 
-<file path=ppt/slides/slide15.xml><?xml version="1.0" encoding="utf-8"?>
+<file path=ppt/slides/slide19.xml><?xml version="1.0" encoding="utf-8"?>
+<p:sld xmlns:a="http://schemas.openxmlformats.org/drawingml/2006/main" xmlns:r="http://schemas.openxmlformats.org/officeDocument/2006/relationships" xmlns:p="http://schemas.openxmlformats.org/presentationml/2006/main">
+  <p:cSld>
+    <p:spTree>
+      <p:nvGrpSpPr>
+        <p:cNvPr id="1" name=""/>
+        <p:cNvGrpSpPr/>
+        <p:nvPr/>
+      </p:nvGrpSpPr>
+      <p:grpSpPr>
+        <a:xfrm>
+          <a:off x="0" y="0"/>
+          <a:ext cx="0" cy="0"/>
+          <a:chOff x="0" y="0"/>
+          <a:chExt cx="0" cy="0"/>
+        </a:xfrm>
+      </p:grpSpPr>
+      <p:sp>
+        <p:nvSpPr>
+          <p:cNvPr id="2" name="Titel 1">
+            <a:extLst>
+              <a:ext uri="{FF2B5EF4-FFF2-40B4-BE49-F238E27FC236}">
+                <a16:creationId xmlns:a16="http://schemas.microsoft.com/office/drawing/2014/main" id="{06F32C73-8317-F832-7B01-232934B33F3D}"/>
+              </a:ext>
+            </a:extLst>
+          </p:cNvPr>
+          <p:cNvSpPr>
+            <a:spLocks noGrp="1"/>
+          </p:cNvSpPr>
+          <p:nvPr>
+            <p:ph type="title"/>
+          </p:nvPr>
+        </p:nvSpPr>
+        <p:spPr/>
+        <p:txBody>
+          <a:bodyPr/>
+          <a:lstStyle/>
+          <a:p>
+            <a:r>
+              <a:rPr lang="de-DE"/>
+              <a:t>Inhaltsverzeichnis</a:t>
+            </a:r>
+          </a:p>
+        </p:txBody>
+      </p:sp>
+      <p:sp>
+        <p:nvSpPr>
+          <p:cNvPr id="3" name="Inhaltsplatzhalter 2">
+            <a:extLst>
+              <a:ext uri="{FF2B5EF4-FFF2-40B4-BE49-F238E27FC236}">
+                <a16:creationId xmlns:a16="http://schemas.microsoft.com/office/drawing/2014/main" id="{9374FDF5-4AD6-B363-DC79-E940D7A13D2B}"/>
+              </a:ext>
+            </a:extLst>
+          </p:cNvPr>
+          <p:cNvSpPr>
+            <a:spLocks noGrp="1"/>
+          </p:cNvSpPr>
+          <p:nvPr>
+            <p:ph idx="1"/>
+          </p:nvPr>
+        </p:nvSpPr>
+        <p:spPr/>
+        <p:txBody>
+          <a:bodyPr/>
+          <a:lstStyle/>
+          <a:p>
+            <a:pPr>
+              <a:buFont typeface="+mj-lt"/>
+              <a:buAutoNum type="arabicPeriod"/>
+            </a:pPr>
+            <a:r>
+              <a:rPr lang="de-DE" dirty="0">
+                <a:solidFill>
+                  <a:schemeClr val="bg2"/>
+                </a:solidFill>
+              </a:rPr>
+              <a:t>Rückblick</a:t>
+            </a:r>
+          </a:p>
+          <a:p>
+            <a:pPr>
+              <a:buFont typeface="+mj-lt"/>
+              <a:buAutoNum type="arabicPeriod"/>
+            </a:pPr>
+            <a:r>
+              <a:rPr lang="de-DE" dirty="0" err="1">
+                <a:solidFill>
+                  <a:schemeClr val="bg2"/>
+                </a:solidFill>
+              </a:rPr>
+              <a:t>Redis</a:t>
+            </a:r>
+            <a:endParaRPr lang="de-DE" dirty="0">
+              <a:solidFill>
+                <a:schemeClr val="bg2"/>
+              </a:solidFill>
+            </a:endParaRPr>
+          </a:p>
+          <a:p>
+            <a:pPr>
+              <a:buFont typeface="+mj-lt"/>
+              <a:buAutoNum type="arabicPeriod"/>
+            </a:pPr>
+            <a:r>
+              <a:rPr lang="de-DE" dirty="0">
+                <a:solidFill>
+                  <a:schemeClr val="bg2"/>
+                </a:solidFill>
+              </a:rPr>
+              <a:t>Cassandra</a:t>
+            </a:r>
+          </a:p>
+          <a:p>
+            <a:pPr>
+              <a:buFont typeface="+mj-lt"/>
+              <a:buAutoNum type="arabicPeriod"/>
+            </a:pPr>
+            <a:r>
+              <a:rPr lang="de-DE" dirty="0" err="1"/>
+              <a:t>CouchDB</a:t>
+            </a:r>
+            <a:endParaRPr lang="de-DE" dirty="0"/>
+          </a:p>
+          <a:p>
+            <a:pPr>
+              <a:buFont typeface="+mj-lt"/>
+              <a:buAutoNum type="arabicPeriod"/>
+            </a:pPr>
+            <a:r>
+              <a:rPr lang="de-DE" dirty="0">
+                <a:solidFill>
+                  <a:schemeClr val="bg2"/>
+                </a:solidFill>
+              </a:rPr>
+              <a:t>Neo4J</a:t>
+            </a:r>
+          </a:p>
+        </p:txBody>
+      </p:sp>
+      <p:sp>
+        <p:nvSpPr>
+          <p:cNvPr id="4" name="Foliennummernplatzhalter 3">
+            <a:extLst>
+              <a:ext uri="{FF2B5EF4-FFF2-40B4-BE49-F238E27FC236}">
+                <a16:creationId xmlns:a16="http://schemas.microsoft.com/office/drawing/2014/main" id="{B6E65320-50D7-60F3-0007-3E98F559252F}"/>
+              </a:ext>
+            </a:extLst>
+          </p:cNvPr>
+          <p:cNvSpPr>
+            <a:spLocks noGrp="1"/>
+          </p:cNvSpPr>
+          <p:nvPr>
+            <p:ph type="sldNum" sz="quarter" idx="12"/>
+          </p:nvPr>
+        </p:nvSpPr>
+        <p:spPr/>
+        <p:txBody>
+          <a:bodyPr/>
+          <a:lstStyle/>
+          <a:p>
+            <a:fld id="{0D177590-C0B9-4388-A01F-98FB57FCBBE4}" type="slidenum">
+              <a:rPr lang="de-DE" smtClean="0"/>
+              <a:t>19</a:t>
+            </a:fld>
+            <a:endParaRPr lang="de-DE"/>
+          </a:p>
+        </p:txBody>
+      </p:sp>
+    </p:spTree>
+    <p:extLst>
+      <p:ext uri="{BB962C8B-B14F-4D97-AF65-F5344CB8AC3E}">
+        <p14:creationId xmlns:p14="http://schemas.microsoft.com/office/powerpoint/2010/main" val="2911475640"/>
+      </p:ext>
+    </p:extLst>
+  </p:cSld>
+  <p:clrMapOvr>
+    <a:masterClrMapping/>
+  </p:clrMapOvr>
+</p:sld>
+</file>
+
+<file path=ppt/slides/slide2.xml><?xml version="1.0" encoding="utf-8"?>
+<p:sld xmlns:a="http://schemas.openxmlformats.org/drawingml/2006/main" xmlns:r="http://schemas.openxmlformats.org/officeDocument/2006/relationships" xmlns:p="http://schemas.openxmlformats.org/presentationml/2006/main">
+  <p:cSld>
+    <p:spTree>
+      <p:nvGrpSpPr>
+        <p:cNvPr id="1" name=""/>
+        <p:cNvGrpSpPr/>
+        <p:nvPr/>
+      </p:nvGrpSpPr>
+      <p:grpSpPr>
+        <a:xfrm>
+          <a:off x="0" y="0"/>
+          <a:ext cx="0" cy="0"/>
+          <a:chOff x="0" y="0"/>
+          <a:chExt cx="0" cy="0"/>
+        </a:xfrm>
+      </p:grpSpPr>
+      <p:sp>
+        <p:nvSpPr>
+          <p:cNvPr id="2" name="Titel 1">
+            <a:extLst>
+              <a:ext uri="{FF2B5EF4-FFF2-40B4-BE49-F238E27FC236}">
+                <a16:creationId xmlns:a16="http://schemas.microsoft.com/office/drawing/2014/main" id="{06F32C73-8317-F832-7B01-232934B33F3D}"/>
+              </a:ext>
+            </a:extLst>
+          </p:cNvPr>
+          <p:cNvSpPr>
+            <a:spLocks noGrp="1"/>
+          </p:cNvSpPr>
+          <p:nvPr>
+            <p:ph type="title"/>
+          </p:nvPr>
+        </p:nvSpPr>
+        <p:spPr/>
+        <p:txBody>
+          <a:bodyPr/>
+          <a:lstStyle/>
+          <a:p>
+            <a:r>
+              <a:rPr lang="de-DE"/>
+              <a:t>Inhaltsverzeichnis</a:t>
+            </a:r>
+          </a:p>
+        </p:txBody>
+      </p:sp>
+      <p:sp>
+        <p:nvSpPr>
+          <p:cNvPr id="3" name="Inhaltsplatzhalter 2">
+            <a:extLst>
+              <a:ext uri="{FF2B5EF4-FFF2-40B4-BE49-F238E27FC236}">
+                <a16:creationId xmlns:a16="http://schemas.microsoft.com/office/drawing/2014/main" id="{9374FDF5-4AD6-B363-DC79-E940D7A13D2B}"/>
+              </a:ext>
+            </a:extLst>
+          </p:cNvPr>
+          <p:cNvSpPr>
+            <a:spLocks noGrp="1"/>
+          </p:cNvSpPr>
+          <p:nvPr>
+            <p:ph idx="1"/>
+          </p:nvPr>
+        </p:nvSpPr>
+        <p:spPr/>
+        <p:txBody>
+          <a:bodyPr/>
+          <a:lstStyle/>
+          <a:p>
+            <a:pPr>
+              <a:buFont typeface="+mj-lt"/>
+              <a:buAutoNum type="arabicPeriod"/>
+            </a:pPr>
+            <a:r>
+              <a:rPr lang="de-DE" dirty="0"/>
+              <a:t>Rückblick</a:t>
+            </a:r>
+          </a:p>
+          <a:p>
+            <a:pPr>
+              <a:buFont typeface="+mj-lt"/>
+              <a:buAutoNum type="arabicPeriod"/>
+            </a:pPr>
+            <a:r>
+              <a:rPr lang="de-DE" dirty="0" err="1"/>
+              <a:t>Redis</a:t>
+            </a:r>
+            <a:endParaRPr lang="de-DE" dirty="0"/>
+          </a:p>
+          <a:p>
+            <a:pPr>
+              <a:buFont typeface="+mj-lt"/>
+              <a:buAutoNum type="arabicPeriod"/>
+            </a:pPr>
+            <a:r>
+              <a:rPr lang="de-DE" dirty="0"/>
+              <a:t>Cassandra</a:t>
+            </a:r>
+          </a:p>
+          <a:p>
+            <a:pPr>
+              <a:buFont typeface="+mj-lt"/>
+              <a:buAutoNum type="arabicPeriod"/>
+            </a:pPr>
+            <a:r>
+              <a:rPr lang="de-DE" dirty="0" err="1"/>
+              <a:t>CouchDB</a:t>
+            </a:r>
+            <a:endParaRPr lang="de-DE" dirty="0"/>
+          </a:p>
+          <a:p>
+            <a:pPr>
+              <a:buFont typeface="+mj-lt"/>
+              <a:buAutoNum type="arabicPeriod"/>
+            </a:pPr>
+            <a:r>
+              <a:rPr lang="de-DE" dirty="0"/>
+              <a:t>Neo4J</a:t>
+            </a:r>
+          </a:p>
+        </p:txBody>
+      </p:sp>
+      <p:sp>
+        <p:nvSpPr>
+          <p:cNvPr id="4" name="Foliennummernplatzhalter 3">
+            <a:extLst>
+              <a:ext uri="{FF2B5EF4-FFF2-40B4-BE49-F238E27FC236}">
+                <a16:creationId xmlns:a16="http://schemas.microsoft.com/office/drawing/2014/main" id="{B6E65320-50D7-60F3-0007-3E98F559252F}"/>
+              </a:ext>
+            </a:extLst>
+          </p:cNvPr>
+          <p:cNvSpPr>
+            <a:spLocks noGrp="1"/>
+          </p:cNvSpPr>
+          <p:nvPr>
+            <p:ph type="sldNum" sz="quarter" idx="12"/>
+          </p:nvPr>
+        </p:nvSpPr>
+        <p:spPr/>
+        <p:txBody>
+          <a:bodyPr/>
+          <a:lstStyle/>
+          <a:p>
+            <a:fld id="{0D177590-C0B9-4388-A01F-98FB57FCBBE4}" type="slidenum">
+              <a:rPr lang="de-DE" smtClean="0"/>
+              <a:t>2</a:t>
+            </a:fld>
+            <a:endParaRPr lang="de-DE"/>
+          </a:p>
+        </p:txBody>
+      </p:sp>
+    </p:spTree>
+    <p:extLst>
+      <p:ext uri="{BB962C8B-B14F-4D97-AF65-F5344CB8AC3E}">
+        <p14:creationId xmlns:p14="http://schemas.microsoft.com/office/powerpoint/2010/main" val="342167159"/>
+      </p:ext>
+    </p:extLst>
+  </p:cSld>
+  <p:clrMapOvr>
+    <a:masterClrMapping/>
+  </p:clrMapOvr>
+</p:sld>
+</file>
+
+<file path=ppt/slides/slide20.xml><?xml version="1.0" encoding="utf-8"?>
 <p:sld xmlns:a="http://schemas.openxmlformats.org/drawingml/2006/main" xmlns:r="http://schemas.openxmlformats.org/officeDocument/2006/relationships" xmlns:p="http://schemas.openxmlformats.org/presentationml/2006/main">
   <p:cSld>
     <p:bg>
@@ -9510,7 +12394,7 @@
                   <a:spcPts val="600"/>
                 </a:spcAft>
               </a:pPr>
-              <a:t>15</a:t>
+              <a:t>20</a:t>
             </a:fld>
             <a:endParaRPr lang="en-US"/>
           </a:p>
@@ -9565,7 +12449,7 @@
 </p:sld>
 </file>
 
-<file path=ppt/slides/slide16.xml><?xml version="1.0" encoding="utf-8"?>
+<file path=ppt/slides/slide21.xml><?xml version="1.0" encoding="utf-8"?>
 <p:sld xmlns:a="http://schemas.openxmlformats.org/drawingml/2006/main" xmlns:r="http://schemas.openxmlformats.org/officeDocument/2006/relationships" xmlns:p="http://schemas.openxmlformats.org/presentationml/2006/main">
   <p:cSld>
     <p:spTree>
@@ -9633,7 +12517,7 @@
           <a:p>
             <a:fld id="{0D177590-C0B9-4388-A01F-98FB57FCBBE4}" type="slidenum">
               <a:rPr lang="de-DE" smtClean="0"/>
-              <a:t>16</a:t>
+              <a:t>21</a:t>
             </a:fld>
             <a:endParaRPr lang="de-DE"/>
           </a:p>
@@ -9652,7 +12536,7 @@
 </p:sld>
 </file>
 
-<file path=ppt/slides/slide17.xml><?xml version="1.0" encoding="utf-8"?>
+<file path=ppt/slides/slide22.xml><?xml version="1.0" encoding="utf-8"?>
 <p:sld xmlns:a="http://schemas.openxmlformats.org/drawingml/2006/main" xmlns:r="http://schemas.openxmlformats.org/officeDocument/2006/relationships" xmlns:p="http://schemas.openxmlformats.org/presentationml/2006/main">
   <p:cSld>
     <p:spTree>
@@ -9728,7 +12612,7 @@
           <a:p>
             <a:fld id="{0D177590-C0B9-4388-A01F-98FB57FCBBE4}" type="slidenum">
               <a:rPr lang="de-DE" smtClean="0"/>
-              <a:t>17</a:t>
+              <a:t>22</a:t>
             </a:fld>
             <a:endParaRPr lang="de-DE"/>
           </a:p>
@@ -9747,7 +12631,7 @@
 </p:sld>
 </file>
 
-<file path=ppt/slides/slide18.xml><?xml version="1.0" encoding="utf-8"?>
+<file path=ppt/slides/slide23.xml><?xml version="1.0" encoding="utf-8"?>
 <p:sld xmlns:a="http://schemas.openxmlformats.org/drawingml/2006/main" xmlns:r="http://schemas.openxmlformats.org/officeDocument/2006/relationships" xmlns:p="http://schemas.openxmlformats.org/presentationml/2006/main">
   <p:cSld>
     <p:spTree>
@@ -10158,7 +13042,7 @@
           <a:p>
             <a:fld id="{0D177590-C0B9-4388-A01F-98FB57FCBBE4}" type="slidenum">
               <a:rPr lang="de-DE" smtClean="0"/>
-              <a:t>18</a:t>
+              <a:t>23</a:t>
             </a:fld>
             <a:endParaRPr lang="de-DE"/>
           </a:p>
@@ -10177,7 +13061,192 @@
 </p:sld>
 </file>
 
-<file path=ppt/slides/slide19.xml><?xml version="1.0" encoding="utf-8"?>
+<file path=ppt/slides/slide24.xml><?xml version="1.0" encoding="utf-8"?>
+<p:sld xmlns:a="http://schemas.openxmlformats.org/drawingml/2006/main" xmlns:r="http://schemas.openxmlformats.org/officeDocument/2006/relationships" xmlns:p="http://schemas.openxmlformats.org/presentationml/2006/main">
+  <p:cSld>
+    <p:spTree>
+      <p:nvGrpSpPr>
+        <p:cNvPr id="1" name=""/>
+        <p:cNvGrpSpPr/>
+        <p:nvPr/>
+      </p:nvGrpSpPr>
+      <p:grpSpPr>
+        <a:xfrm>
+          <a:off x="0" y="0"/>
+          <a:ext cx="0" cy="0"/>
+          <a:chOff x="0" y="0"/>
+          <a:chExt cx="0" cy="0"/>
+        </a:xfrm>
+      </p:grpSpPr>
+      <p:sp>
+        <p:nvSpPr>
+          <p:cNvPr id="2" name="Titel 1">
+            <a:extLst>
+              <a:ext uri="{FF2B5EF4-FFF2-40B4-BE49-F238E27FC236}">
+                <a16:creationId xmlns:a16="http://schemas.microsoft.com/office/drawing/2014/main" id="{06F32C73-8317-F832-7B01-232934B33F3D}"/>
+              </a:ext>
+            </a:extLst>
+          </p:cNvPr>
+          <p:cNvSpPr>
+            <a:spLocks noGrp="1"/>
+          </p:cNvSpPr>
+          <p:nvPr>
+            <p:ph type="title"/>
+          </p:nvPr>
+        </p:nvSpPr>
+        <p:spPr/>
+        <p:txBody>
+          <a:bodyPr/>
+          <a:lstStyle/>
+          <a:p>
+            <a:r>
+              <a:rPr lang="de-DE"/>
+              <a:t>Inhaltsverzeichnis</a:t>
+            </a:r>
+          </a:p>
+        </p:txBody>
+      </p:sp>
+      <p:sp>
+        <p:nvSpPr>
+          <p:cNvPr id="3" name="Inhaltsplatzhalter 2">
+            <a:extLst>
+              <a:ext uri="{FF2B5EF4-FFF2-40B4-BE49-F238E27FC236}">
+                <a16:creationId xmlns:a16="http://schemas.microsoft.com/office/drawing/2014/main" id="{9374FDF5-4AD6-B363-DC79-E940D7A13D2B}"/>
+              </a:ext>
+            </a:extLst>
+          </p:cNvPr>
+          <p:cNvSpPr>
+            <a:spLocks noGrp="1"/>
+          </p:cNvSpPr>
+          <p:nvPr>
+            <p:ph idx="1"/>
+          </p:nvPr>
+        </p:nvSpPr>
+        <p:spPr/>
+        <p:txBody>
+          <a:bodyPr/>
+          <a:lstStyle/>
+          <a:p>
+            <a:pPr>
+              <a:buFont typeface="+mj-lt"/>
+              <a:buAutoNum type="arabicPeriod"/>
+            </a:pPr>
+            <a:r>
+              <a:rPr lang="de-DE" dirty="0">
+                <a:solidFill>
+                  <a:schemeClr val="bg2"/>
+                </a:solidFill>
+              </a:rPr>
+              <a:t>Rückblick</a:t>
+            </a:r>
+          </a:p>
+          <a:p>
+            <a:pPr>
+              <a:buFont typeface="+mj-lt"/>
+              <a:buAutoNum type="arabicPeriod"/>
+            </a:pPr>
+            <a:r>
+              <a:rPr lang="de-DE" dirty="0" err="1">
+                <a:solidFill>
+                  <a:schemeClr val="bg2"/>
+                </a:solidFill>
+              </a:rPr>
+              <a:t>Redis</a:t>
+            </a:r>
+            <a:endParaRPr lang="de-DE" dirty="0">
+              <a:solidFill>
+                <a:schemeClr val="bg2"/>
+              </a:solidFill>
+            </a:endParaRPr>
+          </a:p>
+          <a:p>
+            <a:pPr>
+              <a:buFont typeface="+mj-lt"/>
+              <a:buAutoNum type="arabicPeriod"/>
+            </a:pPr>
+            <a:r>
+              <a:rPr lang="de-DE" dirty="0">
+                <a:solidFill>
+                  <a:schemeClr val="bg2"/>
+                </a:solidFill>
+              </a:rPr>
+              <a:t>Cassandra</a:t>
+            </a:r>
+          </a:p>
+          <a:p>
+            <a:pPr>
+              <a:buFont typeface="+mj-lt"/>
+              <a:buAutoNum type="arabicPeriod"/>
+            </a:pPr>
+            <a:r>
+              <a:rPr lang="de-DE" dirty="0" err="1">
+                <a:solidFill>
+                  <a:schemeClr val="bg2"/>
+                </a:solidFill>
+              </a:rPr>
+              <a:t>CouchDB</a:t>
+            </a:r>
+            <a:endParaRPr lang="de-DE" dirty="0">
+              <a:solidFill>
+                <a:schemeClr val="bg2"/>
+              </a:solidFill>
+            </a:endParaRPr>
+          </a:p>
+          <a:p>
+            <a:pPr>
+              <a:buFont typeface="+mj-lt"/>
+              <a:buAutoNum type="arabicPeriod"/>
+            </a:pPr>
+            <a:r>
+              <a:rPr lang="de-DE" dirty="0"/>
+              <a:t>Neo4J</a:t>
+            </a:r>
+          </a:p>
+        </p:txBody>
+      </p:sp>
+      <p:sp>
+        <p:nvSpPr>
+          <p:cNvPr id="4" name="Foliennummernplatzhalter 3">
+            <a:extLst>
+              <a:ext uri="{FF2B5EF4-FFF2-40B4-BE49-F238E27FC236}">
+                <a16:creationId xmlns:a16="http://schemas.microsoft.com/office/drawing/2014/main" id="{B6E65320-50D7-60F3-0007-3E98F559252F}"/>
+              </a:ext>
+            </a:extLst>
+          </p:cNvPr>
+          <p:cNvSpPr>
+            <a:spLocks noGrp="1"/>
+          </p:cNvSpPr>
+          <p:nvPr>
+            <p:ph type="sldNum" sz="quarter" idx="12"/>
+          </p:nvPr>
+        </p:nvSpPr>
+        <p:spPr/>
+        <p:txBody>
+          <a:bodyPr/>
+          <a:lstStyle/>
+          <a:p>
+            <a:fld id="{0D177590-C0B9-4388-A01F-98FB57FCBBE4}" type="slidenum">
+              <a:rPr lang="de-DE" smtClean="0"/>
+              <a:t>24</a:t>
+            </a:fld>
+            <a:endParaRPr lang="de-DE"/>
+          </a:p>
+        </p:txBody>
+      </p:sp>
+    </p:spTree>
+    <p:extLst>
+      <p:ext uri="{BB962C8B-B14F-4D97-AF65-F5344CB8AC3E}">
+        <p14:creationId xmlns:p14="http://schemas.microsoft.com/office/powerpoint/2010/main" val="297385217"/>
+      </p:ext>
+    </p:extLst>
+  </p:cSld>
+  <p:clrMapOvr>
+    <a:masterClrMapping/>
+  </p:clrMapOvr>
+</p:sld>
+</file>
+
+<file path=ppt/slides/slide25.xml><?xml version="1.0" encoding="utf-8"?>
 <p:sld xmlns:a="http://schemas.openxmlformats.org/drawingml/2006/main" xmlns:r="http://schemas.openxmlformats.org/officeDocument/2006/relationships" xmlns:p="http://schemas.openxmlformats.org/presentationml/2006/main">
   <p:cSld>
     <p:spTree>
@@ -10360,7 +13429,7 @@
                   <a:spcPts val="600"/>
                 </a:spcAft>
               </a:pPr>
-              <a:t>19</a:t>
+              <a:t>25</a:t>
             </a:fld>
             <a:endParaRPr lang="en-US"/>
           </a:p>
@@ -10379,168 +13448,7 @@
 </p:sld>
 </file>
 
-<file path=ppt/slides/slide2.xml><?xml version="1.0" encoding="utf-8"?>
-<p:sld xmlns:a="http://schemas.openxmlformats.org/drawingml/2006/main" xmlns:r="http://schemas.openxmlformats.org/officeDocument/2006/relationships" xmlns:p="http://schemas.openxmlformats.org/presentationml/2006/main">
-  <p:cSld>
-    <p:spTree>
-      <p:nvGrpSpPr>
-        <p:cNvPr id="1" name=""/>
-        <p:cNvGrpSpPr/>
-        <p:nvPr/>
-      </p:nvGrpSpPr>
-      <p:grpSpPr>
-        <a:xfrm>
-          <a:off x="0" y="0"/>
-          <a:ext cx="0" cy="0"/>
-          <a:chOff x="0" y="0"/>
-          <a:chExt cx="0" cy="0"/>
-        </a:xfrm>
-      </p:grpSpPr>
-      <p:sp>
-        <p:nvSpPr>
-          <p:cNvPr id="2" name="Titel 1">
-            <a:extLst>
-              <a:ext uri="{FF2B5EF4-FFF2-40B4-BE49-F238E27FC236}">
-                <a16:creationId xmlns:a16="http://schemas.microsoft.com/office/drawing/2014/main" id="{06F32C73-8317-F832-7B01-232934B33F3D}"/>
-              </a:ext>
-            </a:extLst>
-          </p:cNvPr>
-          <p:cNvSpPr>
-            <a:spLocks noGrp="1"/>
-          </p:cNvSpPr>
-          <p:nvPr>
-            <p:ph type="title"/>
-          </p:nvPr>
-        </p:nvSpPr>
-        <p:spPr/>
-        <p:txBody>
-          <a:bodyPr/>
-          <a:lstStyle/>
-          <a:p>
-            <a:r>
-              <a:rPr lang="de-DE"/>
-              <a:t>Inhaltsverzeichnis</a:t>
-            </a:r>
-          </a:p>
-        </p:txBody>
-      </p:sp>
-      <p:sp>
-        <p:nvSpPr>
-          <p:cNvPr id="3" name="Inhaltsplatzhalter 2">
-            <a:extLst>
-              <a:ext uri="{FF2B5EF4-FFF2-40B4-BE49-F238E27FC236}">
-                <a16:creationId xmlns:a16="http://schemas.microsoft.com/office/drawing/2014/main" id="{9374FDF5-4AD6-B363-DC79-E940D7A13D2B}"/>
-              </a:ext>
-            </a:extLst>
-          </p:cNvPr>
-          <p:cNvSpPr>
-            <a:spLocks noGrp="1"/>
-          </p:cNvSpPr>
-          <p:nvPr>
-            <p:ph idx="1"/>
-          </p:nvPr>
-        </p:nvSpPr>
-        <p:spPr/>
-        <p:txBody>
-          <a:bodyPr/>
-          <a:lstStyle/>
-          <a:p>
-            <a:pPr>
-              <a:buFont typeface="+mj-lt"/>
-              <a:buAutoNum type="arabicPeriod"/>
-            </a:pPr>
-            <a:r>
-              <a:rPr lang="de-DE" dirty="0"/>
-              <a:t>Rückblick</a:t>
-            </a:r>
-          </a:p>
-          <a:p>
-            <a:pPr>
-              <a:buFont typeface="+mj-lt"/>
-              <a:buAutoNum type="arabicPeriod"/>
-            </a:pPr>
-            <a:r>
-              <a:rPr lang="de-DE" dirty="0" err="1"/>
-              <a:t>Redis</a:t>
-            </a:r>
-            <a:endParaRPr lang="de-DE" dirty="0"/>
-          </a:p>
-          <a:p>
-            <a:pPr>
-              <a:buFont typeface="+mj-lt"/>
-              <a:buAutoNum type="arabicPeriod"/>
-            </a:pPr>
-            <a:r>
-              <a:rPr lang="de-DE" dirty="0"/>
-              <a:t>Cassandra</a:t>
-            </a:r>
-          </a:p>
-          <a:p>
-            <a:pPr>
-              <a:buFont typeface="+mj-lt"/>
-              <a:buAutoNum type="arabicPeriod"/>
-            </a:pPr>
-            <a:r>
-              <a:rPr lang="de-DE" dirty="0" err="1"/>
-              <a:t>CouchDB</a:t>
-            </a:r>
-            <a:endParaRPr lang="de-DE" dirty="0"/>
-          </a:p>
-          <a:p>
-            <a:pPr>
-              <a:buFont typeface="+mj-lt"/>
-              <a:buAutoNum type="arabicPeriod"/>
-            </a:pPr>
-            <a:r>
-              <a:rPr lang="de-DE" dirty="0"/>
-              <a:t>Neo4J</a:t>
-            </a:r>
-          </a:p>
-        </p:txBody>
-      </p:sp>
-      <p:sp>
-        <p:nvSpPr>
-          <p:cNvPr id="4" name="Foliennummernplatzhalter 3">
-            <a:extLst>
-              <a:ext uri="{FF2B5EF4-FFF2-40B4-BE49-F238E27FC236}">
-                <a16:creationId xmlns:a16="http://schemas.microsoft.com/office/drawing/2014/main" id="{B6E65320-50D7-60F3-0007-3E98F559252F}"/>
-              </a:ext>
-            </a:extLst>
-          </p:cNvPr>
-          <p:cNvSpPr>
-            <a:spLocks noGrp="1"/>
-          </p:cNvSpPr>
-          <p:nvPr>
-            <p:ph type="sldNum" sz="quarter" idx="12"/>
-          </p:nvPr>
-        </p:nvSpPr>
-        <p:spPr/>
-        <p:txBody>
-          <a:bodyPr/>
-          <a:lstStyle/>
-          <a:p>
-            <a:fld id="{0D177590-C0B9-4388-A01F-98FB57FCBBE4}" type="slidenum">
-              <a:rPr lang="de-DE" smtClean="0"/>
-              <a:t>2</a:t>
-            </a:fld>
-            <a:endParaRPr lang="de-DE"/>
-          </a:p>
-        </p:txBody>
-      </p:sp>
-    </p:spTree>
-    <p:extLst>
-      <p:ext uri="{BB962C8B-B14F-4D97-AF65-F5344CB8AC3E}">
-        <p14:creationId xmlns:p14="http://schemas.microsoft.com/office/powerpoint/2010/main" val="342167159"/>
-      </p:ext>
-    </p:extLst>
-  </p:cSld>
-  <p:clrMapOvr>
-    <a:masterClrMapping/>
-  </p:clrMapOvr>
-</p:sld>
-</file>
-
-<file path=ppt/slides/slide20.xml><?xml version="1.0" encoding="utf-8"?>
+<file path=ppt/slides/slide26.xml><?xml version="1.0" encoding="utf-8"?>
 <p:sld xmlns:a="http://schemas.openxmlformats.org/drawingml/2006/main" xmlns:r="http://schemas.openxmlformats.org/officeDocument/2006/relationships" xmlns:p="http://schemas.openxmlformats.org/presentationml/2006/main">
   <p:cSld>
     <p:spTree>
@@ -10608,7 +13516,7 @@
           <a:p>
             <a:fld id="{0D177590-C0B9-4388-A01F-98FB57FCBBE4}" type="slidenum">
               <a:rPr lang="de-DE" smtClean="0"/>
-              <a:t>20</a:t>
+              <a:t>26</a:t>
             </a:fld>
             <a:endParaRPr lang="de-DE"/>
           </a:p>
@@ -10627,7 +13535,7 @@
 </p:sld>
 </file>
 
-<file path=ppt/slides/slide21.xml><?xml version="1.0" encoding="utf-8"?>
+<file path=ppt/slides/slide27.xml><?xml version="1.0" encoding="utf-8"?>
 <p:sld xmlns:a="http://schemas.openxmlformats.org/drawingml/2006/main" xmlns:r="http://schemas.openxmlformats.org/officeDocument/2006/relationships" xmlns:p="http://schemas.openxmlformats.org/presentationml/2006/main">
   <p:cSld>
     <p:spTree>
@@ -10695,7 +13603,7 @@
           <a:p>
             <a:fld id="{0D177590-C0B9-4388-A01F-98FB57FCBBE4}" type="slidenum">
               <a:rPr lang="de-DE" smtClean="0"/>
-              <a:t>21</a:t>
+              <a:t>27</a:t>
             </a:fld>
             <a:endParaRPr lang="de-DE"/>
           </a:p>
@@ -10714,7 +13622,7 @@
 </p:sld>
 </file>
 
-<file path=ppt/slides/slide22.xml><?xml version="1.0" encoding="utf-8"?>
+<file path=ppt/slides/slide28.xml><?xml version="1.0" encoding="utf-8"?>
 <p:sld xmlns:a="http://schemas.openxmlformats.org/drawingml/2006/main" xmlns:r="http://schemas.openxmlformats.org/officeDocument/2006/relationships" xmlns:p="http://schemas.openxmlformats.org/presentationml/2006/main">
   <p:cSld>
     <p:spTree>
@@ -11125,7 +14033,7 @@
           <a:p>
             <a:fld id="{0D177590-C0B9-4388-A01F-98FB57FCBBE4}" type="slidenum">
               <a:rPr lang="de-DE" smtClean="0"/>
-              <a:t>22</a:t>
+              <a:t>28</a:t>
             </a:fld>
             <a:endParaRPr lang="de-DE"/>
           </a:p>
@@ -11144,7 +14052,7 @@
 </p:sld>
 </file>
 
-<file path=ppt/slides/slide23.xml><?xml version="1.0" encoding="utf-8"?>
+<file path=ppt/slides/slide29.xml><?xml version="1.0" encoding="utf-8"?>
 <p:sld xmlns:a="http://schemas.openxmlformats.org/drawingml/2006/main" xmlns:r="http://schemas.openxmlformats.org/officeDocument/2006/relationships" xmlns:p="http://schemas.openxmlformats.org/presentationml/2006/main">
   <p:cSld>
     <p:spTree>
@@ -11212,7 +14120,7 @@
           <a:p>
             <a:fld id="{0D177590-C0B9-4388-A01F-98FB57FCBBE4}" type="slidenum">
               <a:rPr lang="de-DE" smtClean="0"/>
-              <a:t>23</a:t>
+              <a:t>29</a:t>
             </a:fld>
             <a:endParaRPr lang="de-DE"/>
           </a:p>
@@ -12657,8 +15565,616 @@
 </p:sld>
 </file>
 
-<file path=ppt/slides/slide24.xml><?xml version="1.0" encoding="utf-8"?>
+<file path=ppt/slides/slide3.xml><?xml version="1.0" encoding="utf-8"?>
 <p:sld xmlns:a="http://schemas.openxmlformats.org/drawingml/2006/main" xmlns:r="http://schemas.openxmlformats.org/officeDocument/2006/relationships" xmlns:p="http://schemas.openxmlformats.org/presentationml/2006/main">
+  <p:cSld>
+    <p:spTree>
+      <p:nvGrpSpPr>
+        <p:cNvPr id="1" name=""/>
+        <p:cNvGrpSpPr/>
+        <p:nvPr/>
+      </p:nvGrpSpPr>
+      <p:grpSpPr>
+        <a:xfrm>
+          <a:off x="0" y="0"/>
+          <a:ext cx="0" cy="0"/>
+          <a:chOff x="0" y="0"/>
+          <a:chExt cx="0" cy="0"/>
+        </a:xfrm>
+      </p:grpSpPr>
+      <p:sp>
+        <p:nvSpPr>
+          <p:cNvPr id="2" name="Titel 1">
+            <a:extLst>
+              <a:ext uri="{FF2B5EF4-FFF2-40B4-BE49-F238E27FC236}">
+                <a16:creationId xmlns:a16="http://schemas.microsoft.com/office/drawing/2014/main" id="{BFD972E8-92A0-DBE0-D758-20C96E9AA7FE}"/>
+              </a:ext>
+            </a:extLst>
+          </p:cNvPr>
+          <p:cNvSpPr>
+            <a:spLocks noGrp="1"/>
+          </p:cNvSpPr>
+          <p:nvPr>
+            <p:ph type="title"/>
+          </p:nvPr>
+        </p:nvSpPr>
+        <p:spPr/>
+        <p:txBody>
+          <a:bodyPr/>
+          <a:lstStyle/>
+          <a:p>
+            <a:r>
+              <a:rPr lang="de-DE"/>
+              <a:t>Aufgabenstellung</a:t>
+            </a:r>
+          </a:p>
+        </p:txBody>
+      </p:sp>
+      <p:sp>
+        <p:nvSpPr>
+          <p:cNvPr id="4" name="Foliennummernplatzhalter 3">
+            <a:extLst>
+              <a:ext uri="{FF2B5EF4-FFF2-40B4-BE49-F238E27FC236}">
+                <a16:creationId xmlns:a16="http://schemas.microsoft.com/office/drawing/2014/main" id="{61D6E6E2-851C-DFD8-463C-0934A4B3A90E}"/>
+              </a:ext>
+            </a:extLst>
+          </p:cNvPr>
+          <p:cNvSpPr>
+            <a:spLocks noGrp="1"/>
+          </p:cNvSpPr>
+          <p:nvPr>
+            <p:ph type="sldNum" sz="quarter" idx="12"/>
+          </p:nvPr>
+        </p:nvSpPr>
+        <p:spPr/>
+        <p:txBody>
+          <a:bodyPr/>
+          <a:lstStyle/>
+          <a:p>
+            <a:fld id="{0D177590-C0B9-4388-A01F-98FB57FCBBE4}" type="slidenum">
+              <a:rPr lang="de-DE" smtClean="0"/>
+              <a:t>3</a:t>
+            </a:fld>
+            <a:endParaRPr lang="de-DE"/>
+          </a:p>
+        </p:txBody>
+      </p:sp>
+      <p:pic>
+        <p:nvPicPr>
+          <p:cNvPr id="6" name="Grafik 5" descr="Tageskalender mit einfarbiger Füllung">
+            <a:extLst>
+              <a:ext uri="{FF2B5EF4-FFF2-40B4-BE49-F238E27FC236}">
+                <a16:creationId xmlns:a16="http://schemas.microsoft.com/office/drawing/2014/main" id="{9048B952-63F0-E79A-2E1C-122D44C53720}"/>
+              </a:ext>
+            </a:extLst>
+          </p:cNvPr>
+          <p:cNvPicPr>
+            <a:picLocks noChangeAspect="1"/>
+          </p:cNvPicPr>
+          <p:nvPr/>
+        </p:nvPicPr>
+        <p:blipFill>
+          <a:blip r:embed="rId3">
+            <a:extLst>
+              <a:ext uri="{28A0092B-C50C-407E-A947-70E740481C1C}">
+                <a14:useLocalDpi xmlns:a14="http://schemas.microsoft.com/office/drawing/2010/main" val="0"/>
+              </a:ext>
+              <a:ext uri="{96DAC541-7B7A-43D3-8B79-37D633B846F1}">
+                <asvg:svgBlip xmlns:asvg="http://schemas.microsoft.com/office/drawing/2016/SVG/main" r:embed="rId4"/>
+              </a:ext>
+            </a:extLst>
+          </a:blip>
+          <a:stretch>
+            <a:fillRect/>
+          </a:stretch>
+        </p:blipFill>
+        <p:spPr>
+          <a:xfrm>
+            <a:off x="717620" y="1858624"/>
+            <a:ext cx="914400" cy="914400"/>
+          </a:xfrm>
+          <a:prstGeom prst="rect">
+            <a:avLst/>
+          </a:prstGeom>
+        </p:spPr>
+      </p:pic>
+      <p:pic>
+        <p:nvPicPr>
+          <p:cNvPr id="10" name="Grafik 9" descr="Klemmbrett abgehakt mit einfarbiger Füllung">
+            <a:extLst>
+              <a:ext uri="{FF2B5EF4-FFF2-40B4-BE49-F238E27FC236}">
+                <a16:creationId xmlns:a16="http://schemas.microsoft.com/office/drawing/2014/main" id="{F838689A-2A85-4CFE-3976-583B43C1432B}"/>
+              </a:ext>
+            </a:extLst>
+          </p:cNvPr>
+          <p:cNvPicPr>
+            <a:picLocks noChangeAspect="1"/>
+          </p:cNvPicPr>
+          <p:nvPr/>
+        </p:nvPicPr>
+        <p:blipFill>
+          <a:blip r:embed="rId5">
+            <a:extLst>
+              <a:ext uri="{28A0092B-C50C-407E-A947-70E740481C1C}">
+                <a14:useLocalDpi xmlns:a14="http://schemas.microsoft.com/office/drawing/2010/main" val="0"/>
+              </a:ext>
+              <a:ext uri="{96DAC541-7B7A-43D3-8B79-37D633B846F1}">
+                <asvg:svgBlip xmlns:asvg="http://schemas.microsoft.com/office/drawing/2016/SVG/main" r:embed="rId6"/>
+              </a:ext>
+            </a:extLst>
+          </a:blip>
+          <a:stretch>
+            <a:fillRect/>
+          </a:stretch>
+        </p:blipFill>
+        <p:spPr>
+          <a:xfrm>
+            <a:off x="677334" y="4723117"/>
+            <a:ext cx="914400" cy="914400"/>
+          </a:xfrm>
+          <a:prstGeom prst="rect">
+            <a:avLst/>
+          </a:prstGeom>
+        </p:spPr>
+      </p:pic>
+      <p:pic>
+        <p:nvPicPr>
+          <p:cNvPr id="12" name="Grafik 11" descr="Feder mit einfarbiger Füllung">
+            <a:extLst>
+              <a:ext uri="{FF2B5EF4-FFF2-40B4-BE49-F238E27FC236}">
+                <a16:creationId xmlns:a16="http://schemas.microsoft.com/office/drawing/2014/main" id="{3AE8E1A7-A35B-3DD4-8D3D-B17F901AA622}"/>
+              </a:ext>
+            </a:extLst>
+          </p:cNvPr>
+          <p:cNvPicPr>
+            <a:picLocks noChangeAspect="1"/>
+          </p:cNvPicPr>
+          <p:nvPr/>
+        </p:nvPicPr>
+        <p:blipFill>
+          <a:blip r:embed="rId7">
+            <a:extLst>
+              <a:ext uri="{28A0092B-C50C-407E-A947-70E740481C1C}">
+                <a14:useLocalDpi xmlns:a14="http://schemas.microsoft.com/office/drawing/2010/main" val="0"/>
+              </a:ext>
+              <a:ext uri="{96DAC541-7B7A-43D3-8B79-37D633B846F1}">
+                <asvg:svgBlip xmlns:asvg="http://schemas.microsoft.com/office/drawing/2016/SVG/main" r:embed="rId8"/>
+              </a:ext>
+            </a:extLst>
+          </a:blip>
+          <a:stretch>
+            <a:fillRect/>
+          </a:stretch>
+        </p:blipFill>
+        <p:spPr>
+          <a:xfrm>
+            <a:off x="677334" y="3237896"/>
+            <a:ext cx="914400" cy="914400"/>
+          </a:xfrm>
+          <a:prstGeom prst="rect">
+            <a:avLst/>
+          </a:prstGeom>
+        </p:spPr>
+      </p:pic>
+      <p:sp>
+        <p:nvSpPr>
+          <p:cNvPr id="13" name="Textfeld 12">
+            <a:extLst>
+              <a:ext uri="{FF2B5EF4-FFF2-40B4-BE49-F238E27FC236}">
+                <a16:creationId xmlns:a16="http://schemas.microsoft.com/office/drawing/2014/main" id="{607840BE-D86C-DE1F-B9AF-B3B7B197D019}"/>
+              </a:ext>
+            </a:extLst>
+          </p:cNvPr>
+          <p:cNvSpPr txBox="1"/>
+          <p:nvPr/>
+        </p:nvSpPr>
+        <p:spPr>
+          <a:xfrm>
+            <a:off x="1721317" y="2038505"/>
+            <a:ext cx="7922134" cy="646331"/>
+          </a:xfrm>
+          <a:prstGeom prst="rect">
+            <a:avLst/>
+          </a:prstGeom>
+          <a:noFill/>
+        </p:spPr>
+        <p:txBody>
+          <a:bodyPr wrap="square" rtlCol="0" anchor="ctr">
+            <a:spAutoFit/>
+          </a:bodyPr>
+          <a:lstStyle/>
+          <a:p>
+            <a:r>
+              <a:rPr lang="de-DE"/>
+              <a:t>Mit Hilfe des Datenbankschemas Stundenpläne, Veranstaltungstermine und Abwesenheiten verwalten lassen.</a:t>
+            </a:r>
+          </a:p>
+        </p:txBody>
+      </p:sp>
+      <p:sp>
+        <p:nvSpPr>
+          <p:cNvPr id="14" name="Textfeld 13">
+            <a:extLst>
+              <a:ext uri="{FF2B5EF4-FFF2-40B4-BE49-F238E27FC236}">
+                <a16:creationId xmlns:a16="http://schemas.microsoft.com/office/drawing/2014/main" id="{68328143-6336-CE34-5AE2-161154EC6813}"/>
+              </a:ext>
+            </a:extLst>
+          </p:cNvPr>
+          <p:cNvSpPr txBox="1"/>
+          <p:nvPr/>
+        </p:nvSpPr>
+        <p:spPr>
+          <a:xfrm>
+            <a:off x="1721317" y="3487737"/>
+            <a:ext cx="6869346" cy="369332"/>
+          </a:xfrm>
+          <a:prstGeom prst="rect">
+            <a:avLst/>
+          </a:prstGeom>
+          <a:noFill/>
+        </p:spPr>
+        <p:txBody>
+          <a:bodyPr wrap="square" rtlCol="0">
+            <a:spAutoFit/>
+          </a:bodyPr>
+          <a:lstStyle/>
+          <a:p>
+            <a:r>
+              <a:rPr lang="de-DE"/>
+              <a:t>Änderungen am Stundenplan Protokollieren.</a:t>
+            </a:r>
+          </a:p>
+        </p:txBody>
+      </p:sp>
+      <p:sp>
+        <p:nvSpPr>
+          <p:cNvPr id="15" name="Textfeld 14">
+            <a:extLst>
+              <a:ext uri="{FF2B5EF4-FFF2-40B4-BE49-F238E27FC236}">
+                <a16:creationId xmlns:a16="http://schemas.microsoft.com/office/drawing/2014/main" id="{2305D78D-BF04-1E57-B831-49C8C4403366}"/>
+              </a:ext>
+            </a:extLst>
+          </p:cNvPr>
+          <p:cNvSpPr txBox="1"/>
+          <p:nvPr/>
+        </p:nvSpPr>
+        <p:spPr>
+          <a:xfrm>
+            <a:off x="1721317" y="4995651"/>
+            <a:ext cx="6869346" cy="369332"/>
+          </a:xfrm>
+          <a:prstGeom prst="rect">
+            <a:avLst/>
+          </a:prstGeom>
+          <a:noFill/>
+        </p:spPr>
+        <p:txBody>
+          <a:bodyPr wrap="square" rtlCol="0">
+            <a:spAutoFit/>
+          </a:bodyPr>
+          <a:lstStyle/>
+          <a:p>
+            <a:r>
+              <a:rPr lang="de-DE"/>
+              <a:t>Anwesenheitslisten für Veranstaltungen generieren.</a:t>
+            </a:r>
+          </a:p>
+        </p:txBody>
+      </p:sp>
+    </p:spTree>
+    <p:extLst>
+      <p:ext uri="{BB962C8B-B14F-4D97-AF65-F5344CB8AC3E}">
+        <p14:creationId xmlns:p14="http://schemas.microsoft.com/office/powerpoint/2010/main" val="992222691"/>
+      </p:ext>
+    </p:extLst>
+  </p:cSld>
+  <p:clrMapOvr>
+    <a:masterClrMapping/>
+  </p:clrMapOvr>
+  <p:timing>
+    <p:tnLst>
+      <p:par>
+        <p:cTn id="1" dur="indefinite" restart="never" nodeType="tmRoot">
+          <p:childTnLst>
+            <p:seq concurrent="1" nextAc="seek">
+              <p:cTn id="2" dur="indefinite" nodeType="mainSeq">
+                <p:childTnLst>
+                  <p:par>
+                    <p:cTn id="3" fill="hold">
+                      <p:stCondLst>
+                        <p:cond delay="indefinite"/>
+                      </p:stCondLst>
+                      <p:childTnLst>
+                        <p:par>
+                          <p:cTn id="4" fill="hold">
+                            <p:stCondLst>
+                              <p:cond delay="0"/>
+                            </p:stCondLst>
+                            <p:childTnLst>
+                              <p:par>
+                                <p:cTn id="5" presetID="10" presetClass="entr" presetSubtype="0" fill="hold" nodeType="clickEffect">
+                                  <p:stCondLst>
+                                    <p:cond delay="0"/>
+                                  </p:stCondLst>
+                                  <p:childTnLst>
+                                    <p:set>
+                                      <p:cBhvr>
+                                        <p:cTn id="6" dur="1" fill="hold">
+                                          <p:stCondLst>
+                                            <p:cond delay="0"/>
+                                          </p:stCondLst>
+                                        </p:cTn>
+                                        <p:tgtEl>
+                                          <p:spTgt spid="6"/>
+                                        </p:tgtEl>
+                                        <p:attrNameLst>
+                                          <p:attrName>style.visibility</p:attrName>
+                                        </p:attrNameLst>
+                                      </p:cBhvr>
+                                      <p:to>
+                                        <p:strVal val="visible"/>
+                                      </p:to>
+                                    </p:set>
+                                    <p:animEffect transition="in" filter="fade">
+                                      <p:cBhvr>
+                                        <p:cTn id="7" dur="500"/>
+                                        <p:tgtEl>
+                                          <p:spTgt spid="6"/>
+                                        </p:tgtEl>
+                                      </p:cBhvr>
+                                    </p:animEffect>
+                                  </p:childTnLst>
+                                </p:cTn>
+                              </p:par>
+                              <p:par>
+                                <p:cTn id="8" presetID="10" presetClass="entr" presetSubtype="0" fill="hold" grpId="0" nodeType="withEffect">
+                                  <p:stCondLst>
+                                    <p:cond delay="0"/>
+                                  </p:stCondLst>
+                                  <p:childTnLst>
+                                    <p:set>
+                                      <p:cBhvr>
+                                        <p:cTn id="9" dur="1" fill="hold">
+                                          <p:stCondLst>
+                                            <p:cond delay="0"/>
+                                          </p:stCondLst>
+                                        </p:cTn>
+                                        <p:tgtEl>
+                                          <p:spTgt spid="13"/>
+                                        </p:tgtEl>
+                                        <p:attrNameLst>
+                                          <p:attrName>style.visibility</p:attrName>
+                                        </p:attrNameLst>
+                                      </p:cBhvr>
+                                      <p:to>
+                                        <p:strVal val="visible"/>
+                                      </p:to>
+                                    </p:set>
+                                    <p:animEffect transition="in" filter="fade">
+                                      <p:cBhvr>
+                                        <p:cTn id="10" dur="500"/>
+                                        <p:tgtEl>
+                                          <p:spTgt spid="13"/>
+                                        </p:tgtEl>
+                                      </p:cBhvr>
+                                    </p:animEffect>
+                                  </p:childTnLst>
+                                </p:cTn>
+                              </p:par>
+                            </p:childTnLst>
+                          </p:cTn>
+                        </p:par>
+                      </p:childTnLst>
+                    </p:cTn>
+                  </p:par>
+                  <p:par>
+                    <p:cTn id="11" fill="hold">
+                      <p:stCondLst>
+                        <p:cond delay="indefinite"/>
+                      </p:stCondLst>
+                      <p:childTnLst>
+                        <p:par>
+                          <p:cTn id="12" fill="hold">
+                            <p:stCondLst>
+                              <p:cond delay="0"/>
+                            </p:stCondLst>
+                            <p:childTnLst>
+                              <p:par>
+                                <p:cTn id="13" presetID="10" presetClass="entr" presetSubtype="0" fill="hold" nodeType="clickEffect">
+                                  <p:stCondLst>
+                                    <p:cond delay="0"/>
+                                  </p:stCondLst>
+                                  <p:childTnLst>
+                                    <p:set>
+                                      <p:cBhvr>
+                                        <p:cTn id="14" dur="1" fill="hold">
+                                          <p:stCondLst>
+                                            <p:cond delay="0"/>
+                                          </p:stCondLst>
+                                        </p:cTn>
+                                        <p:tgtEl>
+                                          <p:spTgt spid="12"/>
+                                        </p:tgtEl>
+                                        <p:attrNameLst>
+                                          <p:attrName>style.visibility</p:attrName>
+                                        </p:attrNameLst>
+                                      </p:cBhvr>
+                                      <p:to>
+                                        <p:strVal val="visible"/>
+                                      </p:to>
+                                    </p:set>
+                                    <p:animEffect transition="in" filter="fade">
+                                      <p:cBhvr>
+                                        <p:cTn id="15" dur="500"/>
+                                        <p:tgtEl>
+                                          <p:spTgt spid="12"/>
+                                        </p:tgtEl>
+                                      </p:cBhvr>
+                                    </p:animEffect>
+                                  </p:childTnLst>
+                                </p:cTn>
+                              </p:par>
+                              <p:par>
+                                <p:cTn id="16" presetID="10" presetClass="entr" presetSubtype="0" fill="hold" grpId="0" nodeType="withEffect">
+                                  <p:stCondLst>
+                                    <p:cond delay="0"/>
+                                  </p:stCondLst>
+                                  <p:childTnLst>
+                                    <p:set>
+                                      <p:cBhvr>
+                                        <p:cTn id="17" dur="1" fill="hold">
+                                          <p:stCondLst>
+                                            <p:cond delay="0"/>
+                                          </p:stCondLst>
+                                        </p:cTn>
+                                        <p:tgtEl>
+                                          <p:spTgt spid="14"/>
+                                        </p:tgtEl>
+                                        <p:attrNameLst>
+                                          <p:attrName>style.visibility</p:attrName>
+                                        </p:attrNameLst>
+                                      </p:cBhvr>
+                                      <p:to>
+                                        <p:strVal val="visible"/>
+                                      </p:to>
+                                    </p:set>
+                                    <p:animEffect transition="in" filter="fade">
+                                      <p:cBhvr>
+                                        <p:cTn id="18" dur="500"/>
+                                        <p:tgtEl>
+                                          <p:spTgt spid="14"/>
+                                        </p:tgtEl>
+                                      </p:cBhvr>
+                                    </p:animEffect>
+                                  </p:childTnLst>
+                                </p:cTn>
+                              </p:par>
+                            </p:childTnLst>
+                          </p:cTn>
+                        </p:par>
+                      </p:childTnLst>
+                    </p:cTn>
+                  </p:par>
+                  <p:par>
+                    <p:cTn id="19" fill="hold">
+                      <p:stCondLst>
+                        <p:cond delay="indefinite"/>
+                      </p:stCondLst>
+                      <p:childTnLst>
+                        <p:par>
+                          <p:cTn id="20" fill="hold">
+                            <p:stCondLst>
+                              <p:cond delay="0"/>
+                            </p:stCondLst>
+                            <p:childTnLst>
+                              <p:par>
+                                <p:cTn id="21" presetID="10" presetClass="entr" presetSubtype="0" fill="hold" nodeType="clickEffect">
+                                  <p:stCondLst>
+                                    <p:cond delay="0"/>
+                                  </p:stCondLst>
+                                  <p:childTnLst>
+                                    <p:set>
+                                      <p:cBhvr>
+                                        <p:cTn id="22" dur="1" fill="hold">
+                                          <p:stCondLst>
+                                            <p:cond delay="0"/>
+                                          </p:stCondLst>
+                                        </p:cTn>
+                                        <p:tgtEl>
+                                          <p:spTgt spid="10"/>
+                                        </p:tgtEl>
+                                        <p:attrNameLst>
+                                          <p:attrName>style.visibility</p:attrName>
+                                        </p:attrNameLst>
+                                      </p:cBhvr>
+                                      <p:to>
+                                        <p:strVal val="visible"/>
+                                      </p:to>
+                                    </p:set>
+                                    <p:animEffect transition="in" filter="fade">
+                                      <p:cBhvr>
+                                        <p:cTn id="23" dur="500"/>
+                                        <p:tgtEl>
+                                          <p:spTgt spid="10"/>
+                                        </p:tgtEl>
+                                      </p:cBhvr>
+                                    </p:animEffect>
+                                  </p:childTnLst>
+                                </p:cTn>
+                              </p:par>
+                              <p:par>
+                                <p:cTn id="24" presetID="10" presetClass="entr" presetSubtype="0" fill="hold" grpId="0" nodeType="withEffect">
+                                  <p:stCondLst>
+                                    <p:cond delay="0"/>
+                                  </p:stCondLst>
+                                  <p:childTnLst>
+                                    <p:set>
+                                      <p:cBhvr>
+                                        <p:cTn id="25" dur="1" fill="hold">
+                                          <p:stCondLst>
+                                            <p:cond delay="0"/>
+                                          </p:stCondLst>
+                                        </p:cTn>
+                                        <p:tgtEl>
+                                          <p:spTgt spid="15"/>
+                                        </p:tgtEl>
+                                        <p:attrNameLst>
+                                          <p:attrName>style.visibility</p:attrName>
+                                        </p:attrNameLst>
+                                      </p:cBhvr>
+                                      <p:to>
+                                        <p:strVal val="visible"/>
+                                      </p:to>
+                                    </p:set>
+                                    <p:animEffect transition="in" filter="fade">
+                                      <p:cBhvr>
+                                        <p:cTn id="26" dur="500"/>
+                                        <p:tgtEl>
+                                          <p:spTgt spid="15"/>
+                                        </p:tgtEl>
+                                      </p:cBhvr>
+                                    </p:animEffect>
+                                  </p:childTnLst>
+                                </p:cTn>
+                              </p:par>
+                            </p:childTnLst>
+                          </p:cTn>
+                        </p:par>
+                      </p:childTnLst>
+                    </p:cTn>
+                  </p:par>
+                </p:childTnLst>
+              </p:cTn>
+              <p:prevCondLst>
+                <p:cond evt="onPrev" delay="0">
+                  <p:tgtEl>
+                    <p:sldTgt/>
+                  </p:tgtEl>
+                </p:cond>
+              </p:prevCondLst>
+              <p:nextCondLst>
+                <p:cond evt="onNext" delay="0">
+                  <p:tgtEl>
+                    <p:sldTgt/>
+                  </p:tgtEl>
+                </p:cond>
+              </p:nextCondLst>
+            </p:seq>
+          </p:childTnLst>
+        </p:cTn>
+      </p:par>
+    </p:tnLst>
+    <p:bldLst>
+      <p:bldP spid="13" grpId="0"/>
+      <p:bldP spid="14" grpId="0"/>
+      <p:bldP spid="15" grpId="0"/>
+    </p:bldLst>
+  </p:timing>
+</p:sld>
+</file>
+
+<file path=ppt/slides/slide30.xml><?xml version="1.0" encoding="utf-8"?>
+<p:sld xmlns:a="http://schemas.openxmlformats.org/drawingml/2006/main" xmlns:r="http://schemas.openxmlformats.org/officeDocument/2006/relationships" xmlns:p="http://schemas.openxmlformats.org/presentationml/2006/main" show="0">
   <p:cSld>
     <p:spTree>
       <p:nvGrpSpPr>
@@ -13140,7 +16656,7 @@
           <a:p>
             <a:fld id="{0D177590-C0B9-4388-A01F-98FB57FCBBE4}" type="slidenum">
               <a:rPr lang="de-DE" smtClean="0"/>
-              <a:t>24</a:t>
+              <a:t>30</a:t>
             </a:fld>
             <a:endParaRPr lang="de-DE"/>
           </a:p>
@@ -13159,8 +16675,8 @@
 </p:sld>
 </file>
 
-<file path=ppt/slides/slide25.xml><?xml version="1.0" encoding="utf-8"?>
-<p:sld xmlns:a="http://schemas.openxmlformats.org/drawingml/2006/main" xmlns:r="http://schemas.openxmlformats.org/officeDocument/2006/relationships" xmlns:p="http://schemas.openxmlformats.org/presentationml/2006/main">
+<file path=ppt/slides/slide31.xml><?xml version="1.0" encoding="utf-8"?>
+<p:sld xmlns:a="http://schemas.openxmlformats.org/drawingml/2006/main" xmlns:r="http://schemas.openxmlformats.org/officeDocument/2006/relationships" xmlns:p="http://schemas.openxmlformats.org/presentationml/2006/main" show="0">
   <p:cSld>
     <p:spTree>
       <p:nvGrpSpPr>
@@ -13575,7 +17091,7 @@
           <a:p>
             <a:fld id="{0D177590-C0B9-4388-A01F-98FB57FCBBE4}" type="slidenum">
               <a:rPr lang="de-DE" smtClean="0"/>
-              <a:t>25</a:t>
+              <a:t>31</a:t>
             </a:fld>
             <a:endParaRPr lang="de-DE"/>
           </a:p>
@@ -13585,118 +17101,6 @@
     <p:extLst>
       <p:ext uri="{BB962C8B-B14F-4D97-AF65-F5344CB8AC3E}">
         <p14:creationId xmlns:p14="http://schemas.microsoft.com/office/powerpoint/2010/main" val="308081051"/>
-      </p:ext>
-    </p:extLst>
-  </p:cSld>
-  <p:clrMapOvr>
-    <a:masterClrMapping/>
-  </p:clrMapOvr>
-</p:sld>
-</file>
-
-<file path=ppt/slides/slide3.xml><?xml version="1.0" encoding="utf-8"?>
-<p:sld xmlns:a="http://schemas.openxmlformats.org/drawingml/2006/main" xmlns:r="http://schemas.openxmlformats.org/officeDocument/2006/relationships" xmlns:p="http://schemas.openxmlformats.org/presentationml/2006/main">
-  <p:cSld>
-    <p:spTree>
-      <p:nvGrpSpPr>
-        <p:cNvPr id="1" name=""/>
-        <p:cNvGrpSpPr/>
-        <p:nvPr/>
-      </p:nvGrpSpPr>
-      <p:grpSpPr>
-        <a:xfrm>
-          <a:off x="0" y="0"/>
-          <a:ext cx="0" cy="0"/>
-          <a:chOff x="0" y="0"/>
-          <a:chExt cx="0" cy="0"/>
-        </a:xfrm>
-      </p:grpSpPr>
-      <p:sp>
-        <p:nvSpPr>
-          <p:cNvPr id="4" name="Titel 3">
-            <a:extLst>
-              <a:ext uri="{FF2B5EF4-FFF2-40B4-BE49-F238E27FC236}">
-                <a16:creationId xmlns:a16="http://schemas.microsoft.com/office/drawing/2014/main" id="{2BDCE658-59D9-17BF-748D-C91307660C05}"/>
-              </a:ext>
-            </a:extLst>
-          </p:cNvPr>
-          <p:cNvSpPr>
-            <a:spLocks noGrp="1"/>
-          </p:cNvSpPr>
-          <p:nvPr>
-            <p:ph type="title"/>
-          </p:nvPr>
-        </p:nvSpPr>
-        <p:spPr/>
-        <p:txBody>
-          <a:bodyPr/>
-          <a:lstStyle/>
-          <a:p>
-            <a:r>
-              <a:rPr lang="de-DE" dirty="0"/>
-              <a:t>Rückblick</a:t>
-            </a:r>
-          </a:p>
-        </p:txBody>
-      </p:sp>
-      <p:sp>
-        <p:nvSpPr>
-          <p:cNvPr id="5" name="Textplatzhalter 4">
-            <a:extLst>
-              <a:ext uri="{FF2B5EF4-FFF2-40B4-BE49-F238E27FC236}">
-                <a16:creationId xmlns:a16="http://schemas.microsoft.com/office/drawing/2014/main" id="{B69B7A0E-9211-8932-362E-673EC2771623}"/>
-              </a:ext>
-            </a:extLst>
-          </p:cNvPr>
-          <p:cNvSpPr>
-            <a:spLocks noGrp="1"/>
-          </p:cNvSpPr>
-          <p:nvPr>
-            <p:ph type="body" idx="1"/>
-          </p:nvPr>
-        </p:nvSpPr>
-        <p:spPr/>
-        <p:txBody>
-          <a:bodyPr/>
-          <a:lstStyle/>
-          <a:p>
-            <a:endParaRPr lang="de-DE"/>
-          </a:p>
-        </p:txBody>
-      </p:sp>
-      <p:sp>
-        <p:nvSpPr>
-          <p:cNvPr id="6" name="Foliennummernplatzhalter 5">
-            <a:extLst>
-              <a:ext uri="{FF2B5EF4-FFF2-40B4-BE49-F238E27FC236}">
-                <a16:creationId xmlns:a16="http://schemas.microsoft.com/office/drawing/2014/main" id="{E8BC639F-B15F-4D66-D861-3C49ADDF2FEF}"/>
-              </a:ext>
-            </a:extLst>
-          </p:cNvPr>
-          <p:cNvSpPr>
-            <a:spLocks noGrp="1"/>
-          </p:cNvSpPr>
-          <p:nvPr>
-            <p:ph type="sldNum" sz="quarter" idx="12"/>
-          </p:nvPr>
-        </p:nvSpPr>
-        <p:spPr/>
-        <p:txBody>
-          <a:bodyPr/>
-          <a:lstStyle/>
-          <a:p>
-            <a:fld id="{0D177590-C0B9-4388-A01F-98FB57FCBBE4}" type="slidenum">
-              <a:rPr lang="de-DE" smtClean="0"/>
-              <a:t>3</a:t>
-            </a:fld>
-            <a:endParaRPr lang="de-DE"/>
-          </a:p>
-        </p:txBody>
-      </p:sp>
-    </p:spTree>
-    <p:extLst>
-      <p:ext uri="{BB962C8B-B14F-4D97-AF65-F5344CB8AC3E}">
-        <p14:creationId xmlns:p14="http://schemas.microsoft.com/office/powerpoint/2010/main" val="3019981360"/>
       </p:ext>
     </p:extLst>
   </p:cSld>
@@ -13775,614 +17179,6 @@
             <a:fld id="{0D177590-C0B9-4388-A01F-98FB57FCBBE4}" type="slidenum">
               <a:rPr lang="de-DE" smtClean="0"/>
               <a:t>4</a:t>
-            </a:fld>
-            <a:endParaRPr lang="de-DE"/>
-          </a:p>
-        </p:txBody>
-      </p:sp>
-      <p:pic>
-        <p:nvPicPr>
-          <p:cNvPr id="6" name="Grafik 5" descr="Tageskalender mit einfarbiger Füllung">
-            <a:extLst>
-              <a:ext uri="{FF2B5EF4-FFF2-40B4-BE49-F238E27FC236}">
-                <a16:creationId xmlns:a16="http://schemas.microsoft.com/office/drawing/2014/main" id="{9048B952-63F0-E79A-2E1C-122D44C53720}"/>
-              </a:ext>
-            </a:extLst>
-          </p:cNvPr>
-          <p:cNvPicPr>
-            <a:picLocks noChangeAspect="1"/>
-          </p:cNvPicPr>
-          <p:nvPr/>
-        </p:nvPicPr>
-        <p:blipFill>
-          <a:blip r:embed="rId3">
-            <a:extLst>
-              <a:ext uri="{28A0092B-C50C-407E-A947-70E740481C1C}">
-                <a14:useLocalDpi xmlns:a14="http://schemas.microsoft.com/office/drawing/2010/main" val="0"/>
-              </a:ext>
-              <a:ext uri="{96DAC541-7B7A-43D3-8B79-37D633B846F1}">
-                <asvg:svgBlip xmlns:asvg="http://schemas.microsoft.com/office/drawing/2016/SVG/main" r:embed="rId4"/>
-              </a:ext>
-            </a:extLst>
-          </a:blip>
-          <a:stretch>
-            <a:fillRect/>
-          </a:stretch>
-        </p:blipFill>
-        <p:spPr>
-          <a:xfrm>
-            <a:off x="717620" y="1858624"/>
-            <a:ext cx="914400" cy="914400"/>
-          </a:xfrm>
-          <a:prstGeom prst="rect">
-            <a:avLst/>
-          </a:prstGeom>
-        </p:spPr>
-      </p:pic>
-      <p:pic>
-        <p:nvPicPr>
-          <p:cNvPr id="10" name="Grafik 9" descr="Klemmbrett abgehakt mit einfarbiger Füllung">
-            <a:extLst>
-              <a:ext uri="{FF2B5EF4-FFF2-40B4-BE49-F238E27FC236}">
-                <a16:creationId xmlns:a16="http://schemas.microsoft.com/office/drawing/2014/main" id="{F838689A-2A85-4CFE-3976-583B43C1432B}"/>
-              </a:ext>
-            </a:extLst>
-          </p:cNvPr>
-          <p:cNvPicPr>
-            <a:picLocks noChangeAspect="1"/>
-          </p:cNvPicPr>
-          <p:nvPr/>
-        </p:nvPicPr>
-        <p:blipFill>
-          <a:blip r:embed="rId5">
-            <a:extLst>
-              <a:ext uri="{28A0092B-C50C-407E-A947-70E740481C1C}">
-                <a14:useLocalDpi xmlns:a14="http://schemas.microsoft.com/office/drawing/2010/main" val="0"/>
-              </a:ext>
-              <a:ext uri="{96DAC541-7B7A-43D3-8B79-37D633B846F1}">
-                <asvg:svgBlip xmlns:asvg="http://schemas.microsoft.com/office/drawing/2016/SVG/main" r:embed="rId6"/>
-              </a:ext>
-            </a:extLst>
-          </a:blip>
-          <a:stretch>
-            <a:fillRect/>
-          </a:stretch>
-        </p:blipFill>
-        <p:spPr>
-          <a:xfrm>
-            <a:off x="677334" y="4723117"/>
-            <a:ext cx="914400" cy="914400"/>
-          </a:xfrm>
-          <a:prstGeom prst="rect">
-            <a:avLst/>
-          </a:prstGeom>
-        </p:spPr>
-      </p:pic>
-      <p:pic>
-        <p:nvPicPr>
-          <p:cNvPr id="12" name="Grafik 11" descr="Feder mit einfarbiger Füllung">
-            <a:extLst>
-              <a:ext uri="{FF2B5EF4-FFF2-40B4-BE49-F238E27FC236}">
-                <a16:creationId xmlns:a16="http://schemas.microsoft.com/office/drawing/2014/main" id="{3AE8E1A7-A35B-3DD4-8D3D-B17F901AA622}"/>
-              </a:ext>
-            </a:extLst>
-          </p:cNvPr>
-          <p:cNvPicPr>
-            <a:picLocks noChangeAspect="1"/>
-          </p:cNvPicPr>
-          <p:nvPr/>
-        </p:nvPicPr>
-        <p:blipFill>
-          <a:blip r:embed="rId7">
-            <a:extLst>
-              <a:ext uri="{28A0092B-C50C-407E-A947-70E740481C1C}">
-                <a14:useLocalDpi xmlns:a14="http://schemas.microsoft.com/office/drawing/2010/main" val="0"/>
-              </a:ext>
-              <a:ext uri="{96DAC541-7B7A-43D3-8B79-37D633B846F1}">
-                <asvg:svgBlip xmlns:asvg="http://schemas.microsoft.com/office/drawing/2016/SVG/main" r:embed="rId8"/>
-              </a:ext>
-            </a:extLst>
-          </a:blip>
-          <a:stretch>
-            <a:fillRect/>
-          </a:stretch>
-        </p:blipFill>
-        <p:spPr>
-          <a:xfrm>
-            <a:off x="677334" y="3237896"/>
-            <a:ext cx="914400" cy="914400"/>
-          </a:xfrm>
-          <a:prstGeom prst="rect">
-            <a:avLst/>
-          </a:prstGeom>
-        </p:spPr>
-      </p:pic>
-      <p:sp>
-        <p:nvSpPr>
-          <p:cNvPr id="13" name="Textfeld 12">
-            <a:extLst>
-              <a:ext uri="{FF2B5EF4-FFF2-40B4-BE49-F238E27FC236}">
-                <a16:creationId xmlns:a16="http://schemas.microsoft.com/office/drawing/2014/main" id="{607840BE-D86C-DE1F-B9AF-B3B7B197D019}"/>
-              </a:ext>
-            </a:extLst>
-          </p:cNvPr>
-          <p:cNvSpPr txBox="1"/>
-          <p:nvPr/>
-        </p:nvSpPr>
-        <p:spPr>
-          <a:xfrm>
-            <a:off x="1721317" y="2038505"/>
-            <a:ext cx="7922134" cy="646331"/>
-          </a:xfrm>
-          <a:prstGeom prst="rect">
-            <a:avLst/>
-          </a:prstGeom>
-          <a:noFill/>
-        </p:spPr>
-        <p:txBody>
-          <a:bodyPr wrap="square" rtlCol="0" anchor="ctr">
-            <a:spAutoFit/>
-          </a:bodyPr>
-          <a:lstStyle/>
-          <a:p>
-            <a:r>
-              <a:rPr lang="de-DE"/>
-              <a:t>Mit Hilfe des Datenbankschemas Stundenpläne, Veranstaltungstermine und Abwesenheiten verwalten lassen.</a:t>
-            </a:r>
-          </a:p>
-        </p:txBody>
-      </p:sp>
-      <p:sp>
-        <p:nvSpPr>
-          <p:cNvPr id="14" name="Textfeld 13">
-            <a:extLst>
-              <a:ext uri="{FF2B5EF4-FFF2-40B4-BE49-F238E27FC236}">
-                <a16:creationId xmlns:a16="http://schemas.microsoft.com/office/drawing/2014/main" id="{68328143-6336-CE34-5AE2-161154EC6813}"/>
-              </a:ext>
-            </a:extLst>
-          </p:cNvPr>
-          <p:cNvSpPr txBox="1"/>
-          <p:nvPr/>
-        </p:nvSpPr>
-        <p:spPr>
-          <a:xfrm>
-            <a:off x="1721317" y="3487737"/>
-            <a:ext cx="6869346" cy="369332"/>
-          </a:xfrm>
-          <a:prstGeom prst="rect">
-            <a:avLst/>
-          </a:prstGeom>
-          <a:noFill/>
-        </p:spPr>
-        <p:txBody>
-          <a:bodyPr wrap="square" rtlCol="0">
-            <a:spAutoFit/>
-          </a:bodyPr>
-          <a:lstStyle/>
-          <a:p>
-            <a:r>
-              <a:rPr lang="de-DE"/>
-              <a:t>Änderungen am Stundenplan Protokollieren.</a:t>
-            </a:r>
-          </a:p>
-        </p:txBody>
-      </p:sp>
-      <p:sp>
-        <p:nvSpPr>
-          <p:cNvPr id="15" name="Textfeld 14">
-            <a:extLst>
-              <a:ext uri="{FF2B5EF4-FFF2-40B4-BE49-F238E27FC236}">
-                <a16:creationId xmlns:a16="http://schemas.microsoft.com/office/drawing/2014/main" id="{2305D78D-BF04-1E57-B831-49C8C4403366}"/>
-              </a:ext>
-            </a:extLst>
-          </p:cNvPr>
-          <p:cNvSpPr txBox="1"/>
-          <p:nvPr/>
-        </p:nvSpPr>
-        <p:spPr>
-          <a:xfrm>
-            <a:off x="1721317" y="4995651"/>
-            <a:ext cx="6869346" cy="369332"/>
-          </a:xfrm>
-          <a:prstGeom prst="rect">
-            <a:avLst/>
-          </a:prstGeom>
-          <a:noFill/>
-        </p:spPr>
-        <p:txBody>
-          <a:bodyPr wrap="square" rtlCol="0">
-            <a:spAutoFit/>
-          </a:bodyPr>
-          <a:lstStyle/>
-          <a:p>
-            <a:r>
-              <a:rPr lang="de-DE"/>
-              <a:t>Anwesenheitslisten für Veranstaltungen generieren.</a:t>
-            </a:r>
-          </a:p>
-        </p:txBody>
-      </p:sp>
-    </p:spTree>
-    <p:extLst>
-      <p:ext uri="{BB962C8B-B14F-4D97-AF65-F5344CB8AC3E}">
-        <p14:creationId xmlns:p14="http://schemas.microsoft.com/office/powerpoint/2010/main" val="992222691"/>
-      </p:ext>
-    </p:extLst>
-  </p:cSld>
-  <p:clrMapOvr>
-    <a:masterClrMapping/>
-  </p:clrMapOvr>
-  <p:timing>
-    <p:tnLst>
-      <p:par>
-        <p:cTn id="1" dur="indefinite" restart="never" nodeType="tmRoot">
-          <p:childTnLst>
-            <p:seq concurrent="1" nextAc="seek">
-              <p:cTn id="2" dur="indefinite" nodeType="mainSeq">
-                <p:childTnLst>
-                  <p:par>
-                    <p:cTn id="3" fill="hold">
-                      <p:stCondLst>
-                        <p:cond delay="indefinite"/>
-                      </p:stCondLst>
-                      <p:childTnLst>
-                        <p:par>
-                          <p:cTn id="4" fill="hold">
-                            <p:stCondLst>
-                              <p:cond delay="0"/>
-                            </p:stCondLst>
-                            <p:childTnLst>
-                              <p:par>
-                                <p:cTn id="5" presetID="10" presetClass="entr" presetSubtype="0" fill="hold" nodeType="clickEffect">
-                                  <p:stCondLst>
-                                    <p:cond delay="0"/>
-                                  </p:stCondLst>
-                                  <p:childTnLst>
-                                    <p:set>
-                                      <p:cBhvr>
-                                        <p:cTn id="6" dur="1" fill="hold">
-                                          <p:stCondLst>
-                                            <p:cond delay="0"/>
-                                          </p:stCondLst>
-                                        </p:cTn>
-                                        <p:tgtEl>
-                                          <p:spTgt spid="6"/>
-                                        </p:tgtEl>
-                                        <p:attrNameLst>
-                                          <p:attrName>style.visibility</p:attrName>
-                                        </p:attrNameLst>
-                                      </p:cBhvr>
-                                      <p:to>
-                                        <p:strVal val="visible"/>
-                                      </p:to>
-                                    </p:set>
-                                    <p:animEffect transition="in" filter="fade">
-                                      <p:cBhvr>
-                                        <p:cTn id="7" dur="500"/>
-                                        <p:tgtEl>
-                                          <p:spTgt spid="6"/>
-                                        </p:tgtEl>
-                                      </p:cBhvr>
-                                    </p:animEffect>
-                                  </p:childTnLst>
-                                </p:cTn>
-                              </p:par>
-                              <p:par>
-                                <p:cTn id="8" presetID="10" presetClass="entr" presetSubtype="0" fill="hold" grpId="0" nodeType="withEffect">
-                                  <p:stCondLst>
-                                    <p:cond delay="0"/>
-                                  </p:stCondLst>
-                                  <p:childTnLst>
-                                    <p:set>
-                                      <p:cBhvr>
-                                        <p:cTn id="9" dur="1" fill="hold">
-                                          <p:stCondLst>
-                                            <p:cond delay="0"/>
-                                          </p:stCondLst>
-                                        </p:cTn>
-                                        <p:tgtEl>
-                                          <p:spTgt spid="13"/>
-                                        </p:tgtEl>
-                                        <p:attrNameLst>
-                                          <p:attrName>style.visibility</p:attrName>
-                                        </p:attrNameLst>
-                                      </p:cBhvr>
-                                      <p:to>
-                                        <p:strVal val="visible"/>
-                                      </p:to>
-                                    </p:set>
-                                    <p:animEffect transition="in" filter="fade">
-                                      <p:cBhvr>
-                                        <p:cTn id="10" dur="500"/>
-                                        <p:tgtEl>
-                                          <p:spTgt spid="13"/>
-                                        </p:tgtEl>
-                                      </p:cBhvr>
-                                    </p:animEffect>
-                                  </p:childTnLst>
-                                </p:cTn>
-                              </p:par>
-                            </p:childTnLst>
-                          </p:cTn>
-                        </p:par>
-                      </p:childTnLst>
-                    </p:cTn>
-                  </p:par>
-                  <p:par>
-                    <p:cTn id="11" fill="hold">
-                      <p:stCondLst>
-                        <p:cond delay="indefinite"/>
-                      </p:stCondLst>
-                      <p:childTnLst>
-                        <p:par>
-                          <p:cTn id="12" fill="hold">
-                            <p:stCondLst>
-                              <p:cond delay="0"/>
-                            </p:stCondLst>
-                            <p:childTnLst>
-                              <p:par>
-                                <p:cTn id="13" presetID="10" presetClass="entr" presetSubtype="0" fill="hold" nodeType="clickEffect">
-                                  <p:stCondLst>
-                                    <p:cond delay="0"/>
-                                  </p:stCondLst>
-                                  <p:childTnLst>
-                                    <p:set>
-                                      <p:cBhvr>
-                                        <p:cTn id="14" dur="1" fill="hold">
-                                          <p:stCondLst>
-                                            <p:cond delay="0"/>
-                                          </p:stCondLst>
-                                        </p:cTn>
-                                        <p:tgtEl>
-                                          <p:spTgt spid="12"/>
-                                        </p:tgtEl>
-                                        <p:attrNameLst>
-                                          <p:attrName>style.visibility</p:attrName>
-                                        </p:attrNameLst>
-                                      </p:cBhvr>
-                                      <p:to>
-                                        <p:strVal val="visible"/>
-                                      </p:to>
-                                    </p:set>
-                                    <p:animEffect transition="in" filter="fade">
-                                      <p:cBhvr>
-                                        <p:cTn id="15" dur="500"/>
-                                        <p:tgtEl>
-                                          <p:spTgt spid="12"/>
-                                        </p:tgtEl>
-                                      </p:cBhvr>
-                                    </p:animEffect>
-                                  </p:childTnLst>
-                                </p:cTn>
-                              </p:par>
-                              <p:par>
-                                <p:cTn id="16" presetID="10" presetClass="entr" presetSubtype="0" fill="hold" grpId="0" nodeType="withEffect">
-                                  <p:stCondLst>
-                                    <p:cond delay="0"/>
-                                  </p:stCondLst>
-                                  <p:childTnLst>
-                                    <p:set>
-                                      <p:cBhvr>
-                                        <p:cTn id="17" dur="1" fill="hold">
-                                          <p:stCondLst>
-                                            <p:cond delay="0"/>
-                                          </p:stCondLst>
-                                        </p:cTn>
-                                        <p:tgtEl>
-                                          <p:spTgt spid="14"/>
-                                        </p:tgtEl>
-                                        <p:attrNameLst>
-                                          <p:attrName>style.visibility</p:attrName>
-                                        </p:attrNameLst>
-                                      </p:cBhvr>
-                                      <p:to>
-                                        <p:strVal val="visible"/>
-                                      </p:to>
-                                    </p:set>
-                                    <p:animEffect transition="in" filter="fade">
-                                      <p:cBhvr>
-                                        <p:cTn id="18" dur="500"/>
-                                        <p:tgtEl>
-                                          <p:spTgt spid="14"/>
-                                        </p:tgtEl>
-                                      </p:cBhvr>
-                                    </p:animEffect>
-                                  </p:childTnLst>
-                                </p:cTn>
-                              </p:par>
-                            </p:childTnLst>
-                          </p:cTn>
-                        </p:par>
-                      </p:childTnLst>
-                    </p:cTn>
-                  </p:par>
-                  <p:par>
-                    <p:cTn id="19" fill="hold">
-                      <p:stCondLst>
-                        <p:cond delay="indefinite"/>
-                      </p:stCondLst>
-                      <p:childTnLst>
-                        <p:par>
-                          <p:cTn id="20" fill="hold">
-                            <p:stCondLst>
-                              <p:cond delay="0"/>
-                            </p:stCondLst>
-                            <p:childTnLst>
-                              <p:par>
-                                <p:cTn id="21" presetID="10" presetClass="entr" presetSubtype="0" fill="hold" nodeType="clickEffect">
-                                  <p:stCondLst>
-                                    <p:cond delay="0"/>
-                                  </p:stCondLst>
-                                  <p:childTnLst>
-                                    <p:set>
-                                      <p:cBhvr>
-                                        <p:cTn id="22" dur="1" fill="hold">
-                                          <p:stCondLst>
-                                            <p:cond delay="0"/>
-                                          </p:stCondLst>
-                                        </p:cTn>
-                                        <p:tgtEl>
-                                          <p:spTgt spid="10"/>
-                                        </p:tgtEl>
-                                        <p:attrNameLst>
-                                          <p:attrName>style.visibility</p:attrName>
-                                        </p:attrNameLst>
-                                      </p:cBhvr>
-                                      <p:to>
-                                        <p:strVal val="visible"/>
-                                      </p:to>
-                                    </p:set>
-                                    <p:animEffect transition="in" filter="fade">
-                                      <p:cBhvr>
-                                        <p:cTn id="23" dur="500"/>
-                                        <p:tgtEl>
-                                          <p:spTgt spid="10"/>
-                                        </p:tgtEl>
-                                      </p:cBhvr>
-                                    </p:animEffect>
-                                  </p:childTnLst>
-                                </p:cTn>
-                              </p:par>
-                              <p:par>
-                                <p:cTn id="24" presetID="10" presetClass="entr" presetSubtype="0" fill="hold" grpId="0" nodeType="withEffect">
-                                  <p:stCondLst>
-                                    <p:cond delay="0"/>
-                                  </p:stCondLst>
-                                  <p:childTnLst>
-                                    <p:set>
-                                      <p:cBhvr>
-                                        <p:cTn id="25" dur="1" fill="hold">
-                                          <p:stCondLst>
-                                            <p:cond delay="0"/>
-                                          </p:stCondLst>
-                                        </p:cTn>
-                                        <p:tgtEl>
-                                          <p:spTgt spid="15"/>
-                                        </p:tgtEl>
-                                        <p:attrNameLst>
-                                          <p:attrName>style.visibility</p:attrName>
-                                        </p:attrNameLst>
-                                      </p:cBhvr>
-                                      <p:to>
-                                        <p:strVal val="visible"/>
-                                      </p:to>
-                                    </p:set>
-                                    <p:animEffect transition="in" filter="fade">
-                                      <p:cBhvr>
-                                        <p:cTn id="26" dur="500"/>
-                                        <p:tgtEl>
-                                          <p:spTgt spid="15"/>
-                                        </p:tgtEl>
-                                      </p:cBhvr>
-                                    </p:animEffect>
-                                  </p:childTnLst>
-                                </p:cTn>
-                              </p:par>
-                            </p:childTnLst>
-                          </p:cTn>
-                        </p:par>
-                      </p:childTnLst>
-                    </p:cTn>
-                  </p:par>
-                </p:childTnLst>
-              </p:cTn>
-              <p:prevCondLst>
-                <p:cond evt="onPrev" delay="0">
-                  <p:tgtEl>
-                    <p:sldTgt/>
-                  </p:tgtEl>
-                </p:cond>
-              </p:prevCondLst>
-              <p:nextCondLst>
-                <p:cond evt="onNext" delay="0">
-                  <p:tgtEl>
-                    <p:sldTgt/>
-                  </p:tgtEl>
-                </p:cond>
-              </p:nextCondLst>
-            </p:seq>
-          </p:childTnLst>
-        </p:cTn>
-      </p:par>
-    </p:tnLst>
-    <p:bldLst>
-      <p:bldP spid="13" grpId="0"/>
-      <p:bldP spid="14" grpId="0"/>
-      <p:bldP spid="15" grpId="0"/>
-    </p:bldLst>
-  </p:timing>
-</p:sld>
-</file>
-
-<file path=ppt/slides/slide5.xml><?xml version="1.0" encoding="utf-8"?>
-<p:sld xmlns:a="http://schemas.openxmlformats.org/drawingml/2006/main" xmlns:r="http://schemas.openxmlformats.org/officeDocument/2006/relationships" xmlns:p="http://schemas.openxmlformats.org/presentationml/2006/main">
-  <p:cSld>
-    <p:spTree>
-      <p:nvGrpSpPr>
-        <p:cNvPr id="1" name=""/>
-        <p:cNvGrpSpPr/>
-        <p:nvPr/>
-      </p:nvGrpSpPr>
-      <p:grpSpPr>
-        <a:xfrm>
-          <a:off x="0" y="0"/>
-          <a:ext cx="0" cy="0"/>
-          <a:chOff x="0" y="0"/>
-          <a:chExt cx="0" cy="0"/>
-        </a:xfrm>
-      </p:grpSpPr>
-      <p:sp>
-        <p:nvSpPr>
-          <p:cNvPr id="2" name="Titel 1">
-            <a:extLst>
-              <a:ext uri="{FF2B5EF4-FFF2-40B4-BE49-F238E27FC236}">
-                <a16:creationId xmlns:a16="http://schemas.microsoft.com/office/drawing/2014/main" id="{BFD972E8-92A0-DBE0-D758-20C96E9AA7FE}"/>
-              </a:ext>
-            </a:extLst>
-          </p:cNvPr>
-          <p:cNvSpPr>
-            <a:spLocks noGrp="1"/>
-          </p:cNvSpPr>
-          <p:nvPr>
-            <p:ph type="title"/>
-          </p:nvPr>
-        </p:nvSpPr>
-        <p:spPr/>
-        <p:txBody>
-          <a:bodyPr/>
-          <a:lstStyle/>
-          <a:p>
-            <a:r>
-              <a:rPr lang="de-DE"/>
-              <a:t>Aufgabenstellung</a:t>
-            </a:r>
-          </a:p>
-        </p:txBody>
-      </p:sp>
-      <p:sp>
-        <p:nvSpPr>
-          <p:cNvPr id="4" name="Foliennummernplatzhalter 3">
-            <a:extLst>
-              <a:ext uri="{FF2B5EF4-FFF2-40B4-BE49-F238E27FC236}">
-                <a16:creationId xmlns:a16="http://schemas.microsoft.com/office/drawing/2014/main" id="{61D6E6E2-851C-DFD8-463C-0934A4B3A90E}"/>
-              </a:ext>
-            </a:extLst>
-          </p:cNvPr>
-          <p:cNvSpPr>
-            <a:spLocks noGrp="1"/>
-          </p:cNvSpPr>
-          <p:nvPr>
-            <p:ph type="sldNum" sz="quarter" idx="12"/>
-          </p:nvPr>
-        </p:nvSpPr>
-        <p:spPr/>
-        <p:txBody>
-          <a:bodyPr/>
-          <a:lstStyle/>
-          <a:p>
-            <a:fld id="{0D177590-C0B9-4388-A01F-98FB57FCBBE4}" type="slidenum">
-              <a:rPr lang="de-DE" smtClean="0"/>
-              <a:t>5</a:t>
             </a:fld>
             <a:endParaRPr lang="de-DE"/>
           </a:p>
@@ -14437,7 +17233,7 @@
 </p:sld>
 </file>
 
-<file path=ppt/slides/slide6.xml><?xml version="1.0" encoding="utf-8"?>
+<file path=ppt/slides/slide5.xml><?xml version="1.0" encoding="utf-8"?>
 <p:sld xmlns:a="http://schemas.openxmlformats.org/drawingml/2006/main" xmlns:r="http://schemas.openxmlformats.org/officeDocument/2006/relationships" xmlns:p="http://schemas.openxmlformats.org/presentationml/2006/main">
   <p:cSld>
     <p:bg>
@@ -15342,7 +18138,7 @@
                   <a:spcPts val="600"/>
                 </a:spcAft>
               </a:pPr>
-              <a:t>6</a:t>
+              <a:t>5</a:t>
             </a:fld>
             <a:endParaRPr lang="en-US"/>
           </a:p>
@@ -15352,6 +18148,187 @@
     <p:extLst>
       <p:ext uri="{BB962C8B-B14F-4D97-AF65-F5344CB8AC3E}">
         <p14:creationId xmlns:p14="http://schemas.microsoft.com/office/powerpoint/2010/main" val="293685646"/>
+      </p:ext>
+    </p:extLst>
+  </p:cSld>
+  <p:clrMapOvr>
+    <a:masterClrMapping/>
+  </p:clrMapOvr>
+</p:sld>
+</file>
+
+<file path=ppt/slides/slide6.xml><?xml version="1.0" encoding="utf-8"?>
+<p:sld xmlns:a="http://schemas.openxmlformats.org/drawingml/2006/main" xmlns:r="http://schemas.openxmlformats.org/officeDocument/2006/relationships" xmlns:p="http://schemas.openxmlformats.org/presentationml/2006/main">
+  <p:cSld>
+    <p:spTree>
+      <p:nvGrpSpPr>
+        <p:cNvPr id="1" name=""/>
+        <p:cNvGrpSpPr/>
+        <p:nvPr/>
+      </p:nvGrpSpPr>
+      <p:grpSpPr>
+        <a:xfrm>
+          <a:off x="0" y="0"/>
+          <a:ext cx="0" cy="0"/>
+          <a:chOff x="0" y="0"/>
+          <a:chExt cx="0" cy="0"/>
+        </a:xfrm>
+      </p:grpSpPr>
+      <p:sp>
+        <p:nvSpPr>
+          <p:cNvPr id="2" name="Titel 1">
+            <a:extLst>
+              <a:ext uri="{FF2B5EF4-FFF2-40B4-BE49-F238E27FC236}">
+                <a16:creationId xmlns:a16="http://schemas.microsoft.com/office/drawing/2014/main" id="{06F32C73-8317-F832-7B01-232934B33F3D}"/>
+              </a:ext>
+            </a:extLst>
+          </p:cNvPr>
+          <p:cNvSpPr>
+            <a:spLocks noGrp="1"/>
+          </p:cNvSpPr>
+          <p:nvPr>
+            <p:ph type="title"/>
+          </p:nvPr>
+        </p:nvSpPr>
+        <p:spPr/>
+        <p:txBody>
+          <a:bodyPr/>
+          <a:lstStyle/>
+          <a:p>
+            <a:r>
+              <a:rPr lang="de-DE" dirty="0"/>
+              <a:t>Inhaltsverzeichnis</a:t>
+            </a:r>
+          </a:p>
+        </p:txBody>
+      </p:sp>
+      <p:sp>
+        <p:nvSpPr>
+          <p:cNvPr id="3" name="Inhaltsplatzhalter 2">
+            <a:extLst>
+              <a:ext uri="{FF2B5EF4-FFF2-40B4-BE49-F238E27FC236}">
+                <a16:creationId xmlns:a16="http://schemas.microsoft.com/office/drawing/2014/main" id="{9374FDF5-4AD6-B363-DC79-E940D7A13D2B}"/>
+              </a:ext>
+            </a:extLst>
+          </p:cNvPr>
+          <p:cNvSpPr>
+            <a:spLocks noGrp="1"/>
+          </p:cNvSpPr>
+          <p:nvPr>
+            <p:ph idx="1"/>
+          </p:nvPr>
+        </p:nvSpPr>
+        <p:spPr/>
+        <p:txBody>
+          <a:bodyPr/>
+          <a:lstStyle/>
+          <a:p>
+            <a:pPr>
+              <a:buFont typeface="+mj-lt"/>
+              <a:buAutoNum type="arabicPeriod"/>
+            </a:pPr>
+            <a:r>
+              <a:rPr lang="de-DE" dirty="0">
+                <a:solidFill>
+                  <a:schemeClr val="bg2"/>
+                </a:solidFill>
+              </a:rPr>
+              <a:t>Rückblick</a:t>
+            </a:r>
+          </a:p>
+          <a:p>
+            <a:pPr>
+              <a:buFont typeface="+mj-lt"/>
+              <a:buAutoNum type="arabicPeriod"/>
+            </a:pPr>
+            <a:r>
+              <a:rPr lang="de-DE" dirty="0" err="1"/>
+              <a:t>Redis</a:t>
+            </a:r>
+            <a:endParaRPr lang="de-DE" dirty="0"/>
+          </a:p>
+          <a:p>
+            <a:pPr>
+              <a:buFont typeface="+mj-lt"/>
+              <a:buAutoNum type="arabicPeriod"/>
+            </a:pPr>
+            <a:r>
+              <a:rPr lang="de-DE" dirty="0">
+                <a:solidFill>
+                  <a:schemeClr val="bg2"/>
+                </a:solidFill>
+              </a:rPr>
+              <a:t>Cassandra</a:t>
+            </a:r>
+          </a:p>
+          <a:p>
+            <a:pPr>
+              <a:buFont typeface="+mj-lt"/>
+              <a:buAutoNum type="arabicPeriod"/>
+            </a:pPr>
+            <a:r>
+              <a:rPr lang="de-DE" dirty="0" err="1">
+                <a:solidFill>
+                  <a:schemeClr val="bg2"/>
+                </a:solidFill>
+              </a:rPr>
+              <a:t>CouchDB</a:t>
+            </a:r>
+            <a:endParaRPr lang="de-DE" dirty="0">
+              <a:solidFill>
+                <a:schemeClr val="bg2"/>
+              </a:solidFill>
+            </a:endParaRPr>
+          </a:p>
+          <a:p>
+            <a:pPr>
+              <a:buFont typeface="+mj-lt"/>
+              <a:buAutoNum type="arabicPeriod"/>
+            </a:pPr>
+            <a:r>
+              <a:rPr lang="de-DE" dirty="0">
+                <a:solidFill>
+                  <a:schemeClr val="bg2"/>
+                </a:solidFill>
+              </a:rPr>
+              <a:t>Neo4J</a:t>
+            </a:r>
+          </a:p>
+        </p:txBody>
+      </p:sp>
+      <p:sp>
+        <p:nvSpPr>
+          <p:cNvPr id="4" name="Foliennummernplatzhalter 3">
+            <a:extLst>
+              <a:ext uri="{FF2B5EF4-FFF2-40B4-BE49-F238E27FC236}">
+                <a16:creationId xmlns:a16="http://schemas.microsoft.com/office/drawing/2014/main" id="{B6E65320-50D7-60F3-0007-3E98F559252F}"/>
+              </a:ext>
+            </a:extLst>
+          </p:cNvPr>
+          <p:cNvSpPr>
+            <a:spLocks noGrp="1"/>
+          </p:cNvSpPr>
+          <p:nvPr>
+            <p:ph type="sldNum" sz="quarter" idx="12"/>
+          </p:nvPr>
+        </p:nvSpPr>
+        <p:spPr/>
+        <p:txBody>
+          <a:bodyPr/>
+          <a:lstStyle/>
+          <a:p>
+            <a:fld id="{0D177590-C0B9-4388-A01F-98FB57FCBBE4}" type="slidenum">
+              <a:rPr lang="de-DE" smtClean="0"/>
+              <a:t>6</a:t>
+            </a:fld>
+            <a:endParaRPr lang="de-DE"/>
+          </a:p>
+        </p:txBody>
+      </p:sp>
+    </p:spTree>
+    <p:extLst>
+      <p:ext uri="{BB962C8B-B14F-4D97-AF65-F5344CB8AC3E}">
+        <p14:creationId xmlns:p14="http://schemas.microsoft.com/office/powerpoint/2010/main" val="173086113"/>
       </p:ext>
     </p:extLst>
   </p:cSld>
@@ -16371,14 +19348,19 @@
             <p:ph type="title"/>
           </p:nvPr>
         </p:nvSpPr>
-        <p:spPr/>
+        <p:spPr>
+          <a:xfrm>
+            <a:off x="677334" y="609600"/>
+            <a:ext cx="8870078" cy="1320800"/>
+          </a:xfrm>
+        </p:spPr>
         <p:txBody>
           <a:bodyPr/>
           <a:lstStyle/>
           <a:p>
             <a:r>
               <a:rPr lang="de-DE" dirty="0"/>
-              <a:t>Transformierter Teilbereich</a:t>
+              <a:t>Teilbereich Umsetzung – Dozenten View</a:t>
             </a:r>
           </a:p>
         </p:txBody>
@@ -16412,10 +19394,82 @@
           </a:p>
         </p:txBody>
       </p:sp>
+      <p:pic>
+        <p:nvPicPr>
+          <p:cNvPr id="3" name="Grafik 2" descr="Ein Bild, das Text, Schrift, Zahl, Reihe enthält.&#10;&#10;Automatisch generierte Beschreibung">
+            <a:extLst>
+              <a:ext uri="{FF2B5EF4-FFF2-40B4-BE49-F238E27FC236}">
+                <a16:creationId xmlns:a16="http://schemas.microsoft.com/office/drawing/2014/main" id="{BE14901C-0D37-0B72-414C-E0E5504311C3}"/>
+              </a:ext>
+            </a:extLst>
+          </p:cNvPr>
+          <p:cNvPicPr>
+            <a:picLocks noChangeAspect="1"/>
+          </p:cNvPicPr>
+          <p:nvPr/>
+        </p:nvPicPr>
+        <p:blipFill>
+          <a:blip r:embed="rId2">
+            <a:extLst>
+              <a:ext uri="{28A0092B-C50C-407E-A947-70E740481C1C}">
+                <a14:useLocalDpi xmlns:a14="http://schemas.microsoft.com/office/drawing/2010/main" val="0"/>
+              </a:ext>
+            </a:extLst>
+          </a:blip>
+          <a:stretch>
+            <a:fillRect/>
+          </a:stretch>
+        </p:blipFill>
+        <p:spPr>
+          <a:xfrm>
+            <a:off x="677334" y="1742875"/>
+            <a:ext cx="6128065" cy="1098606"/>
+          </a:xfrm>
+          <a:prstGeom prst="rect">
+            <a:avLst/>
+          </a:prstGeom>
+        </p:spPr>
+      </p:pic>
+      <p:pic>
+        <p:nvPicPr>
+          <p:cNvPr id="7" name="Grafik 6" descr="Ein Bild, das Text, Schrift, Screenshot enthält.&#10;&#10;Automatisch generierte Beschreibung">
+            <a:extLst>
+              <a:ext uri="{FF2B5EF4-FFF2-40B4-BE49-F238E27FC236}">
+                <a16:creationId xmlns:a16="http://schemas.microsoft.com/office/drawing/2014/main" id="{08F4B3FC-C04E-B83D-4496-487F07E71EB5}"/>
+              </a:ext>
+            </a:extLst>
+          </p:cNvPr>
+          <p:cNvPicPr>
+            <a:picLocks noChangeAspect="1"/>
+          </p:cNvPicPr>
+          <p:nvPr/>
+        </p:nvPicPr>
+        <p:blipFill>
+          <a:blip r:embed="rId3">
+            <a:extLst>
+              <a:ext uri="{28A0092B-C50C-407E-A947-70E740481C1C}">
+                <a14:useLocalDpi xmlns:a14="http://schemas.microsoft.com/office/drawing/2010/main" val="0"/>
+              </a:ext>
+            </a:extLst>
+          </a:blip>
+          <a:stretch>
+            <a:fillRect/>
+          </a:stretch>
+        </p:blipFill>
+        <p:spPr>
+          <a:xfrm>
+            <a:off x="663479" y="3429000"/>
+            <a:ext cx="6128065" cy="2400423"/>
+          </a:xfrm>
+          <a:prstGeom prst="rect">
+            <a:avLst/>
+          </a:prstGeom>
+        </p:spPr>
+      </p:pic>
     </p:spTree>
     <p:extLst>
       <p:ext uri="{BB962C8B-B14F-4D97-AF65-F5344CB8AC3E}">
-        <p14:creationId xmlns:p14="http://schemas.microsoft.com/office/powerpoint/2010/main" val="985839026"/>
+        <p14:creationId xmlns:p14="http://schemas.microsoft.com/office/powerpoint/2010/main" val="2698548475"/>
       </p:ext>
     </p:extLst>
   </p:cSld>
@@ -16465,7 +19519,7 @@
           <a:p>
             <a:r>
               <a:rPr lang="de-DE" dirty="0"/>
-              <a:t>Key-Values</a:t>
+              <a:t>Teilbereich Umsetzung – Dozenten View</a:t>
             </a:r>
           </a:p>
         </p:txBody>
@@ -16499,16 +19553,986 @@
           </a:p>
         </p:txBody>
       </p:sp>
+      <p:sp>
+        <p:nvSpPr>
+          <p:cNvPr id="2" name="Rechteck 1">
+            <a:extLst>
+              <a:ext uri="{FF2B5EF4-FFF2-40B4-BE49-F238E27FC236}">
+                <a16:creationId xmlns:a16="http://schemas.microsoft.com/office/drawing/2014/main" id="{FC431E0A-E0B5-2015-9F52-2EDA9EF80825}"/>
+              </a:ext>
+            </a:extLst>
+          </p:cNvPr>
+          <p:cNvSpPr/>
+          <p:nvPr/>
+        </p:nvSpPr>
+        <p:spPr>
+          <a:xfrm>
+            <a:off x="1357173" y="1558343"/>
+            <a:ext cx="2206580" cy="309093"/>
+          </a:xfrm>
+          <a:prstGeom prst="rect">
+            <a:avLst/>
+          </a:prstGeom>
+        </p:spPr>
+        <p:style>
+          <a:lnRef idx="2">
+            <a:schemeClr val="accent1"/>
+          </a:lnRef>
+          <a:fillRef idx="1">
+            <a:schemeClr val="lt1"/>
+          </a:fillRef>
+          <a:effectRef idx="0">
+            <a:schemeClr val="accent1"/>
+          </a:effectRef>
+          <a:fontRef idx="minor">
+            <a:schemeClr val="dk1"/>
+          </a:fontRef>
+        </p:style>
+        <p:txBody>
+          <a:bodyPr rtlCol="0" anchor="ctr"/>
+          <a:lstStyle/>
+          <a:p>
+            <a:pPr algn="ctr"/>
+            <a:r>
+              <a:rPr lang="de-DE" dirty="0"/>
+              <a:t>Modulkürzel</a:t>
+            </a:r>
+          </a:p>
+        </p:txBody>
+      </p:sp>
+      <p:sp>
+        <p:nvSpPr>
+          <p:cNvPr id="3" name="Rechteck 2">
+            <a:extLst>
+              <a:ext uri="{FF2B5EF4-FFF2-40B4-BE49-F238E27FC236}">
+                <a16:creationId xmlns:a16="http://schemas.microsoft.com/office/drawing/2014/main" id="{1BCFD20E-B204-13D3-926A-74A5DDCD50F0}"/>
+              </a:ext>
+            </a:extLst>
+          </p:cNvPr>
+          <p:cNvSpPr/>
+          <p:nvPr/>
+        </p:nvSpPr>
+        <p:spPr>
+          <a:xfrm>
+            <a:off x="4047049" y="1558343"/>
+            <a:ext cx="2206580" cy="309093"/>
+          </a:xfrm>
+          <a:prstGeom prst="rect">
+            <a:avLst/>
+          </a:prstGeom>
+        </p:spPr>
+        <p:style>
+          <a:lnRef idx="2">
+            <a:schemeClr val="accent1"/>
+          </a:lnRef>
+          <a:fillRef idx="1">
+            <a:schemeClr val="lt1"/>
+          </a:fillRef>
+          <a:effectRef idx="0">
+            <a:schemeClr val="accent1"/>
+          </a:effectRef>
+          <a:fontRef idx="minor">
+            <a:schemeClr val="dk1"/>
+          </a:fontRef>
+        </p:style>
+        <p:txBody>
+          <a:bodyPr rtlCol="0" anchor="ctr"/>
+          <a:lstStyle/>
+          <a:p>
+            <a:pPr algn="ctr"/>
+            <a:r>
+              <a:rPr lang="de-DE" dirty="0"/>
+              <a:t>Jahrgang</a:t>
+            </a:r>
+          </a:p>
+        </p:txBody>
+      </p:sp>
+      <p:sp>
+        <p:nvSpPr>
+          <p:cNvPr id="6" name="Rechteck 5">
+            <a:extLst>
+              <a:ext uri="{FF2B5EF4-FFF2-40B4-BE49-F238E27FC236}">
+                <a16:creationId xmlns:a16="http://schemas.microsoft.com/office/drawing/2014/main" id="{256EEA04-C05E-8A14-338D-C37E93923D36}"/>
+              </a:ext>
+            </a:extLst>
+          </p:cNvPr>
+          <p:cNvSpPr/>
+          <p:nvPr/>
+        </p:nvSpPr>
+        <p:spPr>
+          <a:xfrm>
+            <a:off x="6705602" y="1558342"/>
+            <a:ext cx="2206580" cy="309093"/>
+          </a:xfrm>
+          <a:prstGeom prst="rect">
+            <a:avLst/>
+          </a:prstGeom>
+        </p:spPr>
+        <p:style>
+          <a:lnRef idx="2">
+            <a:schemeClr val="accent1"/>
+          </a:lnRef>
+          <a:fillRef idx="1">
+            <a:schemeClr val="lt1"/>
+          </a:fillRef>
+          <a:effectRef idx="0">
+            <a:schemeClr val="accent1"/>
+          </a:effectRef>
+          <a:fontRef idx="minor">
+            <a:schemeClr val="dk1"/>
+          </a:fontRef>
+        </p:style>
+        <p:txBody>
+          <a:bodyPr rtlCol="0" anchor="ctr"/>
+          <a:lstStyle/>
+          <a:p>
+            <a:pPr algn="ctr"/>
+            <a:r>
+              <a:rPr lang="de-DE" dirty="0"/>
+              <a:t>Datum</a:t>
+            </a:r>
+          </a:p>
+        </p:txBody>
+      </p:sp>
+      <p:sp>
+        <p:nvSpPr>
+          <p:cNvPr id="7" name="Rechteck 6">
+            <a:extLst>
+              <a:ext uri="{FF2B5EF4-FFF2-40B4-BE49-F238E27FC236}">
+                <a16:creationId xmlns:a16="http://schemas.microsoft.com/office/drawing/2014/main" id="{AB350721-8B0D-6A05-73B5-5C4BC1827866}"/>
+              </a:ext>
+            </a:extLst>
+          </p:cNvPr>
+          <p:cNvSpPr/>
+          <p:nvPr/>
+        </p:nvSpPr>
+        <p:spPr>
+          <a:xfrm>
+            <a:off x="4047049" y="2793283"/>
+            <a:ext cx="2206580" cy="309093"/>
+          </a:xfrm>
+          <a:prstGeom prst="rect">
+            <a:avLst/>
+          </a:prstGeom>
+        </p:spPr>
+        <p:style>
+          <a:lnRef idx="2">
+            <a:schemeClr val="accent2">
+              <a:shade val="15000"/>
+            </a:schemeClr>
+          </a:lnRef>
+          <a:fillRef idx="1">
+            <a:schemeClr val="accent2"/>
+          </a:fillRef>
+          <a:effectRef idx="0">
+            <a:schemeClr val="accent2"/>
+          </a:effectRef>
+          <a:fontRef idx="minor">
+            <a:schemeClr val="lt1"/>
+          </a:fontRef>
+        </p:style>
+        <p:txBody>
+          <a:bodyPr rtlCol="0" anchor="ctr"/>
+          <a:lstStyle/>
+          <a:p>
+            <a:pPr algn="ctr"/>
+            <a:r>
+              <a:rPr lang="de-DE" dirty="0"/>
+              <a:t>Hash-ID</a:t>
+            </a:r>
+          </a:p>
+        </p:txBody>
+      </p:sp>
+      <p:sp>
+        <p:nvSpPr>
+          <p:cNvPr id="8" name="Pfeil: nach unten 7">
+            <a:extLst>
+              <a:ext uri="{FF2B5EF4-FFF2-40B4-BE49-F238E27FC236}">
+                <a16:creationId xmlns:a16="http://schemas.microsoft.com/office/drawing/2014/main" id="{B0CB55C7-70BD-4328-68D8-CFF025F74AD6}"/>
+              </a:ext>
+            </a:extLst>
+          </p:cNvPr>
+          <p:cNvSpPr/>
+          <p:nvPr/>
+        </p:nvSpPr>
+        <p:spPr>
+          <a:xfrm>
+            <a:off x="5047308" y="2150772"/>
+            <a:ext cx="206062" cy="549499"/>
+          </a:xfrm>
+          <a:prstGeom prst="downArrow">
+            <a:avLst/>
+          </a:prstGeom>
+        </p:spPr>
+        <p:style>
+          <a:lnRef idx="2">
+            <a:schemeClr val="accent1">
+              <a:shade val="15000"/>
+            </a:schemeClr>
+          </a:lnRef>
+          <a:fillRef idx="1">
+            <a:schemeClr val="accent1"/>
+          </a:fillRef>
+          <a:effectRef idx="0">
+            <a:schemeClr val="accent1"/>
+          </a:effectRef>
+          <a:fontRef idx="minor">
+            <a:schemeClr val="lt1"/>
+          </a:fontRef>
+        </p:style>
+        <p:txBody>
+          <a:bodyPr rtlCol="0" anchor="ctr"/>
+          <a:lstStyle/>
+          <a:p>
+            <a:pPr algn="ctr"/>
+            <a:endParaRPr lang="de-DE"/>
+          </a:p>
+        </p:txBody>
+      </p:sp>
+      <p:cxnSp>
+        <p:nvCxnSpPr>
+          <p:cNvPr id="10" name="Gerader Verbinder 9">
+            <a:extLst>
+              <a:ext uri="{FF2B5EF4-FFF2-40B4-BE49-F238E27FC236}">
+                <a16:creationId xmlns:a16="http://schemas.microsoft.com/office/drawing/2014/main" id="{FC728B22-B67C-65AB-EF96-CE1A87C9A90F}"/>
+              </a:ext>
+            </a:extLst>
+          </p:cNvPr>
+          <p:cNvCxnSpPr>
+            <a:cxnSpLocks/>
+            <a:stCxn id="2" idx="3"/>
+            <a:endCxn id="3" idx="1"/>
+          </p:cNvCxnSpPr>
+          <p:nvPr/>
+        </p:nvCxnSpPr>
+        <p:spPr>
+          <a:xfrm>
+            <a:off x="3563753" y="1712890"/>
+            <a:ext cx="483296" cy="0"/>
+          </a:xfrm>
+          <a:prstGeom prst="line">
+            <a:avLst/>
+          </a:prstGeom>
+        </p:spPr>
+        <p:style>
+          <a:lnRef idx="1">
+            <a:schemeClr val="accent1"/>
+          </a:lnRef>
+          <a:fillRef idx="0">
+            <a:schemeClr val="accent1"/>
+          </a:fillRef>
+          <a:effectRef idx="0">
+            <a:schemeClr val="accent1"/>
+          </a:effectRef>
+          <a:fontRef idx="minor">
+            <a:schemeClr val="tx1"/>
+          </a:fontRef>
+        </p:style>
+      </p:cxnSp>
+      <p:cxnSp>
+        <p:nvCxnSpPr>
+          <p:cNvPr id="12" name="Gerader Verbinder 11">
+            <a:extLst>
+              <a:ext uri="{FF2B5EF4-FFF2-40B4-BE49-F238E27FC236}">
+                <a16:creationId xmlns:a16="http://schemas.microsoft.com/office/drawing/2014/main" id="{FCC060CA-1773-25A6-B4C1-B9DDD31D0BD5}"/>
+              </a:ext>
+            </a:extLst>
+          </p:cNvPr>
+          <p:cNvCxnSpPr>
+            <a:cxnSpLocks/>
+            <a:stCxn id="3" idx="3"/>
+            <a:endCxn id="6" idx="1"/>
+          </p:cNvCxnSpPr>
+          <p:nvPr/>
+        </p:nvCxnSpPr>
+        <p:spPr>
+          <a:xfrm flipV="1">
+            <a:off x="6253629" y="1712889"/>
+            <a:ext cx="451973" cy="1"/>
+          </a:xfrm>
+          <a:prstGeom prst="line">
+            <a:avLst/>
+          </a:prstGeom>
+        </p:spPr>
+        <p:style>
+          <a:lnRef idx="1">
+            <a:schemeClr val="accent1"/>
+          </a:lnRef>
+          <a:fillRef idx="0">
+            <a:schemeClr val="accent1"/>
+          </a:fillRef>
+          <a:effectRef idx="0">
+            <a:schemeClr val="accent1"/>
+          </a:effectRef>
+          <a:fontRef idx="minor">
+            <a:schemeClr val="tx1"/>
+          </a:fontRef>
+        </p:style>
+      </p:cxnSp>
+      <p:sp>
+        <p:nvSpPr>
+          <p:cNvPr id="15" name="Rechteck 14">
+            <a:extLst>
+              <a:ext uri="{FF2B5EF4-FFF2-40B4-BE49-F238E27FC236}">
+                <a16:creationId xmlns:a16="http://schemas.microsoft.com/office/drawing/2014/main" id="{0B0F0575-44A8-D20D-01FE-89C4D8F29050}"/>
+              </a:ext>
+            </a:extLst>
+          </p:cNvPr>
+          <p:cNvSpPr/>
+          <p:nvPr/>
+        </p:nvSpPr>
+        <p:spPr>
+          <a:xfrm>
+            <a:off x="1357173" y="4583188"/>
+            <a:ext cx="2206580" cy="309093"/>
+          </a:xfrm>
+          <a:prstGeom prst="rect">
+            <a:avLst/>
+          </a:prstGeom>
+        </p:spPr>
+        <p:style>
+          <a:lnRef idx="2">
+            <a:schemeClr val="accent1"/>
+          </a:lnRef>
+          <a:fillRef idx="1">
+            <a:schemeClr val="lt1"/>
+          </a:fillRef>
+          <a:effectRef idx="0">
+            <a:schemeClr val="accent1"/>
+          </a:effectRef>
+          <a:fontRef idx="minor">
+            <a:schemeClr val="dk1"/>
+          </a:fontRef>
+        </p:style>
+        <p:txBody>
+          <a:bodyPr rtlCol="0" anchor="ctr"/>
+          <a:lstStyle/>
+          <a:p>
+            <a:pPr algn="ctr"/>
+            <a:r>
+              <a:rPr lang="de-DE" dirty="0" err="1"/>
+              <a:t>iba</a:t>
+            </a:r>
+            <a:endParaRPr lang="de-DE" dirty="0"/>
+          </a:p>
+        </p:txBody>
+      </p:sp>
+      <p:sp>
+        <p:nvSpPr>
+          <p:cNvPr id="16" name="Rechteck 15">
+            <a:extLst>
+              <a:ext uri="{FF2B5EF4-FFF2-40B4-BE49-F238E27FC236}">
+                <a16:creationId xmlns:a16="http://schemas.microsoft.com/office/drawing/2014/main" id="{718DC8AB-96D7-5393-9310-CA707E8D7178}"/>
+              </a:ext>
+            </a:extLst>
+          </p:cNvPr>
+          <p:cNvSpPr/>
+          <p:nvPr/>
+        </p:nvSpPr>
+        <p:spPr>
+          <a:xfrm>
+            <a:off x="4047049" y="4583188"/>
+            <a:ext cx="2206580" cy="309093"/>
+          </a:xfrm>
+          <a:prstGeom prst="rect">
+            <a:avLst/>
+          </a:prstGeom>
+        </p:spPr>
+        <p:style>
+          <a:lnRef idx="2">
+            <a:schemeClr val="accent1"/>
+          </a:lnRef>
+          <a:fillRef idx="1">
+            <a:schemeClr val="lt1"/>
+          </a:fillRef>
+          <a:effectRef idx="0">
+            <a:schemeClr val="accent1"/>
+          </a:effectRef>
+          <a:fontRef idx="minor">
+            <a:schemeClr val="dk1"/>
+          </a:fontRef>
+        </p:style>
+        <p:txBody>
+          <a:bodyPr rtlCol="0" anchor="ctr"/>
+          <a:lstStyle/>
+          <a:p>
+            <a:pPr algn="ctr"/>
+            <a:r>
+              <a:rPr lang="de-DE" dirty="0"/>
+              <a:t>23</a:t>
+            </a:r>
+          </a:p>
+        </p:txBody>
+      </p:sp>
+      <p:sp>
+        <p:nvSpPr>
+          <p:cNvPr id="17" name="Rechteck 16">
+            <a:extLst>
+              <a:ext uri="{FF2B5EF4-FFF2-40B4-BE49-F238E27FC236}">
+                <a16:creationId xmlns:a16="http://schemas.microsoft.com/office/drawing/2014/main" id="{8B3A1E3D-586B-D837-587D-2BBBB7FCF3D2}"/>
+              </a:ext>
+            </a:extLst>
+          </p:cNvPr>
+          <p:cNvSpPr/>
+          <p:nvPr/>
+        </p:nvSpPr>
+        <p:spPr>
+          <a:xfrm>
+            <a:off x="6705602" y="4583187"/>
+            <a:ext cx="2206580" cy="309093"/>
+          </a:xfrm>
+          <a:prstGeom prst="rect">
+            <a:avLst/>
+          </a:prstGeom>
+        </p:spPr>
+        <p:style>
+          <a:lnRef idx="2">
+            <a:schemeClr val="accent1"/>
+          </a:lnRef>
+          <a:fillRef idx="1">
+            <a:schemeClr val="lt1"/>
+          </a:fillRef>
+          <a:effectRef idx="0">
+            <a:schemeClr val="accent1"/>
+          </a:effectRef>
+          <a:fontRef idx="minor">
+            <a:schemeClr val="dk1"/>
+          </a:fontRef>
+        </p:style>
+        <p:txBody>
+          <a:bodyPr rtlCol="0" anchor="ctr"/>
+          <a:lstStyle/>
+          <a:p>
+            <a:pPr algn="ctr"/>
+            <a:r>
+              <a:rPr lang="de-DE" dirty="0"/>
+              <a:t>011023</a:t>
+            </a:r>
+          </a:p>
+        </p:txBody>
+      </p:sp>
+      <p:sp>
+        <p:nvSpPr>
+          <p:cNvPr id="18" name="Rechteck 17">
+            <a:extLst>
+              <a:ext uri="{FF2B5EF4-FFF2-40B4-BE49-F238E27FC236}">
+                <a16:creationId xmlns:a16="http://schemas.microsoft.com/office/drawing/2014/main" id="{DFAC5FE4-8ADE-9590-5D04-48888AE6472A}"/>
+              </a:ext>
+            </a:extLst>
+          </p:cNvPr>
+          <p:cNvSpPr/>
+          <p:nvPr/>
+        </p:nvSpPr>
+        <p:spPr>
+          <a:xfrm>
+            <a:off x="4047049" y="5818128"/>
+            <a:ext cx="2206580" cy="309093"/>
+          </a:xfrm>
+          <a:prstGeom prst="rect">
+            <a:avLst/>
+          </a:prstGeom>
+        </p:spPr>
+        <p:style>
+          <a:lnRef idx="2">
+            <a:schemeClr val="accent2">
+              <a:shade val="15000"/>
+            </a:schemeClr>
+          </a:lnRef>
+          <a:fillRef idx="1">
+            <a:schemeClr val="accent2"/>
+          </a:fillRef>
+          <a:effectRef idx="0">
+            <a:schemeClr val="accent2"/>
+          </a:effectRef>
+          <a:fontRef idx="minor">
+            <a:schemeClr val="lt1"/>
+          </a:fontRef>
+        </p:style>
+        <p:txBody>
+          <a:bodyPr rtlCol="0" anchor="ctr"/>
+          <a:lstStyle/>
+          <a:p>
+            <a:pPr algn="ctr"/>
+            <a:r>
+              <a:rPr lang="de-DE" dirty="0"/>
+              <a:t>Iba23-011023</a:t>
+            </a:r>
+          </a:p>
+        </p:txBody>
+      </p:sp>
+      <p:sp>
+        <p:nvSpPr>
+          <p:cNvPr id="19" name="Pfeil: nach unten 18">
+            <a:extLst>
+              <a:ext uri="{FF2B5EF4-FFF2-40B4-BE49-F238E27FC236}">
+                <a16:creationId xmlns:a16="http://schemas.microsoft.com/office/drawing/2014/main" id="{EADD51C2-7692-0C81-359F-DE6578C02F09}"/>
+              </a:ext>
+            </a:extLst>
+          </p:cNvPr>
+          <p:cNvSpPr/>
+          <p:nvPr/>
+        </p:nvSpPr>
+        <p:spPr>
+          <a:xfrm>
+            <a:off x="5047308" y="5175617"/>
+            <a:ext cx="206062" cy="549499"/>
+          </a:xfrm>
+          <a:prstGeom prst="downArrow">
+            <a:avLst/>
+          </a:prstGeom>
+        </p:spPr>
+        <p:style>
+          <a:lnRef idx="2">
+            <a:schemeClr val="accent1">
+              <a:shade val="15000"/>
+            </a:schemeClr>
+          </a:lnRef>
+          <a:fillRef idx="1">
+            <a:schemeClr val="accent1"/>
+          </a:fillRef>
+          <a:effectRef idx="0">
+            <a:schemeClr val="accent1"/>
+          </a:effectRef>
+          <a:fontRef idx="minor">
+            <a:schemeClr val="lt1"/>
+          </a:fontRef>
+        </p:style>
+        <p:txBody>
+          <a:bodyPr rtlCol="0" anchor="ctr"/>
+          <a:lstStyle/>
+          <a:p>
+            <a:pPr algn="ctr"/>
+            <a:endParaRPr lang="de-DE"/>
+          </a:p>
+        </p:txBody>
+      </p:sp>
+      <p:cxnSp>
+        <p:nvCxnSpPr>
+          <p:cNvPr id="20" name="Gerader Verbinder 19">
+            <a:extLst>
+              <a:ext uri="{FF2B5EF4-FFF2-40B4-BE49-F238E27FC236}">
+                <a16:creationId xmlns:a16="http://schemas.microsoft.com/office/drawing/2014/main" id="{49A7D307-A5B3-F346-7023-FC675B389C76}"/>
+              </a:ext>
+            </a:extLst>
+          </p:cNvPr>
+          <p:cNvCxnSpPr>
+            <a:cxnSpLocks/>
+            <a:stCxn id="15" idx="3"/>
+            <a:endCxn id="16" idx="1"/>
+          </p:cNvCxnSpPr>
+          <p:nvPr/>
+        </p:nvCxnSpPr>
+        <p:spPr>
+          <a:xfrm>
+            <a:off x="3563753" y="4737735"/>
+            <a:ext cx="483296" cy="0"/>
+          </a:xfrm>
+          <a:prstGeom prst="line">
+            <a:avLst/>
+          </a:prstGeom>
+        </p:spPr>
+        <p:style>
+          <a:lnRef idx="1">
+            <a:schemeClr val="accent1"/>
+          </a:lnRef>
+          <a:fillRef idx="0">
+            <a:schemeClr val="accent1"/>
+          </a:fillRef>
+          <a:effectRef idx="0">
+            <a:schemeClr val="accent1"/>
+          </a:effectRef>
+          <a:fontRef idx="minor">
+            <a:schemeClr val="tx1"/>
+          </a:fontRef>
+        </p:style>
+      </p:cxnSp>
+      <p:cxnSp>
+        <p:nvCxnSpPr>
+          <p:cNvPr id="21" name="Gerader Verbinder 20">
+            <a:extLst>
+              <a:ext uri="{FF2B5EF4-FFF2-40B4-BE49-F238E27FC236}">
+                <a16:creationId xmlns:a16="http://schemas.microsoft.com/office/drawing/2014/main" id="{31F8BE78-92CA-6A83-CD51-BD269FDE42C4}"/>
+              </a:ext>
+            </a:extLst>
+          </p:cNvPr>
+          <p:cNvCxnSpPr>
+            <a:cxnSpLocks/>
+            <a:stCxn id="16" idx="3"/>
+            <a:endCxn id="17" idx="1"/>
+          </p:cNvCxnSpPr>
+          <p:nvPr/>
+        </p:nvCxnSpPr>
+        <p:spPr>
+          <a:xfrm flipV="1">
+            <a:off x="6253629" y="4737734"/>
+            <a:ext cx="451973" cy="1"/>
+          </a:xfrm>
+          <a:prstGeom prst="line">
+            <a:avLst/>
+          </a:prstGeom>
+        </p:spPr>
+        <p:style>
+          <a:lnRef idx="1">
+            <a:schemeClr val="accent1"/>
+          </a:lnRef>
+          <a:fillRef idx="0">
+            <a:schemeClr val="accent1"/>
+          </a:fillRef>
+          <a:effectRef idx="0">
+            <a:schemeClr val="accent1"/>
+          </a:effectRef>
+          <a:fontRef idx="minor">
+            <a:schemeClr val="tx1"/>
+          </a:fontRef>
+        </p:style>
+      </p:cxnSp>
+      <p:sp>
+        <p:nvSpPr>
+          <p:cNvPr id="22" name="Rechteck 21">
+            <a:extLst>
+              <a:ext uri="{FF2B5EF4-FFF2-40B4-BE49-F238E27FC236}">
+                <a16:creationId xmlns:a16="http://schemas.microsoft.com/office/drawing/2014/main" id="{E9822B3F-8D6A-84BE-5AE5-EBAA19CBBB2E}"/>
+              </a:ext>
+            </a:extLst>
+          </p:cNvPr>
+          <p:cNvSpPr/>
+          <p:nvPr/>
+        </p:nvSpPr>
+        <p:spPr>
+          <a:xfrm>
+            <a:off x="1357173" y="3601078"/>
+            <a:ext cx="7555009" cy="309093"/>
+          </a:xfrm>
+          <a:prstGeom prst="rect">
+            <a:avLst/>
+          </a:prstGeom>
+        </p:spPr>
+        <p:style>
+          <a:lnRef idx="2">
+            <a:schemeClr val="accent2"/>
+          </a:lnRef>
+          <a:fillRef idx="1">
+            <a:schemeClr val="lt1"/>
+          </a:fillRef>
+          <a:effectRef idx="0">
+            <a:schemeClr val="accent2"/>
+          </a:effectRef>
+          <a:fontRef idx="minor">
+            <a:schemeClr val="dk1"/>
+          </a:fontRef>
+        </p:style>
+        <p:txBody>
+          <a:bodyPr rtlCol="0" anchor="ctr"/>
+          <a:lstStyle/>
+          <a:p>
+            <a:pPr algn="ctr"/>
+            <a:r>
+              <a:rPr lang="de-DE" dirty="0"/>
+              <a:t>Internetbasierte Anwendungen, Jahrgang 2023, am 01.Oktober.2023</a:t>
+            </a:r>
+          </a:p>
+        </p:txBody>
+      </p:sp>
     </p:spTree>
     <p:extLst>
       <p:ext uri="{BB962C8B-B14F-4D97-AF65-F5344CB8AC3E}">
-        <p14:creationId xmlns:p14="http://schemas.microsoft.com/office/powerpoint/2010/main" val="2296703691"/>
+        <p14:creationId xmlns:p14="http://schemas.microsoft.com/office/powerpoint/2010/main" val="417741236"/>
       </p:ext>
     </p:extLst>
   </p:cSld>
   <p:clrMapOvr>
     <a:masterClrMapping/>
   </p:clrMapOvr>
+  <p:timing>
+    <p:tnLst>
+      <p:par>
+        <p:cTn id="1" dur="indefinite" restart="never" nodeType="tmRoot">
+          <p:childTnLst>
+            <p:seq concurrent="1" nextAc="seek">
+              <p:cTn id="2" dur="indefinite" nodeType="mainSeq">
+                <p:childTnLst>
+                  <p:par>
+                    <p:cTn id="3" fill="hold">
+                      <p:stCondLst>
+                        <p:cond delay="indefinite"/>
+                      </p:stCondLst>
+                      <p:childTnLst>
+                        <p:par>
+                          <p:cTn id="4" fill="hold">
+                            <p:stCondLst>
+                              <p:cond delay="0"/>
+                            </p:stCondLst>
+                            <p:childTnLst>
+                              <p:par>
+                                <p:cTn id="5" presetID="1" presetClass="entr" presetSubtype="0" fill="hold" grpId="0" nodeType="clickEffect">
+                                  <p:stCondLst>
+                                    <p:cond delay="0"/>
+                                  </p:stCondLst>
+                                  <p:childTnLst>
+                                    <p:set>
+                                      <p:cBhvr>
+                                        <p:cTn id="6" dur="1" fill="hold">
+                                          <p:stCondLst>
+                                            <p:cond delay="0"/>
+                                          </p:stCondLst>
+                                        </p:cTn>
+                                        <p:tgtEl>
+                                          <p:spTgt spid="22"/>
+                                        </p:tgtEl>
+                                        <p:attrNameLst>
+                                          <p:attrName>style.visibility</p:attrName>
+                                        </p:attrNameLst>
+                                      </p:cBhvr>
+                                      <p:to>
+                                        <p:strVal val="visible"/>
+                                      </p:to>
+                                    </p:set>
+                                  </p:childTnLst>
+                                </p:cTn>
+                              </p:par>
+                            </p:childTnLst>
+                          </p:cTn>
+                        </p:par>
+                      </p:childTnLst>
+                    </p:cTn>
+                  </p:par>
+                  <p:par>
+                    <p:cTn id="7" fill="hold">
+                      <p:stCondLst>
+                        <p:cond delay="indefinite"/>
+                      </p:stCondLst>
+                      <p:childTnLst>
+                        <p:par>
+                          <p:cTn id="8" fill="hold">
+                            <p:stCondLst>
+                              <p:cond delay="0"/>
+                            </p:stCondLst>
+                            <p:childTnLst>
+                              <p:par>
+                                <p:cTn id="9" presetID="1" presetClass="entr" presetSubtype="0" fill="hold" grpId="0" nodeType="clickEffect">
+                                  <p:stCondLst>
+                                    <p:cond delay="0"/>
+                                  </p:stCondLst>
+                                  <p:childTnLst>
+                                    <p:set>
+                                      <p:cBhvr>
+                                        <p:cTn id="10" dur="1" fill="hold">
+                                          <p:stCondLst>
+                                            <p:cond delay="0"/>
+                                          </p:stCondLst>
+                                        </p:cTn>
+                                        <p:tgtEl>
+                                          <p:spTgt spid="15"/>
+                                        </p:tgtEl>
+                                        <p:attrNameLst>
+                                          <p:attrName>style.visibility</p:attrName>
+                                        </p:attrNameLst>
+                                      </p:cBhvr>
+                                      <p:to>
+                                        <p:strVal val="visible"/>
+                                      </p:to>
+                                    </p:set>
+                                  </p:childTnLst>
+                                </p:cTn>
+                              </p:par>
+                              <p:par>
+                                <p:cTn id="11" presetID="1" presetClass="entr" presetSubtype="0" fill="hold" grpId="0" nodeType="withEffect">
+                                  <p:stCondLst>
+                                    <p:cond delay="0"/>
+                                  </p:stCondLst>
+                                  <p:childTnLst>
+                                    <p:set>
+                                      <p:cBhvr>
+                                        <p:cTn id="12" dur="1" fill="hold">
+                                          <p:stCondLst>
+                                            <p:cond delay="0"/>
+                                          </p:stCondLst>
+                                        </p:cTn>
+                                        <p:tgtEl>
+                                          <p:spTgt spid="16"/>
+                                        </p:tgtEl>
+                                        <p:attrNameLst>
+                                          <p:attrName>style.visibility</p:attrName>
+                                        </p:attrNameLst>
+                                      </p:cBhvr>
+                                      <p:to>
+                                        <p:strVal val="visible"/>
+                                      </p:to>
+                                    </p:set>
+                                  </p:childTnLst>
+                                </p:cTn>
+                              </p:par>
+                              <p:par>
+                                <p:cTn id="13" presetID="1" presetClass="entr" presetSubtype="0" fill="hold" grpId="0" nodeType="withEffect">
+                                  <p:stCondLst>
+                                    <p:cond delay="0"/>
+                                  </p:stCondLst>
+                                  <p:childTnLst>
+                                    <p:set>
+                                      <p:cBhvr>
+                                        <p:cTn id="14" dur="1" fill="hold">
+                                          <p:stCondLst>
+                                            <p:cond delay="0"/>
+                                          </p:stCondLst>
+                                        </p:cTn>
+                                        <p:tgtEl>
+                                          <p:spTgt spid="17"/>
+                                        </p:tgtEl>
+                                        <p:attrNameLst>
+                                          <p:attrName>style.visibility</p:attrName>
+                                        </p:attrNameLst>
+                                      </p:cBhvr>
+                                      <p:to>
+                                        <p:strVal val="visible"/>
+                                      </p:to>
+                                    </p:set>
+                                  </p:childTnLst>
+                                </p:cTn>
+                              </p:par>
+                              <p:par>
+                                <p:cTn id="15" presetID="1" presetClass="entr" presetSubtype="0" fill="hold" grpId="0" nodeType="withEffect">
+                                  <p:stCondLst>
+                                    <p:cond delay="0"/>
+                                  </p:stCondLst>
+                                  <p:childTnLst>
+                                    <p:set>
+                                      <p:cBhvr>
+                                        <p:cTn id="16" dur="1" fill="hold">
+                                          <p:stCondLst>
+                                            <p:cond delay="0"/>
+                                          </p:stCondLst>
+                                        </p:cTn>
+                                        <p:tgtEl>
+                                          <p:spTgt spid="18"/>
+                                        </p:tgtEl>
+                                        <p:attrNameLst>
+                                          <p:attrName>style.visibility</p:attrName>
+                                        </p:attrNameLst>
+                                      </p:cBhvr>
+                                      <p:to>
+                                        <p:strVal val="visible"/>
+                                      </p:to>
+                                    </p:set>
+                                  </p:childTnLst>
+                                </p:cTn>
+                              </p:par>
+                              <p:par>
+                                <p:cTn id="17" presetID="1" presetClass="entr" presetSubtype="0" fill="hold" grpId="0" nodeType="withEffect">
+                                  <p:stCondLst>
+                                    <p:cond delay="0"/>
+                                  </p:stCondLst>
+                                  <p:childTnLst>
+                                    <p:set>
+                                      <p:cBhvr>
+                                        <p:cTn id="18" dur="1" fill="hold">
+                                          <p:stCondLst>
+                                            <p:cond delay="0"/>
+                                          </p:stCondLst>
+                                        </p:cTn>
+                                        <p:tgtEl>
+                                          <p:spTgt spid="19"/>
+                                        </p:tgtEl>
+                                        <p:attrNameLst>
+                                          <p:attrName>style.visibility</p:attrName>
+                                        </p:attrNameLst>
+                                      </p:cBhvr>
+                                      <p:to>
+                                        <p:strVal val="visible"/>
+                                      </p:to>
+                                    </p:set>
+                                  </p:childTnLst>
+                                </p:cTn>
+                              </p:par>
+                              <p:par>
+                                <p:cTn id="19" presetID="1" presetClass="entr" presetSubtype="0" fill="hold" nodeType="withEffect">
+                                  <p:stCondLst>
+                                    <p:cond delay="0"/>
+                                  </p:stCondLst>
+                                  <p:childTnLst>
+                                    <p:set>
+                                      <p:cBhvr>
+                                        <p:cTn id="20" dur="1" fill="hold">
+                                          <p:stCondLst>
+                                            <p:cond delay="0"/>
+                                          </p:stCondLst>
+                                        </p:cTn>
+                                        <p:tgtEl>
+                                          <p:spTgt spid="20"/>
+                                        </p:tgtEl>
+                                        <p:attrNameLst>
+                                          <p:attrName>style.visibility</p:attrName>
+                                        </p:attrNameLst>
+                                      </p:cBhvr>
+                                      <p:to>
+                                        <p:strVal val="visible"/>
+                                      </p:to>
+                                    </p:set>
+                                  </p:childTnLst>
+                                </p:cTn>
+                              </p:par>
+                              <p:par>
+                                <p:cTn id="21" presetID="1" presetClass="entr" presetSubtype="0" fill="hold" nodeType="withEffect">
+                                  <p:stCondLst>
+                                    <p:cond delay="0"/>
+                                  </p:stCondLst>
+                                  <p:childTnLst>
+                                    <p:set>
+                                      <p:cBhvr>
+                                        <p:cTn id="22" dur="1" fill="hold">
+                                          <p:stCondLst>
+                                            <p:cond delay="0"/>
+                                          </p:stCondLst>
+                                        </p:cTn>
+                                        <p:tgtEl>
+                                          <p:spTgt spid="21"/>
+                                        </p:tgtEl>
+                                        <p:attrNameLst>
+                                          <p:attrName>style.visibility</p:attrName>
+                                        </p:attrNameLst>
+                                      </p:cBhvr>
+                                      <p:to>
+                                        <p:strVal val="visible"/>
+                                      </p:to>
+                                    </p:set>
+                                  </p:childTnLst>
+                                </p:cTn>
+                              </p:par>
+                            </p:childTnLst>
+                          </p:cTn>
+                        </p:par>
+                      </p:childTnLst>
+                    </p:cTn>
+                  </p:par>
+                </p:childTnLst>
+              </p:cTn>
+              <p:prevCondLst>
+                <p:cond evt="onPrev" delay="0">
+                  <p:tgtEl>
+                    <p:sldTgt/>
+                  </p:tgtEl>
+                </p:cond>
+              </p:prevCondLst>
+              <p:nextCondLst>
+                <p:cond evt="onNext" delay="0">
+                  <p:tgtEl>
+                    <p:sldTgt/>
+                  </p:tgtEl>
+                </p:cond>
+              </p:nextCondLst>
+            </p:seq>
+          </p:childTnLst>
+        </p:cTn>
+      </p:par>
+    </p:tnLst>
+    <p:bldLst>
+      <p:bldP spid="15" grpId="0" animBg="1"/>
+      <p:bldP spid="16" grpId="0" animBg="1"/>
+      <p:bldP spid="17" grpId="0" animBg="1"/>
+      <p:bldP spid="18" grpId="0" animBg="1"/>
+      <p:bldP spid="19" grpId="0" animBg="1"/>
+      <p:bldP spid="22" grpId="0" animBg="1"/>
+    </p:bldLst>
+  </p:timing>
 </p:sld>
 </file>
 
